--- a/units/4/lessons/10/resources/petascale-lesson-4.10-slides.pptx
+++ b/units/4/lessons/10/resources/petascale-lesson-4.10-slides.pptx
@@ -4,16 +4,21 @@
   <p:sldMasterIdLst>
     <p:sldMasterId id="2147483648" r:id="rId1"/>
   </p:sldMasterIdLst>
+  <p:notesMasterIdLst>
+    <p:notesMasterId r:id="rId13"/>
+  </p:notesMasterIdLst>
   <p:sldIdLst>
-    <p:sldId id="256" r:id="rId2"/>
-    <p:sldId id="257" r:id="rId3"/>
-    <p:sldId id="260" r:id="rId4"/>
-    <p:sldId id="261" r:id="rId5"/>
-    <p:sldId id="262" r:id="rId6"/>
-    <p:sldId id="263" r:id="rId7"/>
-    <p:sldId id="264" r:id="rId8"/>
-    <p:sldId id="265" r:id="rId9"/>
-    <p:sldId id="266" r:id="rId10"/>
+    <p:sldId id="267" r:id="rId2"/>
+    <p:sldId id="268" r:id="rId3"/>
+    <p:sldId id="256" r:id="rId4"/>
+    <p:sldId id="257" r:id="rId5"/>
+    <p:sldId id="260" r:id="rId6"/>
+    <p:sldId id="261" r:id="rId7"/>
+    <p:sldId id="262" r:id="rId8"/>
+    <p:sldId id="263" r:id="rId9"/>
+    <p:sldId id="264" r:id="rId10"/>
+    <p:sldId id="265" r:id="rId11"/>
+    <p:sldId id="266" r:id="rId12"/>
   </p:sldIdLst>
   <p:sldSz cx="12192000" cy="6858000"/>
   <p:notesSz cx="6858000" cy="9144000"/>
@@ -120,6 +125,436 @@
 </p:presentation>
 </file>
 
+<file path=ppt/notesMasters/notesMaster1.xml><?xml version="1.0" encoding="utf-8"?>
+<p:notesMaster xmlns:a="http://schemas.openxmlformats.org/drawingml/2006/main" xmlns:r="http://schemas.openxmlformats.org/officeDocument/2006/relationships" xmlns:p="http://schemas.openxmlformats.org/presentationml/2006/main">
+  <p:cSld>
+    <p:bg>
+      <p:bgRef idx="1001">
+        <a:schemeClr val="bg1"/>
+      </p:bgRef>
+    </p:bg>
+    <p:spTree>
+      <p:nvGrpSpPr>
+        <p:cNvPr id="1" name=""/>
+        <p:cNvGrpSpPr/>
+        <p:nvPr/>
+      </p:nvGrpSpPr>
+      <p:grpSpPr>
+        <a:xfrm>
+          <a:off x="0" y="0"/>
+          <a:ext cx="0" cy="0"/>
+          <a:chOff x="0" y="0"/>
+          <a:chExt cx="0" cy="0"/>
+        </a:xfrm>
+      </p:grpSpPr>
+      <p:sp>
+        <p:nvSpPr>
+          <p:cNvPr id="2" name="Header Placeholder 1"/>
+          <p:cNvSpPr>
+            <a:spLocks noGrp="1"/>
+          </p:cNvSpPr>
+          <p:nvPr>
+            <p:ph type="hdr" sz="quarter"/>
+          </p:nvPr>
+        </p:nvSpPr>
+        <p:spPr>
+          <a:xfrm>
+            <a:off x="0" y="0"/>
+            <a:ext cx="2971800" cy="458788"/>
+          </a:xfrm>
+          <a:prstGeom prst="rect">
+            <a:avLst/>
+          </a:prstGeom>
+        </p:spPr>
+        <p:txBody>
+          <a:bodyPr vert="horz" lIns="91440" tIns="45720" rIns="91440" bIns="45720" rtlCol="0"/>
+          <a:lstStyle>
+            <a:lvl1pPr algn="l">
+              <a:defRPr sz="1200"/>
+            </a:lvl1pPr>
+          </a:lstStyle>
+          <a:p>
+            <a:endParaRPr lang="en-US"/>
+          </a:p>
+        </p:txBody>
+      </p:sp>
+      <p:sp>
+        <p:nvSpPr>
+          <p:cNvPr id="3" name="Date Placeholder 2"/>
+          <p:cNvSpPr>
+            <a:spLocks noGrp="1"/>
+          </p:cNvSpPr>
+          <p:nvPr>
+            <p:ph type="dt" idx="1"/>
+          </p:nvPr>
+        </p:nvSpPr>
+        <p:spPr>
+          <a:xfrm>
+            <a:off x="3884613" y="0"/>
+            <a:ext cx="2971800" cy="458788"/>
+          </a:xfrm>
+          <a:prstGeom prst="rect">
+            <a:avLst/>
+          </a:prstGeom>
+        </p:spPr>
+        <p:txBody>
+          <a:bodyPr vert="horz" lIns="91440" tIns="45720" rIns="91440" bIns="45720" rtlCol="0"/>
+          <a:lstStyle>
+            <a:lvl1pPr algn="r">
+              <a:defRPr sz="1200"/>
+            </a:lvl1pPr>
+          </a:lstStyle>
+          <a:p>
+            <a:fld id="{AE543F42-8206-7D47-912D-C747F671E23F}" type="datetimeFigureOut">
+              <a:rPr lang="en-US" smtClean="0"/>
+              <a:t>9/12/20</a:t>
+            </a:fld>
+            <a:endParaRPr lang="en-US"/>
+          </a:p>
+        </p:txBody>
+      </p:sp>
+      <p:sp>
+        <p:nvSpPr>
+          <p:cNvPr id="4" name="Slide Image Placeholder 3"/>
+          <p:cNvSpPr>
+            <a:spLocks noGrp="1" noRot="1" noChangeAspect="1"/>
+          </p:cNvSpPr>
+          <p:nvPr>
+            <p:ph type="sldImg" idx="2"/>
+          </p:nvPr>
+        </p:nvSpPr>
+        <p:spPr>
+          <a:xfrm>
+            <a:off x="685800" y="1143000"/>
+            <a:ext cx="5486400" cy="3086100"/>
+          </a:xfrm>
+          <a:prstGeom prst="rect">
+            <a:avLst/>
+          </a:prstGeom>
+          <a:noFill/>
+          <a:ln w="12700">
+            <a:solidFill>
+              <a:prstClr val="black"/>
+            </a:solidFill>
+          </a:ln>
+        </p:spPr>
+        <p:txBody>
+          <a:bodyPr vert="horz" lIns="91440" tIns="45720" rIns="91440" bIns="45720" rtlCol="0" anchor="ctr"/>
+          <a:lstStyle/>
+          <a:p>
+            <a:endParaRPr lang="en-US"/>
+          </a:p>
+        </p:txBody>
+      </p:sp>
+      <p:sp>
+        <p:nvSpPr>
+          <p:cNvPr id="5" name="Notes Placeholder 4"/>
+          <p:cNvSpPr>
+            <a:spLocks noGrp="1"/>
+          </p:cNvSpPr>
+          <p:nvPr>
+            <p:ph type="body" sz="quarter" idx="3"/>
+          </p:nvPr>
+        </p:nvSpPr>
+        <p:spPr>
+          <a:xfrm>
+            <a:off x="685800" y="4400550"/>
+            <a:ext cx="5486400" cy="3600450"/>
+          </a:xfrm>
+          <a:prstGeom prst="rect">
+            <a:avLst/>
+          </a:prstGeom>
+        </p:spPr>
+        <p:txBody>
+          <a:bodyPr vert="horz" lIns="91440" tIns="45720" rIns="91440" bIns="45720" rtlCol="0"/>
+          <a:lstStyle/>
+          <a:p>
+            <a:pPr lvl="0"/>
+            <a:r>
+              <a:rPr lang="en-US" smtClean="0"/>
+              <a:t>Click to edit Master text styles</a:t>
+            </a:r>
+          </a:p>
+          <a:p>
+            <a:pPr lvl="1"/>
+            <a:r>
+              <a:rPr lang="en-US" smtClean="0"/>
+              <a:t>Second level</a:t>
+            </a:r>
+          </a:p>
+          <a:p>
+            <a:pPr lvl="2"/>
+            <a:r>
+              <a:rPr lang="en-US" smtClean="0"/>
+              <a:t>Third level</a:t>
+            </a:r>
+          </a:p>
+          <a:p>
+            <a:pPr lvl="3"/>
+            <a:r>
+              <a:rPr lang="en-US" smtClean="0"/>
+              <a:t>Fourth level</a:t>
+            </a:r>
+          </a:p>
+          <a:p>
+            <a:pPr lvl="4"/>
+            <a:r>
+              <a:rPr lang="en-US" smtClean="0"/>
+              <a:t>Fifth level</a:t>
+            </a:r>
+            <a:endParaRPr lang="en-US"/>
+          </a:p>
+        </p:txBody>
+      </p:sp>
+      <p:sp>
+        <p:nvSpPr>
+          <p:cNvPr id="6" name="Footer Placeholder 5"/>
+          <p:cNvSpPr>
+            <a:spLocks noGrp="1"/>
+          </p:cNvSpPr>
+          <p:nvPr>
+            <p:ph type="ftr" sz="quarter" idx="4"/>
+          </p:nvPr>
+        </p:nvSpPr>
+        <p:spPr>
+          <a:xfrm>
+            <a:off x="0" y="8685213"/>
+            <a:ext cx="2971800" cy="458787"/>
+          </a:xfrm>
+          <a:prstGeom prst="rect">
+            <a:avLst/>
+          </a:prstGeom>
+        </p:spPr>
+        <p:txBody>
+          <a:bodyPr vert="horz" lIns="91440" tIns="45720" rIns="91440" bIns="45720" rtlCol="0" anchor="b"/>
+          <a:lstStyle>
+            <a:lvl1pPr algn="l">
+              <a:defRPr sz="1200"/>
+            </a:lvl1pPr>
+          </a:lstStyle>
+          <a:p>
+            <a:endParaRPr lang="en-US"/>
+          </a:p>
+        </p:txBody>
+      </p:sp>
+      <p:sp>
+        <p:nvSpPr>
+          <p:cNvPr id="7" name="Slide Number Placeholder 6"/>
+          <p:cNvSpPr>
+            <a:spLocks noGrp="1"/>
+          </p:cNvSpPr>
+          <p:nvPr>
+            <p:ph type="sldNum" sz="quarter" idx="5"/>
+          </p:nvPr>
+        </p:nvSpPr>
+        <p:spPr>
+          <a:xfrm>
+            <a:off x="3884613" y="8685213"/>
+            <a:ext cx="2971800" cy="458787"/>
+          </a:xfrm>
+          <a:prstGeom prst="rect">
+            <a:avLst/>
+          </a:prstGeom>
+        </p:spPr>
+        <p:txBody>
+          <a:bodyPr vert="horz" lIns="91440" tIns="45720" rIns="91440" bIns="45720" rtlCol="0" anchor="b"/>
+          <a:lstStyle>
+            <a:lvl1pPr algn="r">
+              <a:defRPr sz="1200"/>
+            </a:lvl1pPr>
+          </a:lstStyle>
+          <a:p>
+            <a:fld id="{C13B1EB7-8C3C-B342-8D09-EED8437A8368}" type="slidenum">
+              <a:rPr lang="en-US" smtClean="0"/>
+              <a:t>‹#›</a:t>
+            </a:fld>
+            <a:endParaRPr lang="en-US"/>
+          </a:p>
+        </p:txBody>
+      </p:sp>
+    </p:spTree>
+    <p:extLst>
+      <p:ext uri="{BB962C8B-B14F-4D97-AF65-F5344CB8AC3E}">
+        <p14:creationId xmlns:p14="http://schemas.microsoft.com/office/powerpoint/2010/main" val="1018687606"/>
+      </p:ext>
+    </p:extLst>
+  </p:cSld>
+  <p:clrMap bg1="lt1" tx1="dk1" bg2="lt2" tx2="dk2" accent1="accent1" accent2="accent2" accent3="accent3" accent4="accent4" accent5="accent5" accent6="accent6" hlink="hlink" folHlink="folHlink"/>
+  <p:notesStyle>
+    <a:lvl1pPr marL="0" algn="l" defTabSz="914400" rtl="0" eaLnBrk="1" latinLnBrk="0" hangingPunct="1">
+      <a:defRPr sz="1200" kern="1200">
+        <a:solidFill>
+          <a:schemeClr val="tx1"/>
+        </a:solidFill>
+        <a:latin typeface="+mn-lt"/>
+        <a:ea typeface="+mn-ea"/>
+        <a:cs typeface="+mn-cs"/>
+      </a:defRPr>
+    </a:lvl1pPr>
+    <a:lvl2pPr marL="457200" algn="l" defTabSz="914400" rtl="0" eaLnBrk="1" latinLnBrk="0" hangingPunct="1">
+      <a:defRPr sz="1200" kern="1200">
+        <a:solidFill>
+          <a:schemeClr val="tx1"/>
+        </a:solidFill>
+        <a:latin typeface="+mn-lt"/>
+        <a:ea typeface="+mn-ea"/>
+        <a:cs typeface="+mn-cs"/>
+      </a:defRPr>
+    </a:lvl2pPr>
+    <a:lvl3pPr marL="914400" algn="l" defTabSz="914400" rtl="0" eaLnBrk="1" latinLnBrk="0" hangingPunct="1">
+      <a:defRPr sz="1200" kern="1200">
+        <a:solidFill>
+          <a:schemeClr val="tx1"/>
+        </a:solidFill>
+        <a:latin typeface="+mn-lt"/>
+        <a:ea typeface="+mn-ea"/>
+        <a:cs typeface="+mn-cs"/>
+      </a:defRPr>
+    </a:lvl3pPr>
+    <a:lvl4pPr marL="1371600" algn="l" defTabSz="914400" rtl="0" eaLnBrk="1" latinLnBrk="0" hangingPunct="1">
+      <a:defRPr sz="1200" kern="1200">
+        <a:solidFill>
+          <a:schemeClr val="tx1"/>
+        </a:solidFill>
+        <a:latin typeface="+mn-lt"/>
+        <a:ea typeface="+mn-ea"/>
+        <a:cs typeface="+mn-cs"/>
+      </a:defRPr>
+    </a:lvl4pPr>
+    <a:lvl5pPr marL="1828800" algn="l" defTabSz="914400" rtl="0" eaLnBrk="1" latinLnBrk="0" hangingPunct="1">
+      <a:defRPr sz="1200" kern="1200">
+        <a:solidFill>
+          <a:schemeClr val="tx1"/>
+        </a:solidFill>
+        <a:latin typeface="+mn-lt"/>
+        <a:ea typeface="+mn-ea"/>
+        <a:cs typeface="+mn-cs"/>
+      </a:defRPr>
+    </a:lvl5pPr>
+    <a:lvl6pPr marL="2286000" algn="l" defTabSz="914400" rtl="0" eaLnBrk="1" latinLnBrk="0" hangingPunct="1">
+      <a:defRPr sz="1200" kern="1200">
+        <a:solidFill>
+          <a:schemeClr val="tx1"/>
+        </a:solidFill>
+        <a:latin typeface="+mn-lt"/>
+        <a:ea typeface="+mn-ea"/>
+        <a:cs typeface="+mn-cs"/>
+      </a:defRPr>
+    </a:lvl6pPr>
+    <a:lvl7pPr marL="2743200" algn="l" defTabSz="914400" rtl="0" eaLnBrk="1" latinLnBrk="0" hangingPunct="1">
+      <a:defRPr sz="1200" kern="1200">
+        <a:solidFill>
+          <a:schemeClr val="tx1"/>
+        </a:solidFill>
+        <a:latin typeface="+mn-lt"/>
+        <a:ea typeface="+mn-ea"/>
+        <a:cs typeface="+mn-cs"/>
+      </a:defRPr>
+    </a:lvl7pPr>
+    <a:lvl8pPr marL="3200400" algn="l" defTabSz="914400" rtl="0" eaLnBrk="1" latinLnBrk="0" hangingPunct="1">
+      <a:defRPr sz="1200" kern="1200">
+        <a:solidFill>
+          <a:schemeClr val="tx1"/>
+        </a:solidFill>
+        <a:latin typeface="+mn-lt"/>
+        <a:ea typeface="+mn-ea"/>
+        <a:cs typeface="+mn-cs"/>
+      </a:defRPr>
+    </a:lvl8pPr>
+    <a:lvl9pPr marL="3657600" algn="l" defTabSz="914400" rtl="0" eaLnBrk="1" latinLnBrk="0" hangingPunct="1">
+      <a:defRPr sz="1200" kern="1200">
+        <a:solidFill>
+          <a:schemeClr val="tx1"/>
+        </a:solidFill>
+        <a:latin typeface="+mn-lt"/>
+        <a:ea typeface="+mn-ea"/>
+        <a:cs typeface="+mn-cs"/>
+      </a:defRPr>
+    </a:lvl9pPr>
+  </p:notesStyle>
+</p:notesMaster>
+</file>
+
+<file path=ppt/notesSlides/notesSlide1.xml><?xml version="1.0" encoding="utf-8"?>
+<p:notes xmlns:a="http://schemas.openxmlformats.org/drawingml/2006/main" xmlns:r="http://schemas.openxmlformats.org/officeDocument/2006/relationships" xmlns:p="http://schemas.openxmlformats.org/presentationml/2006/main">
+  <p:cSld>
+    <p:spTree>
+      <p:nvGrpSpPr>
+        <p:cNvPr id="1" name=""/>
+        <p:cNvGrpSpPr/>
+        <p:nvPr/>
+      </p:nvGrpSpPr>
+      <p:grpSpPr>
+        <a:xfrm>
+          <a:off x="0" y="0"/>
+          <a:ext cx="0" cy="0"/>
+          <a:chOff x="0" y="0"/>
+          <a:chExt cx="0" cy="0"/>
+        </a:xfrm>
+      </p:grpSpPr>
+      <p:sp>
+        <p:nvSpPr>
+          <p:cNvPr id="2" name="Slide Image Placeholder 1"/>
+          <p:cNvSpPr>
+            <a:spLocks noGrp="1" noRot="1" noChangeAspect="1"/>
+          </p:cNvSpPr>
+          <p:nvPr>
+            <p:ph type="sldImg"/>
+          </p:nvPr>
+        </p:nvSpPr>
+        <p:spPr/>
+      </p:sp>
+      <p:sp>
+        <p:nvSpPr>
+          <p:cNvPr id="3" name="Notes Placeholder 2"/>
+          <p:cNvSpPr>
+            <a:spLocks noGrp="1"/>
+          </p:cNvSpPr>
+          <p:nvPr>
+            <p:ph type="body" idx="1"/>
+          </p:nvPr>
+        </p:nvSpPr>
+        <p:spPr/>
+        <p:txBody>
+          <a:bodyPr/>
+          <a:lstStyle/>
+          <a:p>
+            <a:pPr marL="457200" marR="0" lvl="0" indent="-298450" algn="l" defTabSz="914400" rtl="0" eaLnBrk="1" fontAlgn="auto" latinLnBrk="0" hangingPunct="1">
+              <a:lnSpc>
+                <a:spcPct val="100000"/>
+              </a:lnSpc>
+              <a:spcBef>
+                <a:spcPts val="0"/>
+              </a:spcBef>
+              <a:spcAft>
+                <a:spcPts val="0"/>
+              </a:spcAft>
+              <a:buClr>
+                <a:srgbClr val="000000"/>
+              </a:buClr>
+              <a:buSzPts val="1100"/>
+              <a:buFont typeface="Arial"/>
+              <a:buNone/>
+              <a:tabLst/>
+              <a:defRPr/>
+            </a:pPr>
+            <a:endParaRPr lang="en-US" dirty="0"/>
+          </a:p>
+        </p:txBody>
+      </p:sp>
+    </p:spTree>
+    <p:extLst>
+      <p:ext uri="{BB962C8B-B14F-4D97-AF65-F5344CB8AC3E}">
+        <p14:creationId xmlns:p14="http://schemas.microsoft.com/office/powerpoint/2010/main" val="1342960158"/>
+      </p:ext>
+    </p:extLst>
+  </p:cSld>
+  <p:clrMapOvr>
+    <a:masterClrMapping/>
+  </p:clrMapOvr>
+</p:notes>
+</file>
+
 <file path=ppt/slideLayouts/slideLayout1.xml><?xml version="1.0" encoding="utf-8"?>
 <p:sldLayout xmlns:a="http://schemas.openxmlformats.org/drawingml/2006/main" xmlns:r="http://schemas.openxmlformats.org/officeDocument/2006/relationships" xmlns:p="http://schemas.openxmlformats.org/presentationml/2006/main" type="title" preserve="1">
   <p:cSld name="Title Slide">
@@ -142,7 +577,7 @@
           <p:cNvPr id="2" name="Title 1">
             <a:extLst>
               <a:ext uri="{FF2B5EF4-FFF2-40B4-BE49-F238E27FC236}">
-                <a16:creationId xmlns:a16="http://schemas.microsoft.com/office/drawing/2014/main" id="{40012B62-12D0-464B-9CA2-FEBEF0CA2849}"/>
+                <a16:creationId xmlns:a16="http://schemas.microsoft.com/office/drawing/2014/main" xmlns="" id="{40012B62-12D0-464B-9CA2-FEBEF0CA2849}"/>
               </a:ext>
             </a:extLst>
           </p:cNvPr>
@@ -179,7 +614,7 @@
           <p:cNvPr id="3" name="Subtitle 2">
             <a:extLst>
               <a:ext uri="{FF2B5EF4-FFF2-40B4-BE49-F238E27FC236}">
-                <a16:creationId xmlns:a16="http://schemas.microsoft.com/office/drawing/2014/main" id="{421E35E6-A216-4EEE-AE6E-00F010D646F0}"/>
+                <a16:creationId xmlns:a16="http://schemas.microsoft.com/office/drawing/2014/main" xmlns="" id="{421E35E6-A216-4EEE-AE6E-00F010D646F0}"/>
               </a:ext>
             </a:extLst>
           </p:cNvPr>
@@ -249,7 +684,7 @@
           <p:cNvPr id="4" name="Date Placeholder 3">
             <a:extLst>
               <a:ext uri="{FF2B5EF4-FFF2-40B4-BE49-F238E27FC236}">
-                <a16:creationId xmlns:a16="http://schemas.microsoft.com/office/drawing/2014/main" id="{ACA76A64-5A78-4540-9A15-52CDEF268E00}"/>
+                <a16:creationId xmlns:a16="http://schemas.microsoft.com/office/drawing/2014/main" xmlns="" id="{ACA76A64-5A78-4540-9A15-52CDEF268E00}"/>
               </a:ext>
             </a:extLst>
           </p:cNvPr>
@@ -267,7 +702,7 @@
           <a:p>
             <a:fld id="{BB12B6EE-87B6-4F54-86EB-17FFFB1A32DD}" type="datetimeFigureOut">
               <a:rPr lang="en-US" smtClean="0"/>
-              <a:t>7/11/2020</a:t>
+              <a:t>9/12/20</a:t>
             </a:fld>
             <a:endParaRPr lang="en-US"/>
           </a:p>
@@ -278,7 +713,7 @@
           <p:cNvPr id="5" name="Footer Placeholder 4">
             <a:extLst>
               <a:ext uri="{FF2B5EF4-FFF2-40B4-BE49-F238E27FC236}">
-                <a16:creationId xmlns:a16="http://schemas.microsoft.com/office/drawing/2014/main" id="{5D4BDBDD-ECF6-4BEF-989E-AA0CB4E60E98}"/>
+                <a16:creationId xmlns:a16="http://schemas.microsoft.com/office/drawing/2014/main" xmlns="" id="{5D4BDBDD-ECF6-4BEF-989E-AA0CB4E60E98}"/>
               </a:ext>
             </a:extLst>
           </p:cNvPr>
@@ -303,7 +738,7 @@
           <p:cNvPr id="6" name="Slide Number Placeholder 5">
             <a:extLst>
               <a:ext uri="{FF2B5EF4-FFF2-40B4-BE49-F238E27FC236}">
-                <a16:creationId xmlns:a16="http://schemas.microsoft.com/office/drawing/2014/main" id="{8CD964A6-0FBB-4DCC-98ED-C809AB336AB2}"/>
+                <a16:creationId xmlns:a16="http://schemas.microsoft.com/office/drawing/2014/main" xmlns="" id="{8CD964A6-0FBB-4DCC-98ED-C809AB336AB2}"/>
               </a:ext>
             </a:extLst>
           </p:cNvPr>
@@ -362,7 +797,7 @@
           <p:cNvPr id="2" name="Title 1">
             <a:extLst>
               <a:ext uri="{FF2B5EF4-FFF2-40B4-BE49-F238E27FC236}">
-                <a16:creationId xmlns:a16="http://schemas.microsoft.com/office/drawing/2014/main" id="{AD6B041C-A8B6-49A1-AFFF-F741D4CCA28C}"/>
+                <a16:creationId xmlns:a16="http://schemas.microsoft.com/office/drawing/2014/main" xmlns="" id="{AD6B041C-A8B6-49A1-AFFF-F741D4CCA28C}"/>
               </a:ext>
             </a:extLst>
           </p:cNvPr>
@@ -390,7 +825,7 @@
           <p:cNvPr id="3" name="Vertical Text Placeholder 2">
             <a:extLst>
               <a:ext uri="{FF2B5EF4-FFF2-40B4-BE49-F238E27FC236}">
-                <a16:creationId xmlns:a16="http://schemas.microsoft.com/office/drawing/2014/main" id="{4115B864-4F21-4377-952D-D7AA53C6A5DA}"/>
+                <a16:creationId xmlns:a16="http://schemas.microsoft.com/office/drawing/2014/main" xmlns="" id="{4115B864-4F21-4377-952D-D7AA53C6A5DA}"/>
               </a:ext>
             </a:extLst>
           </p:cNvPr>
@@ -447,7 +882,7 @@
           <p:cNvPr id="4" name="Date Placeholder 3">
             <a:extLst>
               <a:ext uri="{FF2B5EF4-FFF2-40B4-BE49-F238E27FC236}">
-                <a16:creationId xmlns:a16="http://schemas.microsoft.com/office/drawing/2014/main" id="{0EDB75A3-069D-454B-941A-43035290FFA9}"/>
+                <a16:creationId xmlns:a16="http://schemas.microsoft.com/office/drawing/2014/main" xmlns="" id="{0EDB75A3-069D-454B-941A-43035290FFA9}"/>
               </a:ext>
             </a:extLst>
           </p:cNvPr>
@@ -465,7 +900,7 @@
           <a:p>
             <a:fld id="{BB12B6EE-87B6-4F54-86EB-17FFFB1A32DD}" type="datetimeFigureOut">
               <a:rPr lang="en-US" smtClean="0"/>
-              <a:t>7/11/2020</a:t>
+              <a:t>9/12/20</a:t>
             </a:fld>
             <a:endParaRPr lang="en-US"/>
           </a:p>
@@ -476,7 +911,7 @@
           <p:cNvPr id="5" name="Footer Placeholder 4">
             <a:extLst>
               <a:ext uri="{FF2B5EF4-FFF2-40B4-BE49-F238E27FC236}">
-                <a16:creationId xmlns:a16="http://schemas.microsoft.com/office/drawing/2014/main" id="{AF00E8BA-B735-4C37-9170-2A44BA762BCB}"/>
+                <a16:creationId xmlns:a16="http://schemas.microsoft.com/office/drawing/2014/main" xmlns="" id="{AF00E8BA-B735-4C37-9170-2A44BA762BCB}"/>
               </a:ext>
             </a:extLst>
           </p:cNvPr>
@@ -501,7 +936,7 @@
           <p:cNvPr id="6" name="Slide Number Placeholder 5">
             <a:extLst>
               <a:ext uri="{FF2B5EF4-FFF2-40B4-BE49-F238E27FC236}">
-                <a16:creationId xmlns:a16="http://schemas.microsoft.com/office/drawing/2014/main" id="{D429744C-5F98-4039-8BDC-6C21211A544F}"/>
+                <a16:creationId xmlns:a16="http://schemas.microsoft.com/office/drawing/2014/main" xmlns="" id="{D429744C-5F98-4039-8BDC-6C21211A544F}"/>
               </a:ext>
             </a:extLst>
           </p:cNvPr>
@@ -560,7 +995,7 @@
           <p:cNvPr id="2" name="Vertical Title 1">
             <a:extLst>
               <a:ext uri="{FF2B5EF4-FFF2-40B4-BE49-F238E27FC236}">
-                <a16:creationId xmlns:a16="http://schemas.microsoft.com/office/drawing/2014/main" id="{290E1794-21B7-4C7A-9560-B503C2D975C7}"/>
+                <a16:creationId xmlns:a16="http://schemas.microsoft.com/office/drawing/2014/main" xmlns="" id="{290E1794-21B7-4C7A-9560-B503C2D975C7}"/>
               </a:ext>
             </a:extLst>
           </p:cNvPr>
@@ -593,7 +1028,7 @@
           <p:cNvPr id="3" name="Vertical Text Placeholder 2">
             <a:extLst>
               <a:ext uri="{FF2B5EF4-FFF2-40B4-BE49-F238E27FC236}">
-                <a16:creationId xmlns:a16="http://schemas.microsoft.com/office/drawing/2014/main" id="{EDF16510-063B-41A3-AF77-EC26FA4F433C}"/>
+                <a16:creationId xmlns:a16="http://schemas.microsoft.com/office/drawing/2014/main" xmlns="" id="{EDF16510-063B-41A3-AF77-EC26FA4F433C}"/>
               </a:ext>
             </a:extLst>
           </p:cNvPr>
@@ -655,7 +1090,7 @@
           <p:cNvPr id="4" name="Date Placeholder 3">
             <a:extLst>
               <a:ext uri="{FF2B5EF4-FFF2-40B4-BE49-F238E27FC236}">
-                <a16:creationId xmlns:a16="http://schemas.microsoft.com/office/drawing/2014/main" id="{A8AB9C1D-9432-4BB1-B993-EF3CCF3D530A}"/>
+                <a16:creationId xmlns:a16="http://schemas.microsoft.com/office/drawing/2014/main" xmlns="" id="{A8AB9C1D-9432-4BB1-B993-EF3CCF3D530A}"/>
               </a:ext>
             </a:extLst>
           </p:cNvPr>
@@ -673,7 +1108,7 @@
           <a:p>
             <a:fld id="{BB12B6EE-87B6-4F54-86EB-17FFFB1A32DD}" type="datetimeFigureOut">
               <a:rPr lang="en-US" smtClean="0"/>
-              <a:t>7/11/2020</a:t>
+              <a:t>9/12/20</a:t>
             </a:fld>
             <a:endParaRPr lang="en-US"/>
           </a:p>
@@ -684,7 +1119,7 @@
           <p:cNvPr id="5" name="Footer Placeholder 4">
             <a:extLst>
               <a:ext uri="{FF2B5EF4-FFF2-40B4-BE49-F238E27FC236}">
-                <a16:creationId xmlns:a16="http://schemas.microsoft.com/office/drawing/2014/main" id="{C4F0AA67-D20D-47A4-9969-18C728B6BA3B}"/>
+                <a16:creationId xmlns:a16="http://schemas.microsoft.com/office/drawing/2014/main" xmlns="" id="{C4F0AA67-D20D-47A4-9969-18C728B6BA3B}"/>
               </a:ext>
             </a:extLst>
           </p:cNvPr>
@@ -709,7 +1144,7 @@
           <p:cNvPr id="6" name="Slide Number Placeholder 5">
             <a:extLst>
               <a:ext uri="{FF2B5EF4-FFF2-40B4-BE49-F238E27FC236}">
-                <a16:creationId xmlns:a16="http://schemas.microsoft.com/office/drawing/2014/main" id="{1748C84A-5FED-477E-B2A9-48381BFB117C}"/>
+                <a16:creationId xmlns:a16="http://schemas.microsoft.com/office/drawing/2014/main" xmlns="" id="{1748C84A-5FED-477E-B2A9-48381BFB117C}"/>
               </a:ext>
             </a:extLst>
           </p:cNvPr>
@@ -768,7 +1203,7 @@
           <p:cNvPr id="2" name="Title 1">
             <a:extLst>
               <a:ext uri="{FF2B5EF4-FFF2-40B4-BE49-F238E27FC236}">
-                <a16:creationId xmlns:a16="http://schemas.microsoft.com/office/drawing/2014/main" id="{777EFD71-3F85-4400-A3F3-F7A3DD9BBD49}"/>
+                <a16:creationId xmlns:a16="http://schemas.microsoft.com/office/drawing/2014/main" xmlns="" id="{777EFD71-3F85-4400-A3F3-F7A3DD9BBD49}"/>
               </a:ext>
             </a:extLst>
           </p:cNvPr>
@@ -796,7 +1231,7 @@
           <p:cNvPr id="3" name="Content Placeholder 2">
             <a:extLst>
               <a:ext uri="{FF2B5EF4-FFF2-40B4-BE49-F238E27FC236}">
-                <a16:creationId xmlns:a16="http://schemas.microsoft.com/office/drawing/2014/main" id="{B7EAB85C-B553-4CBF-8F14-7346CDDB235C}"/>
+                <a16:creationId xmlns:a16="http://schemas.microsoft.com/office/drawing/2014/main" xmlns="" id="{B7EAB85C-B553-4CBF-8F14-7346CDDB235C}"/>
               </a:ext>
             </a:extLst>
           </p:cNvPr>
@@ -859,7 +1294,7 @@
           <p:cNvPr id="4" name="Date Placeholder 3">
             <a:extLst>
               <a:ext uri="{FF2B5EF4-FFF2-40B4-BE49-F238E27FC236}">
-                <a16:creationId xmlns:a16="http://schemas.microsoft.com/office/drawing/2014/main" id="{3D8F572F-0A1D-499C-B2B8-40681D0F43B0}"/>
+                <a16:creationId xmlns:a16="http://schemas.microsoft.com/office/drawing/2014/main" xmlns="" id="{3D8F572F-0A1D-499C-B2B8-40681D0F43B0}"/>
               </a:ext>
             </a:extLst>
           </p:cNvPr>
@@ -877,7 +1312,7 @@
           <a:p>
             <a:fld id="{BB12B6EE-87B6-4F54-86EB-17FFFB1A32DD}" type="datetimeFigureOut">
               <a:rPr lang="en-US" smtClean="0"/>
-              <a:t>7/11/2020</a:t>
+              <a:t>9/12/20</a:t>
             </a:fld>
             <a:endParaRPr lang="en-US"/>
           </a:p>
@@ -888,7 +1323,7 @@
           <p:cNvPr id="5" name="Footer Placeholder 4">
             <a:extLst>
               <a:ext uri="{FF2B5EF4-FFF2-40B4-BE49-F238E27FC236}">
-                <a16:creationId xmlns:a16="http://schemas.microsoft.com/office/drawing/2014/main" id="{D974446D-F341-4F42-AC3F-68DA0BA26785}"/>
+                <a16:creationId xmlns:a16="http://schemas.microsoft.com/office/drawing/2014/main" xmlns="" id="{D974446D-F341-4F42-AC3F-68DA0BA26785}"/>
               </a:ext>
             </a:extLst>
           </p:cNvPr>
@@ -913,7 +1348,7 @@
           <p:cNvPr id="6" name="Slide Number Placeholder 5">
             <a:extLst>
               <a:ext uri="{FF2B5EF4-FFF2-40B4-BE49-F238E27FC236}">
-                <a16:creationId xmlns:a16="http://schemas.microsoft.com/office/drawing/2014/main" id="{DFCF4DCE-D852-4088-82E0-BB52DCADA6F2}"/>
+                <a16:creationId xmlns:a16="http://schemas.microsoft.com/office/drawing/2014/main" xmlns="" id="{DFCF4DCE-D852-4088-82E0-BB52DCADA6F2}"/>
               </a:ext>
             </a:extLst>
           </p:cNvPr>
@@ -972,7 +1407,7 @@
           <p:cNvPr id="2" name="Title 1">
             <a:extLst>
               <a:ext uri="{FF2B5EF4-FFF2-40B4-BE49-F238E27FC236}">
-                <a16:creationId xmlns:a16="http://schemas.microsoft.com/office/drawing/2014/main" id="{5B998071-6B2C-47BA-AF02-3F61569DBFA8}"/>
+                <a16:creationId xmlns:a16="http://schemas.microsoft.com/office/drawing/2014/main" xmlns="" id="{5B998071-6B2C-47BA-AF02-3F61569DBFA8}"/>
               </a:ext>
             </a:extLst>
           </p:cNvPr>
@@ -1009,7 +1444,7 @@
           <p:cNvPr id="3" name="Text Placeholder 2">
             <a:extLst>
               <a:ext uri="{FF2B5EF4-FFF2-40B4-BE49-F238E27FC236}">
-                <a16:creationId xmlns:a16="http://schemas.microsoft.com/office/drawing/2014/main" id="{C4832C1D-4582-4016-AFBD-01FD591CF964}"/>
+                <a16:creationId xmlns:a16="http://schemas.microsoft.com/office/drawing/2014/main" xmlns="" id="{C4832C1D-4582-4016-AFBD-01FD591CF964}"/>
               </a:ext>
             </a:extLst>
           </p:cNvPr>
@@ -1134,7 +1569,7 @@
           <p:cNvPr id="4" name="Date Placeholder 3">
             <a:extLst>
               <a:ext uri="{FF2B5EF4-FFF2-40B4-BE49-F238E27FC236}">
-                <a16:creationId xmlns:a16="http://schemas.microsoft.com/office/drawing/2014/main" id="{2E10520F-933C-4D1F-A082-BF760D06BA4A}"/>
+                <a16:creationId xmlns:a16="http://schemas.microsoft.com/office/drawing/2014/main" xmlns="" id="{2E10520F-933C-4D1F-A082-BF760D06BA4A}"/>
               </a:ext>
             </a:extLst>
           </p:cNvPr>
@@ -1152,7 +1587,7 @@
           <a:p>
             <a:fld id="{BB12B6EE-87B6-4F54-86EB-17FFFB1A32DD}" type="datetimeFigureOut">
               <a:rPr lang="en-US" smtClean="0"/>
-              <a:t>7/11/2020</a:t>
+              <a:t>9/12/20</a:t>
             </a:fld>
             <a:endParaRPr lang="en-US"/>
           </a:p>
@@ -1163,7 +1598,7 @@
           <p:cNvPr id="5" name="Footer Placeholder 4">
             <a:extLst>
               <a:ext uri="{FF2B5EF4-FFF2-40B4-BE49-F238E27FC236}">
-                <a16:creationId xmlns:a16="http://schemas.microsoft.com/office/drawing/2014/main" id="{3EBCA079-C112-43DA-B2FA-118DC5E34156}"/>
+                <a16:creationId xmlns:a16="http://schemas.microsoft.com/office/drawing/2014/main" xmlns="" id="{3EBCA079-C112-43DA-B2FA-118DC5E34156}"/>
               </a:ext>
             </a:extLst>
           </p:cNvPr>
@@ -1188,7 +1623,7 @@
           <p:cNvPr id="6" name="Slide Number Placeholder 5">
             <a:extLst>
               <a:ext uri="{FF2B5EF4-FFF2-40B4-BE49-F238E27FC236}">
-                <a16:creationId xmlns:a16="http://schemas.microsoft.com/office/drawing/2014/main" id="{3AE5DB59-4A6D-46A2-9A2A-2202BEC51D87}"/>
+                <a16:creationId xmlns:a16="http://schemas.microsoft.com/office/drawing/2014/main" xmlns="" id="{3AE5DB59-4A6D-46A2-9A2A-2202BEC51D87}"/>
               </a:ext>
             </a:extLst>
           </p:cNvPr>
@@ -1247,7 +1682,7 @@
           <p:cNvPr id="2" name="Title 1">
             <a:extLst>
               <a:ext uri="{FF2B5EF4-FFF2-40B4-BE49-F238E27FC236}">
-                <a16:creationId xmlns:a16="http://schemas.microsoft.com/office/drawing/2014/main" id="{3655E0AB-B73A-4002-8F07-2CD525D60136}"/>
+                <a16:creationId xmlns:a16="http://schemas.microsoft.com/office/drawing/2014/main" xmlns="" id="{3655E0AB-B73A-4002-8F07-2CD525D60136}"/>
               </a:ext>
             </a:extLst>
           </p:cNvPr>
@@ -1275,7 +1710,7 @@
           <p:cNvPr id="3" name="Content Placeholder 2">
             <a:extLst>
               <a:ext uri="{FF2B5EF4-FFF2-40B4-BE49-F238E27FC236}">
-                <a16:creationId xmlns:a16="http://schemas.microsoft.com/office/drawing/2014/main" id="{583BF3B1-1FE4-4E6B-B4FC-DB7654FE1D31}"/>
+                <a16:creationId xmlns:a16="http://schemas.microsoft.com/office/drawing/2014/main" xmlns="" id="{583BF3B1-1FE4-4E6B-B4FC-DB7654FE1D31}"/>
               </a:ext>
             </a:extLst>
           </p:cNvPr>
@@ -1337,7 +1772,7 @@
           <p:cNvPr id="4" name="Content Placeholder 3">
             <a:extLst>
               <a:ext uri="{FF2B5EF4-FFF2-40B4-BE49-F238E27FC236}">
-                <a16:creationId xmlns:a16="http://schemas.microsoft.com/office/drawing/2014/main" id="{C2E50998-5AFF-444E-B22F-F4B67EDB57E0}"/>
+                <a16:creationId xmlns:a16="http://schemas.microsoft.com/office/drawing/2014/main" xmlns="" id="{C2E50998-5AFF-444E-B22F-F4B67EDB57E0}"/>
               </a:ext>
             </a:extLst>
           </p:cNvPr>
@@ -1399,7 +1834,7 @@
           <p:cNvPr id="5" name="Date Placeholder 4">
             <a:extLst>
               <a:ext uri="{FF2B5EF4-FFF2-40B4-BE49-F238E27FC236}">
-                <a16:creationId xmlns:a16="http://schemas.microsoft.com/office/drawing/2014/main" id="{79EA5051-A6A1-48E4-BBA2-59EE06D49FAE}"/>
+                <a16:creationId xmlns:a16="http://schemas.microsoft.com/office/drawing/2014/main" xmlns="" id="{79EA5051-A6A1-48E4-BBA2-59EE06D49FAE}"/>
               </a:ext>
             </a:extLst>
           </p:cNvPr>
@@ -1417,7 +1852,7 @@
           <a:p>
             <a:fld id="{BB12B6EE-87B6-4F54-86EB-17FFFB1A32DD}" type="datetimeFigureOut">
               <a:rPr lang="en-US" smtClean="0"/>
-              <a:t>7/11/2020</a:t>
+              <a:t>9/12/20</a:t>
             </a:fld>
             <a:endParaRPr lang="en-US"/>
           </a:p>
@@ -1428,7 +1863,7 @@
           <p:cNvPr id="6" name="Footer Placeholder 5">
             <a:extLst>
               <a:ext uri="{FF2B5EF4-FFF2-40B4-BE49-F238E27FC236}">
-                <a16:creationId xmlns:a16="http://schemas.microsoft.com/office/drawing/2014/main" id="{F0EF32A9-CB72-4E1B-98EB-96637A86FB00}"/>
+                <a16:creationId xmlns:a16="http://schemas.microsoft.com/office/drawing/2014/main" xmlns="" id="{F0EF32A9-CB72-4E1B-98EB-96637A86FB00}"/>
               </a:ext>
             </a:extLst>
           </p:cNvPr>
@@ -1453,7 +1888,7 @@
           <p:cNvPr id="7" name="Slide Number Placeholder 6">
             <a:extLst>
               <a:ext uri="{FF2B5EF4-FFF2-40B4-BE49-F238E27FC236}">
-                <a16:creationId xmlns:a16="http://schemas.microsoft.com/office/drawing/2014/main" id="{432C1F01-7F91-4748-A467-5FD8E867CF82}"/>
+                <a16:creationId xmlns:a16="http://schemas.microsoft.com/office/drawing/2014/main" xmlns="" id="{432C1F01-7F91-4748-A467-5FD8E867CF82}"/>
               </a:ext>
             </a:extLst>
           </p:cNvPr>
@@ -1512,7 +1947,7 @@
           <p:cNvPr id="2" name="Title 1">
             <a:extLst>
               <a:ext uri="{FF2B5EF4-FFF2-40B4-BE49-F238E27FC236}">
-                <a16:creationId xmlns:a16="http://schemas.microsoft.com/office/drawing/2014/main" id="{78C9B172-ECB7-4F43-8898-DF95939B24A7}"/>
+                <a16:creationId xmlns:a16="http://schemas.microsoft.com/office/drawing/2014/main" xmlns="" id="{78C9B172-ECB7-4F43-8898-DF95939B24A7}"/>
               </a:ext>
             </a:extLst>
           </p:cNvPr>
@@ -1545,7 +1980,7 @@
           <p:cNvPr id="3" name="Text Placeholder 2">
             <a:extLst>
               <a:ext uri="{FF2B5EF4-FFF2-40B4-BE49-F238E27FC236}">
-                <a16:creationId xmlns:a16="http://schemas.microsoft.com/office/drawing/2014/main" id="{56DB80DE-34E1-4067-8CDE-54E479C06312}"/>
+                <a16:creationId xmlns:a16="http://schemas.microsoft.com/office/drawing/2014/main" xmlns="" id="{56DB80DE-34E1-4067-8CDE-54E479C06312}"/>
               </a:ext>
             </a:extLst>
           </p:cNvPr>
@@ -1616,7 +2051,7 @@
           <p:cNvPr id="4" name="Content Placeholder 3">
             <a:extLst>
               <a:ext uri="{FF2B5EF4-FFF2-40B4-BE49-F238E27FC236}">
-                <a16:creationId xmlns:a16="http://schemas.microsoft.com/office/drawing/2014/main" id="{3D9F27B3-B14C-48F9-9F54-9688B27E9C3C}"/>
+                <a16:creationId xmlns:a16="http://schemas.microsoft.com/office/drawing/2014/main" xmlns="" id="{3D9F27B3-B14C-48F9-9F54-9688B27E9C3C}"/>
               </a:ext>
             </a:extLst>
           </p:cNvPr>
@@ -1678,7 +2113,7 @@
           <p:cNvPr id="5" name="Text Placeholder 4">
             <a:extLst>
               <a:ext uri="{FF2B5EF4-FFF2-40B4-BE49-F238E27FC236}">
-                <a16:creationId xmlns:a16="http://schemas.microsoft.com/office/drawing/2014/main" id="{A1AB7D90-0A85-4431-B836-ABD606AEA0FD}"/>
+                <a16:creationId xmlns:a16="http://schemas.microsoft.com/office/drawing/2014/main" xmlns="" id="{A1AB7D90-0A85-4431-B836-ABD606AEA0FD}"/>
               </a:ext>
             </a:extLst>
           </p:cNvPr>
@@ -1749,7 +2184,7 @@
           <p:cNvPr id="6" name="Content Placeholder 5">
             <a:extLst>
               <a:ext uri="{FF2B5EF4-FFF2-40B4-BE49-F238E27FC236}">
-                <a16:creationId xmlns:a16="http://schemas.microsoft.com/office/drawing/2014/main" id="{0DC02D56-F017-43FF-A196-EDE7BFB78EC2}"/>
+                <a16:creationId xmlns:a16="http://schemas.microsoft.com/office/drawing/2014/main" xmlns="" id="{0DC02D56-F017-43FF-A196-EDE7BFB78EC2}"/>
               </a:ext>
             </a:extLst>
           </p:cNvPr>
@@ -1811,7 +2246,7 @@
           <p:cNvPr id="7" name="Date Placeholder 6">
             <a:extLst>
               <a:ext uri="{FF2B5EF4-FFF2-40B4-BE49-F238E27FC236}">
-                <a16:creationId xmlns:a16="http://schemas.microsoft.com/office/drawing/2014/main" id="{F69326D0-3BF4-4807-9F76-E75F3B4713B8}"/>
+                <a16:creationId xmlns:a16="http://schemas.microsoft.com/office/drawing/2014/main" xmlns="" id="{F69326D0-3BF4-4807-9F76-E75F3B4713B8}"/>
               </a:ext>
             </a:extLst>
           </p:cNvPr>
@@ -1829,7 +2264,7 @@
           <a:p>
             <a:fld id="{BB12B6EE-87B6-4F54-86EB-17FFFB1A32DD}" type="datetimeFigureOut">
               <a:rPr lang="en-US" smtClean="0"/>
-              <a:t>7/11/2020</a:t>
+              <a:t>9/12/20</a:t>
             </a:fld>
             <a:endParaRPr lang="en-US"/>
           </a:p>
@@ -1840,7 +2275,7 @@
           <p:cNvPr id="8" name="Footer Placeholder 7">
             <a:extLst>
               <a:ext uri="{FF2B5EF4-FFF2-40B4-BE49-F238E27FC236}">
-                <a16:creationId xmlns:a16="http://schemas.microsoft.com/office/drawing/2014/main" id="{77F680E9-3CC3-4460-8407-A04B91E8546E}"/>
+                <a16:creationId xmlns:a16="http://schemas.microsoft.com/office/drawing/2014/main" xmlns="" id="{77F680E9-3CC3-4460-8407-A04B91E8546E}"/>
               </a:ext>
             </a:extLst>
           </p:cNvPr>
@@ -1865,7 +2300,7 @@
           <p:cNvPr id="9" name="Slide Number Placeholder 8">
             <a:extLst>
               <a:ext uri="{FF2B5EF4-FFF2-40B4-BE49-F238E27FC236}">
-                <a16:creationId xmlns:a16="http://schemas.microsoft.com/office/drawing/2014/main" id="{A7B44F14-8980-4588-AB53-AE7F72848082}"/>
+                <a16:creationId xmlns:a16="http://schemas.microsoft.com/office/drawing/2014/main" xmlns="" id="{A7B44F14-8980-4588-AB53-AE7F72848082}"/>
               </a:ext>
             </a:extLst>
           </p:cNvPr>
@@ -1924,7 +2359,7 @@
           <p:cNvPr id="2" name="Title 1">
             <a:extLst>
               <a:ext uri="{FF2B5EF4-FFF2-40B4-BE49-F238E27FC236}">
-                <a16:creationId xmlns:a16="http://schemas.microsoft.com/office/drawing/2014/main" id="{2608B902-36DE-4564-9179-89708595B19D}"/>
+                <a16:creationId xmlns:a16="http://schemas.microsoft.com/office/drawing/2014/main" xmlns="" id="{2608B902-36DE-4564-9179-89708595B19D}"/>
               </a:ext>
             </a:extLst>
           </p:cNvPr>
@@ -1952,7 +2387,7 @@
           <p:cNvPr id="3" name="Date Placeholder 2">
             <a:extLst>
               <a:ext uri="{FF2B5EF4-FFF2-40B4-BE49-F238E27FC236}">
-                <a16:creationId xmlns:a16="http://schemas.microsoft.com/office/drawing/2014/main" id="{B008D90E-84ED-4D28-9492-F23212CD7391}"/>
+                <a16:creationId xmlns:a16="http://schemas.microsoft.com/office/drawing/2014/main" xmlns="" id="{B008D90E-84ED-4D28-9492-F23212CD7391}"/>
               </a:ext>
             </a:extLst>
           </p:cNvPr>
@@ -1970,7 +2405,7 @@
           <a:p>
             <a:fld id="{BB12B6EE-87B6-4F54-86EB-17FFFB1A32DD}" type="datetimeFigureOut">
               <a:rPr lang="en-US" smtClean="0"/>
-              <a:t>7/11/2020</a:t>
+              <a:t>9/12/20</a:t>
             </a:fld>
             <a:endParaRPr lang="en-US"/>
           </a:p>
@@ -1981,7 +2416,7 @@
           <p:cNvPr id="4" name="Footer Placeholder 3">
             <a:extLst>
               <a:ext uri="{FF2B5EF4-FFF2-40B4-BE49-F238E27FC236}">
-                <a16:creationId xmlns:a16="http://schemas.microsoft.com/office/drawing/2014/main" id="{ADB51540-96E6-43F3-9CBA-AFEA5FE0FD61}"/>
+                <a16:creationId xmlns:a16="http://schemas.microsoft.com/office/drawing/2014/main" xmlns="" id="{ADB51540-96E6-43F3-9CBA-AFEA5FE0FD61}"/>
               </a:ext>
             </a:extLst>
           </p:cNvPr>
@@ -2006,7 +2441,7 @@
           <p:cNvPr id="5" name="Slide Number Placeholder 4">
             <a:extLst>
               <a:ext uri="{FF2B5EF4-FFF2-40B4-BE49-F238E27FC236}">
-                <a16:creationId xmlns:a16="http://schemas.microsoft.com/office/drawing/2014/main" id="{98757C40-15F0-47DE-823A-9D8A98A593C7}"/>
+                <a16:creationId xmlns:a16="http://schemas.microsoft.com/office/drawing/2014/main" xmlns="" id="{98757C40-15F0-47DE-823A-9D8A98A593C7}"/>
               </a:ext>
             </a:extLst>
           </p:cNvPr>
@@ -2065,7 +2500,7 @@
           <p:cNvPr id="2" name="Date Placeholder 1">
             <a:extLst>
               <a:ext uri="{FF2B5EF4-FFF2-40B4-BE49-F238E27FC236}">
-                <a16:creationId xmlns:a16="http://schemas.microsoft.com/office/drawing/2014/main" id="{2CA96519-EB42-4DCA-AB2F-6C549E037737}"/>
+                <a16:creationId xmlns:a16="http://schemas.microsoft.com/office/drawing/2014/main" xmlns="" id="{2CA96519-EB42-4DCA-AB2F-6C549E037737}"/>
               </a:ext>
             </a:extLst>
           </p:cNvPr>
@@ -2083,7 +2518,7 @@
           <a:p>
             <a:fld id="{BB12B6EE-87B6-4F54-86EB-17FFFB1A32DD}" type="datetimeFigureOut">
               <a:rPr lang="en-US" smtClean="0"/>
-              <a:t>7/11/2020</a:t>
+              <a:t>9/12/20</a:t>
             </a:fld>
             <a:endParaRPr lang="en-US"/>
           </a:p>
@@ -2094,7 +2529,7 @@
           <p:cNvPr id="3" name="Footer Placeholder 2">
             <a:extLst>
               <a:ext uri="{FF2B5EF4-FFF2-40B4-BE49-F238E27FC236}">
-                <a16:creationId xmlns:a16="http://schemas.microsoft.com/office/drawing/2014/main" id="{B101CE27-EC60-48CE-96FF-11E1607C7073}"/>
+                <a16:creationId xmlns:a16="http://schemas.microsoft.com/office/drawing/2014/main" xmlns="" id="{B101CE27-EC60-48CE-96FF-11E1607C7073}"/>
               </a:ext>
             </a:extLst>
           </p:cNvPr>
@@ -2119,7 +2554,7 @@
           <p:cNvPr id="4" name="Slide Number Placeholder 3">
             <a:extLst>
               <a:ext uri="{FF2B5EF4-FFF2-40B4-BE49-F238E27FC236}">
-                <a16:creationId xmlns:a16="http://schemas.microsoft.com/office/drawing/2014/main" id="{7657DDD9-D0C9-4A5B-98F9-DFA0A43D7E3C}"/>
+                <a16:creationId xmlns:a16="http://schemas.microsoft.com/office/drawing/2014/main" xmlns="" id="{7657DDD9-D0C9-4A5B-98F9-DFA0A43D7E3C}"/>
               </a:ext>
             </a:extLst>
           </p:cNvPr>
@@ -2178,7 +2613,7 @@
           <p:cNvPr id="2" name="Title 1">
             <a:extLst>
               <a:ext uri="{FF2B5EF4-FFF2-40B4-BE49-F238E27FC236}">
-                <a16:creationId xmlns:a16="http://schemas.microsoft.com/office/drawing/2014/main" id="{B2512037-8DE6-402E-A452-FA7079B86D00}"/>
+                <a16:creationId xmlns:a16="http://schemas.microsoft.com/office/drawing/2014/main" xmlns="" id="{B2512037-8DE6-402E-A452-FA7079B86D00}"/>
               </a:ext>
             </a:extLst>
           </p:cNvPr>
@@ -2215,7 +2650,7 @@
           <p:cNvPr id="3" name="Content Placeholder 2">
             <a:extLst>
               <a:ext uri="{FF2B5EF4-FFF2-40B4-BE49-F238E27FC236}">
-                <a16:creationId xmlns:a16="http://schemas.microsoft.com/office/drawing/2014/main" id="{6F2ED827-8FDF-4C4A-A2E3-640C88C7E834}"/>
+                <a16:creationId xmlns:a16="http://schemas.microsoft.com/office/drawing/2014/main" xmlns="" id="{6F2ED827-8FDF-4C4A-A2E3-640C88C7E834}"/>
               </a:ext>
             </a:extLst>
           </p:cNvPr>
@@ -2305,7 +2740,7 @@
           <p:cNvPr id="4" name="Text Placeholder 3">
             <a:extLst>
               <a:ext uri="{FF2B5EF4-FFF2-40B4-BE49-F238E27FC236}">
-                <a16:creationId xmlns:a16="http://schemas.microsoft.com/office/drawing/2014/main" id="{5C4A24EC-321C-44F8-9820-492F88566D9B}"/>
+                <a16:creationId xmlns:a16="http://schemas.microsoft.com/office/drawing/2014/main" xmlns="" id="{5C4A24EC-321C-44F8-9820-492F88566D9B}"/>
               </a:ext>
             </a:extLst>
           </p:cNvPr>
@@ -2376,7 +2811,7 @@
           <p:cNvPr id="5" name="Date Placeholder 4">
             <a:extLst>
               <a:ext uri="{FF2B5EF4-FFF2-40B4-BE49-F238E27FC236}">
-                <a16:creationId xmlns:a16="http://schemas.microsoft.com/office/drawing/2014/main" id="{E298D139-9991-4D9F-BB31-8135AC4B546D}"/>
+                <a16:creationId xmlns:a16="http://schemas.microsoft.com/office/drawing/2014/main" xmlns="" id="{E298D139-9991-4D9F-BB31-8135AC4B546D}"/>
               </a:ext>
             </a:extLst>
           </p:cNvPr>
@@ -2394,7 +2829,7 @@
           <a:p>
             <a:fld id="{BB12B6EE-87B6-4F54-86EB-17FFFB1A32DD}" type="datetimeFigureOut">
               <a:rPr lang="en-US" smtClean="0"/>
-              <a:t>7/11/2020</a:t>
+              <a:t>9/12/20</a:t>
             </a:fld>
             <a:endParaRPr lang="en-US"/>
           </a:p>
@@ -2405,7 +2840,7 @@
           <p:cNvPr id="6" name="Footer Placeholder 5">
             <a:extLst>
               <a:ext uri="{FF2B5EF4-FFF2-40B4-BE49-F238E27FC236}">
-                <a16:creationId xmlns:a16="http://schemas.microsoft.com/office/drawing/2014/main" id="{F8959B0E-D898-45CB-8C80-06B43C95DE96}"/>
+                <a16:creationId xmlns:a16="http://schemas.microsoft.com/office/drawing/2014/main" xmlns="" id="{F8959B0E-D898-45CB-8C80-06B43C95DE96}"/>
               </a:ext>
             </a:extLst>
           </p:cNvPr>
@@ -2430,7 +2865,7 @@
           <p:cNvPr id="7" name="Slide Number Placeholder 6">
             <a:extLst>
               <a:ext uri="{FF2B5EF4-FFF2-40B4-BE49-F238E27FC236}">
-                <a16:creationId xmlns:a16="http://schemas.microsoft.com/office/drawing/2014/main" id="{C6784A2B-3944-4481-9541-6AD4B8FF57DE}"/>
+                <a16:creationId xmlns:a16="http://schemas.microsoft.com/office/drawing/2014/main" xmlns="" id="{C6784A2B-3944-4481-9541-6AD4B8FF57DE}"/>
               </a:ext>
             </a:extLst>
           </p:cNvPr>
@@ -2489,7 +2924,7 @@
           <p:cNvPr id="2" name="Title 1">
             <a:extLst>
               <a:ext uri="{FF2B5EF4-FFF2-40B4-BE49-F238E27FC236}">
-                <a16:creationId xmlns:a16="http://schemas.microsoft.com/office/drawing/2014/main" id="{B57E83F9-1F4B-4336-B078-09A380D8C166}"/>
+                <a16:creationId xmlns:a16="http://schemas.microsoft.com/office/drawing/2014/main" xmlns="" id="{B57E83F9-1F4B-4336-B078-09A380D8C166}"/>
               </a:ext>
             </a:extLst>
           </p:cNvPr>
@@ -2526,7 +2961,7 @@
           <p:cNvPr id="3" name="Picture Placeholder 2">
             <a:extLst>
               <a:ext uri="{FF2B5EF4-FFF2-40B4-BE49-F238E27FC236}">
-                <a16:creationId xmlns:a16="http://schemas.microsoft.com/office/drawing/2014/main" id="{88CB31D0-1E98-4FAD-B6C2-AFC473B346AA}"/>
+                <a16:creationId xmlns:a16="http://schemas.microsoft.com/office/drawing/2014/main" xmlns="" id="{88CB31D0-1E98-4FAD-B6C2-AFC473B346AA}"/>
               </a:ext>
             </a:extLst>
           </p:cNvPr>
@@ -2593,7 +3028,7 @@
           <p:cNvPr id="4" name="Text Placeholder 3">
             <a:extLst>
               <a:ext uri="{FF2B5EF4-FFF2-40B4-BE49-F238E27FC236}">
-                <a16:creationId xmlns:a16="http://schemas.microsoft.com/office/drawing/2014/main" id="{1DA8169C-7165-47B1-9079-3D79B81A5A74}"/>
+                <a16:creationId xmlns:a16="http://schemas.microsoft.com/office/drawing/2014/main" xmlns="" id="{1DA8169C-7165-47B1-9079-3D79B81A5A74}"/>
               </a:ext>
             </a:extLst>
           </p:cNvPr>
@@ -2664,7 +3099,7 @@
           <p:cNvPr id="5" name="Date Placeholder 4">
             <a:extLst>
               <a:ext uri="{FF2B5EF4-FFF2-40B4-BE49-F238E27FC236}">
-                <a16:creationId xmlns:a16="http://schemas.microsoft.com/office/drawing/2014/main" id="{6E3DD7F9-DB66-4699-90C8-16A74EEF8C35}"/>
+                <a16:creationId xmlns:a16="http://schemas.microsoft.com/office/drawing/2014/main" xmlns="" id="{6E3DD7F9-DB66-4699-90C8-16A74EEF8C35}"/>
               </a:ext>
             </a:extLst>
           </p:cNvPr>
@@ -2682,7 +3117,7 @@
           <a:p>
             <a:fld id="{BB12B6EE-87B6-4F54-86EB-17FFFB1A32DD}" type="datetimeFigureOut">
               <a:rPr lang="en-US" smtClean="0"/>
-              <a:t>7/11/2020</a:t>
+              <a:t>9/12/20</a:t>
             </a:fld>
             <a:endParaRPr lang="en-US"/>
           </a:p>
@@ -2693,7 +3128,7 @@
           <p:cNvPr id="6" name="Footer Placeholder 5">
             <a:extLst>
               <a:ext uri="{FF2B5EF4-FFF2-40B4-BE49-F238E27FC236}">
-                <a16:creationId xmlns:a16="http://schemas.microsoft.com/office/drawing/2014/main" id="{628E6318-0B3B-4814-B9E4-823A7F0FE79A}"/>
+                <a16:creationId xmlns:a16="http://schemas.microsoft.com/office/drawing/2014/main" xmlns="" id="{628E6318-0B3B-4814-B9E4-823A7F0FE79A}"/>
               </a:ext>
             </a:extLst>
           </p:cNvPr>
@@ -2718,7 +3153,7 @@
           <p:cNvPr id="7" name="Slide Number Placeholder 6">
             <a:extLst>
               <a:ext uri="{FF2B5EF4-FFF2-40B4-BE49-F238E27FC236}">
-                <a16:creationId xmlns:a16="http://schemas.microsoft.com/office/drawing/2014/main" id="{4BDE4347-DBBF-40E2-A693-6BB1985E4546}"/>
+                <a16:creationId xmlns:a16="http://schemas.microsoft.com/office/drawing/2014/main" xmlns="" id="{4BDE4347-DBBF-40E2-A693-6BB1985E4546}"/>
               </a:ext>
             </a:extLst>
           </p:cNvPr>
@@ -2782,7 +3217,7 @@
           <p:cNvPr id="2" name="Title Placeholder 1">
             <a:extLst>
               <a:ext uri="{FF2B5EF4-FFF2-40B4-BE49-F238E27FC236}">
-                <a16:creationId xmlns:a16="http://schemas.microsoft.com/office/drawing/2014/main" id="{5AC73334-070A-42F6-9152-A74AC352E8E6}"/>
+                <a16:creationId xmlns:a16="http://schemas.microsoft.com/office/drawing/2014/main" xmlns="" id="{5AC73334-070A-42F6-9152-A74AC352E8E6}"/>
               </a:ext>
             </a:extLst>
           </p:cNvPr>
@@ -2820,7 +3255,7 @@
           <p:cNvPr id="3" name="Text Placeholder 2">
             <a:extLst>
               <a:ext uri="{FF2B5EF4-FFF2-40B4-BE49-F238E27FC236}">
-                <a16:creationId xmlns:a16="http://schemas.microsoft.com/office/drawing/2014/main" id="{F1384CD5-D367-4726-BB0C-7DAD657F7694}"/>
+                <a16:creationId xmlns:a16="http://schemas.microsoft.com/office/drawing/2014/main" xmlns="" id="{F1384CD5-D367-4726-BB0C-7DAD657F7694}"/>
               </a:ext>
             </a:extLst>
           </p:cNvPr>
@@ -2887,7 +3322,7 @@
           <p:cNvPr id="4" name="Date Placeholder 3">
             <a:extLst>
               <a:ext uri="{FF2B5EF4-FFF2-40B4-BE49-F238E27FC236}">
-                <a16:creationId xmlns:a16="http://schemas.microsoft.com/office/drawing/2014/main" id="{E5D30D95-C932-4B98-B5D7-FAAC76300E41}"/>
+                <a16:creationId xmlns:a16="http://schemas.microsoft.com/office/drawing/2014/main" xmlns="" id="{E5D30D95-C932-4B98-B5D7-FAAC76300E41}"/>
               </a:ext>
             </a:extLst>
           </p:cNvPr>
@@ -2923,7 +3358,7 @@
           <a:p>
             <a:fld id="{BB12B6EE-87B6-4F54-86EB-17FFFB1A32DD}" type="datetimeFigureOut">
               <a:rPr lang="en-US" smtClean="0"/>
-              <a:t>7/11/2020</a:t>
+              <a:t>9/12/20</a:t>
             </a:fld>
             <a:endParaRPr lang="en-US"/>
           </a:p>
@@ -2934,7 +3369,7 @@
           <p:cNvPr id="5" name="Footer Placeholder 4">
             <a:extLst>
               <a:ext uri="{FF2B5EF4-FFF2-40B4-BE49-F238E27FC236}">
-                <a16:creationId xmlns:a16="http://schemas.microsoft.com/office/drawing/2014/main" id="{087D2F42-DC99-4613-BE82-E03AF7702427}"/>
+                <a16:creationId xmlns:a16="http://schemas.microsoft.com/office/drawing/2014/main" xmlns="" id="{087D2F42-DC99-4613-BE82-E03AF7702427}"/>
               </a:ext>
             </a:extLst>
           </p:cNvPr>
@@ -2977,7 +3412,7 @@
           <p:cNvPr id="6" name="Slide Number Placeholder 5">
             <a:extLst>
               <a:ext uri="{FF2B5EF4-FFF2-40B4-BE49-F238E27FC236}">
-                <a16:creationId xmlns:a16="http://schemas.microsoft.com/office/drawing/2014/main" id="{3592A395-CDED-466A-8207-C4B911FF8E4E}"/>
+                <a16:creationId xmlns:a16="http://schemas.microsoft.com/office/drawing/2014/main" xmlns="" id="{3592A395-CDED-466A-8207-C4B911FF8E4E}"/>
               </a:ext>
             </a:extLst>
           </p:cNvPr>
@@ -3342,13 +3777,7 @@
       </p:grpSpPr>
       <p:sp>
         <p:nvSpPr>
-          <p:cNvPr id="2" name="Title 1">
-            <a:extLst>
-              <a:ext uri="{FF2B5EF4-FFF2-40B4-BE49-F238E27FC236}">
-                <a16:creationId xmlns:a16="http://schemas.microsoft.com/office/drawing/2014/main" id="{E0C4EDD3-0CDA-4198-AAE8-C4EBF1764AE0}"/>
-              </a:ext>
-            </a:extLst>
-          </p:cNvPr>
+          <p:cNvPr id="2" name="Title 1"/>
           <p:cNvSpPr>
             <a:spLocks noGrp="1"/>
           </p:cNvSpPr>
@@ -3356,52 +3785,533 @@
             <p:ph type="ctrTitle"/>
           </p:nvPr>
         </p:nvSpPr>
-        <p:spPr/>
-        <p:txBody>
-          <a:bodyPr>
-            <a:normAutofit fontScale="90000"/>
+        <p:spPr>
+          <a:xfrm>
+            <a:off x="754745" y="0"/>
+            <a:ext cx="10682515" cy="6858000"/>
+          </a:xfrm>
+        </p:spPr>
+        <p:txBody>
+          <a:bodyPr anchor="ctr">
+            <a:noAutofit/>
           </a:bodyPr>
           <a:lstStyle/>
           <a:p>
-            <a:r>
-              <a:rPr lang="en-US" dirty="0"/>
-              <a:t>Simulated Annealing, an exploration of algorithm modification for the purpose of parallelization</a:t>
-            </a:r>
-          </a:p>
-        </p:txBody>
-      </p:sp>
-      <p:sp>
-        <p:nvSpPr>
-          <p:cNvPr id="3" name="Subtitle 2">
-            <a:extLst>
-              <a:ext uri="{FF2B5EF4-FFF2-40B4-BE49-F238E27FC236}">
-                <a16:creationId xmlns:a16="http://schemas.microsoft.com/office/drawing/2014/main" id="{984DD2C0-2218-4BB4-8BD7-2128D985CF10}"/>
-              </a:ext>
-            </a:extLst>
-          </p:cNvPr>
-          <p:cNvSpPr>
-            <a:spLocks noGrp="1"/>
-          </p:cNvSpPr>
-          <p:nvPr>
-            <p:ph type="subTitle" idx="1"/>
-          </p:nvPr>
-        </p:nvSpPr>
-        <p:spPr/>
-        <p:txBody>
-          <a:bodyPr/>
-          <a:lstStyle/>
-          <a:p>
-            <a:r>
-              <a:rPr lang="en-US" dirty="0"/>
-              <a:t>Module 4.10</a:t>
-            </a:r>
+            <a:pPr algn="l" fontAlgn="ctr">
+              <a:lnSpc>
+                <a:spcPct val="150000"/>
+              </a:lnSpc>
+            </a:pPr>
+            <a:r>
+              <a:rPr lang="en-US" sz="3600" b="1" dirty="0">
+                <a:latin typeface="Times New Roman" charset="0"/>
+                <a:ea typeface="Times New Roman" charset="0"/>
+                <a:cs typeface="Times New Roman" charset="0"/>
+              </a:rPr>
+              <a:t>Blue Waters Petascale Semester Curriculum v1.0</a:t>
+            </a:r>
+            <a:r>
+              <a:rPr lang="en-US" sz="3600" dirty="0">
+                <a:latin typeface="Times New Roman" charset="0"/>
+                <a:ea typeface="Times New Roman" charset="0"/>
+                <a:cs typeface="Times New Roman" charset="0"/>
+              </a:rPr>
+              <a:t/>
+            </a:r>
+            <a:br>
+              <a:rPr lang="en-US" sz="3600" dirty="0">
+                <a:latin typeface="Times New Roman" charset="0"/>
+                <a:ea typeface="Times New Roman" charset="0"/>
+                <a:cs typeface="Times New Roman" charset="0"/>
+              </a:rPr>
+            </a:br>
+            <a:r>
+              <a:rPr lang="en-US" sz="3600" b="1" dirty="0">
+                <a:latin typeface="Times New Roman" charset="0"/>
+                <a:ea typeface="Times New Roman" charset="0"/>
+                <a:cs typeface="Times New Roman" charset="0"/>
+              </a:rPr>
+              <a:t>Unit 4: </a:t>
+            </a:r>
+            <a:r>
+              <a:rPr lang="en-US" sz="3600" b="1" dirty="0" err="1">
+                <a:latin typeface="Times New Roman" charset="0"/>
+                <a:ea typeface="Times New Roman" charset="0"/>
+                <a:cs typeface="Times New Roman" charset="0"/>
+              </a:rPr>
+              <a:t>OpenMP</a:t>
+            </a:r>
+            <a:r>
+              <a:rPr lang="en-US" sz="3600" dirty="0">
+                <a:latin typeface="Times New Roman" charset="0"/>
+                <a:ea typeface="Times New Roman" charset="0"/>
+                <a:cs typeface="Times New Roman" charset="0"/>
+              </a:rPr>
+              <a:t/>
+            </a:r>
+            <a:br>
+              <a:rPr lang="en-US" sz="3600" dirty="0">
+                <a:latin typeface="Times New Roman" charset="0"/>
+                <a:ea typeface="Times New Roman" charset="0"/>
+                <a:cs typeface="Times New Roman" charset="0"/>
+              </a:rPr>
+            </a:br>
+            <a:r>
+              <a:rPr lang="en-US" sz="3600" b="1" dirty="0">
+                <a:latin typeface="Times New Roman" charset="0"/>
+                <a:ea typeface="Times New Roman" charset="0"/>
+                <a:cs typeface="Times New Roman" charset="0"/>
+              </a:rPr>
+              <a:t>Lesson </a:t>
+            </a:r>
+            <a:r>
+              <a:rPr lang="en-US" sz="3600" b="1" dirty="0" smtClean="0">
+                <a:latin typeface="Times New Roman" charset="0"/>
+                <a:ea typeface="Times New Roman" charset="0"/>
+                <a:cs typeface="Times New Roman" charset="0"/>
+              </a:rPr>
+              <a:t>10</a:t>
+            </a:r>
+            <a:r>
+              <a:rPr lang="en-US" sz="3600" b="1" dirty="0">
+                <a:latin typeface="Times New Roman" charset="0"/>
+                <a:ea typeface="Times New Roman" charset="0"/>
+                <a:cs typeface="Times New Roman" charset="0"/>
+              </a:rPr>
+              <a:t>: Ensemble Based Simulated </a:t>
+            </a:r>
+            <a:r>
+              <a:rPr lang="en-US" sz="3600" b="1" dirty="0" smtClean="0">
+                <a:latin typeface="Times New Roman" charset="0"/>
+                <a:ea typeface="Times New Roman" charset="0"/>
+                <a:cs typeface="Times New Roman" charset="0"/>
+              </a:rPr>
+              <a:t>Annealing</a:t>
+            </a:r>
+            <a:br>
+              <a:rPr lang="en-US" sz="3600" b="1" dirty="0" smtClean="0">
+                <a:latin typeface="Times New Roman" charset="0"/>
+                <a:ea typeface="Times New Roman" charset="0"/>
+                <a:cs typeface="Times New Roman" charset="0"/>
+              </a:rPr>
+            </a:br>
+            <a:r>
+              <a:rPr lang="en-US" sz="3600" b="1" dirty="0" smtClean="0">
+                <a:latin typeface="Times New Roman" charset="0"/>
+                <a:ea typeface="Times New Roman" charset="0"/>
+                <a:cs typeface="Times New Roman" charset="0"/>
+              </a:rPr>
+              <a:t>     in </a:t>
+            </a:r>
+            <a:r>
+              <a:rPr lang="en-US" sz="3600" b="1" dirty="0" err="1">
+                <a:latin typeface="Times New Roman" charset="0"/>
+                <a:ea typeface="Times New Roman" charset="0"/>
+                <a:cs typeface="Times New Roman" charset="0"/>
+              </a:rPr>
+              <a:t>OpenMP</a:t>
+            </a:r>
+            <a:r>
+              <a:rPr lang="en-US" sz="3600" b="1" dirty="0" smtClean="0">
+                <a:latin typeface="Times New Roman" charset="0"/>
+                <a:ea typeface="Times New Roman" charset="0"/>
+                <a:cs typeface="Times New Roman" charset="0"/>
+              </a:rPr>
+              <a:t/>
+            </a:r>
+            <a:br>
+              <a:rPr lang="en-US" sz="3600" b="1" dirty="0" smtClean="0">
+                <a:latin typeface="Times New Roman" charset="0"/>
+                <a:ea typeface="Times New Roman" charset="0"/>
+                <a:cs typeface="Times New Roman" charset="0"/>
+              </a:rPr>
+            </a:br>
+            <a:r>
+              <a:rPr lang="en-US" sz="3600" i="1" dirty="0" smtClean="0">
+                <a:latin typeface="Times New Roman" charset="0"/>
+                <a:ea typeface="Times New Roman" charset="0"/>
+                <a:cs typeface="Times New Roman" charset="0"/>
+              </a:rPr>
+              <a:t>Developed </a:t>
+            </a:r>
+            <a:r>
+              <a:rPr lang="en-US" sz="3600" i="1" dirty="0">
+                <a:latin typeface="Times New Roman" charset="0"/>
+                <a:ea typeface="Times New Roman" charset="0"/>
+                <a:cs typeface="Times New Roman" charset="0"/>
+              </a:rPr>
+              <a:t>by David A. Joiner</a:t>
+            </a:r>
+            <a:r>
+              <a:rPr lang="en-US" sz="3600" i="1" dirty="0">
+                <a:latin typeface="Times New Roman" charset="0"/>
+                <a:ea typeface="Times New Roman" charset="0"/>
+                <a:cs typeface="Times New Roman" charset="0"/>
+              </a:rPr>
+              <a:t/>
+            </a:r>
+            <a:br>
+              <a:rPr lang="en-US" sz="3600" i="1" dirty="0">
+                <a:latin typeface="Times New Roman" charset="0"/>
+                <a:ea typeface="Times New Roman" charset="0"/>
+                <a:cs typeface="Times New Roman" charset="0"/>
+              </a:rPr>
+            </a:br>
+            <a:r>
+              <a:rPr lang="en-US" sz="3600" i="1" dirty="0">
+                <a:latin typeface="Times New Roman" charset="0"/>
+                <a:ea typeface="Times New Roman" charset="0"/>
+                <a:cs typeface="Times New Roman" charset="0"/>
+              </a:rPr>
+              <a:t>for the Shodor Education Foundation, Inc.</a:t>
+            </a:r>
+            <a:endParaRPr lang="en-US" sz="3600" i="1" dirty="0">
+              <a:latin typeface="Times New Roman" charset="0"/>
+              <a:ea typeface="Times New Roman" charset="0"/>
+              <a:cs typeface="Times New Roman" charset="0"/>
+            </a:endParaRPr>
           </a:p>
         </p:txBody>
       </p:sp>
     </p:spTree>
     <p:extLst>
       <p:ext uri="{BB962C8B-B14F-4D97-AF65-F5344CB8AC3E}">
-        <p14:creationId xmlns:p14="http://schemas.microsoft.com/office/powerpoint/2010/main" val="1773256706"/>
+        <p14:creationId xmlns:p14="http://schemas.microsoft.com/office/powerpoint/2010/main" val="1628912966"/>
+      </p:ext>
+    </p:extLst>
+  </p:cSld>
+  <p:clrMapOvr>
+    <a:masterClrMapping/>
+  </p:clrMapOvr>
+  <p:timing>
+    <p:tnLst>
+      <p:par>
+        <p:cTn id="1" dur="indefinite" restart="never" nodeType="tmRoot"/>
+      </p:par>
+    </p:tnLst>
+  </p:timing>
+</p:sld>
+</file>
+
+<file path=ppt/slides/slide10.xml><?xml version="1.0" encoding="utf-8"?>
+<p:sld xmlns:a="http://schemas.openxmlformats.org/drawingml/2006/main" xmlns:r="http://schemas.openxmlformats.org/officeDocument/2006/relationships" xmlns:p="http://schemas.openxmlformats.org/presentationml/2006/main">
+  <p:cSld>
+    <p:spTree>
+      <p:nvGrpSpPr>
+        <p:cNvPr id="1" name=""/>
+        <p:cNvGrpSpPr/>
+        <p:nvPr/>
+      </p:nvGrpSpPr>
+      <p:grpSpPr>
+        <a:xfrm>
+          <a:off x="0" y="0"/>
+          <a:ext cx="0" cy="0"/>
+          <a:chOff x="0" y="0"/>
+          <a:chExt cx="0" cy="0"/>
+        </a:xfrm>
+      </p:grpSpPr>
+      <p:sp>
+        <p:nvSpPr>
+          <p:cNvPr id="2" name="Title 1">
+            <a:extLst>
+              <a:ext uri="{FF2B5EF4-FFF2-40B4-BE49-F238E27FC236}">
+                <a16:creationId xmlns:a16="http://schemas.microsoft.com/office/drawing/2014/main" xmlns="" id="{8C525B9F-819A-41C0-BA52-8A18310C9AD5}"/>
+              </a:ext>
+            </a:extLst>
+          </p:cNvPr>
+          <p:cNvSpPr>
+            <a:spLocks noGrp="1"/>
+          </p:cNvSpPr>
+          <p:nvPr>
+            <p:ph type="title"/>
+          </p:nvPr>
+        </p:nvSpPr>
+        <p:spPr/>
+        <p:txBody>
+          <a:bodyPr/>
+          <a:lstStyle/>
+          <a:p>
+            <a:r>
+              <a:rPr lang="en-US" dirty="0"/>
+              <a:t>Student Activity</a:t>
+            </a:r>
+          </a:p>
+        </p:txBody>
+      </p:sp>
+      <p:sp>
+        <p:nvSpPr>
+          <p:cNvPr id="3" name="Content Placeholder 2">
+            <a:extLst>
+              <a:ext uri="{FF2B5EF4-FFF2-40B4-BE49-F238E27FC236}">
+                <a16:creationId xmlns:a16="http://schemas.microsoft.com/office/drawing/2014/main" xmlns="" id="{F7445BFA-949A-4BCF-926F-129C9921F2D9}"/>
+              </a:ext>
+            </a:extLst>
+          </p:cNvPr>
+          <p:cNvSpPr>
+            <a:spLocks noGrp="1"/>
+          </p:cNvSpPr>
+          <p:nvPr>
+            <p:ph idx="1"/>
+          </p:nvPr>
+        </p:nvSpPr>
+        <p:spPr/>
+        <p:txBody>
+          <a:bodyPr>
+            <a:normAutofit/>
+          </a:bodyPr>
+          <a:lstStyle/>
+          <a:p>
+            <a:pPr marL="514350" indent="-514350">
+              <a:buFont typeface="+mj-lt"/>
+              <a:buAutoNum type="arabicPeriod"/>
+            </a:pPr>
+            <a:r>
+              <a:rPr lang="en-US" dirty="0"/>
+              <a:t>Compile and run </a:t>
+            </a:r>
+            <a:r>
+              <a:rPr lang="en-US" dirty="0" err="1"/>
+              <a:t>sa.c</a:t>
+            </a:r>
+            <a:r>
+              <a:rPr lang="en-US" dirty="0"/>
+              <a:t>. Vary the value of N, and investigate the total running time and number of iterations required for convergence as a function of the dimensionality of the problem. How does the number of iterations required to converge change with the number of free parameters?</a:t>
+            </a:r>
+          </a:p>
+          <a:p>
+            <a:pPr marL="514350" indent="-514350">
+              <a:buFont typeface="+mj-lt"/>
+              <a:buAutoNum type="arabicPeriod"/>
+            </a:pPr>
+            <a:r>
+              <a:rPr lang="en-US" dirty="0"/>
+              <a:t>Looking at the two key loops in the code, the first being the while loop in the main routine and the second being the for loop in </a:t>
+            </a:r>
+            <a:r>
+              <a:rPr lang="en-US" dirty="0" err="1"/>
+              <a:t>SA_adjust</a:t>
+            </a:r>
+            <a:r>
+              <a:rPr lang="en-US" dirty="0"/>
+              <a:t> step, do you see any concurrency that can be described? Discuss the loop carried dependencies present in both loops and throughout the SA algorithm.</a:t>
+            </a:r>
+          </a:p>
+        </p:txBody>
+      </p:sp>
+    </p:spTree>
+    <p:extLst>
+      <p:ext uri="{BB962C8B-B14F-4D97-AF65-F5344CB8AC3E}">
+        <p14:creationId xmlns:p14="http://schemas.microsoft.com/office/powerpoint/2010/main" val="3884394022"/>
+      </p:ext>
+    </p:extLst>
+  </p:cSld>
+  <p:clrMapOvr>
+    <a:masterClrMapping/>
+  </p:clrMapOvr>
+</p:sld>
+</file>
+
+<file path=ppt/slides/slide11.xml><?xml version="1.0" encoding="utf-8"?>
+<p:sld xmlns:a="http://schemas.openxmlformats.org/drawingml/2006/main" xmlns:r="http://schemas.openxmlformats.org/officeDocument/2006/relationships" xmlns:p="http://schemas.openxmlformats.org/presentationml/2006/main">
+  <p:cSld>
+    <p:spTree>
+      <p:nvGrpSpPr>
+        <p:cNvPr id="1" name=""/>
+        <p:cNvGrpSpPr/>
+        <p:nvPr/>
+      </p:nvGrpSpPr>
+      <p:grpSpPr>
+        <a:xfrm>
+          <a:off x="0" y="0"/>
+          <a:ext cx="0" cy="0"/>
+          <a:chOff x="0" y="0"/>
+          <a:chExt cx="0" cy="0"/>
+        </a:xfrm>
+      </p:grpSpPr>
+      <p:sp>
+        <p:nvSpPr>
+          <p:cNvPr id="2" name="Title 1">
+            <a:extLst>
+              <a:ext uri="{FF2B5EF4-FFF2-40B4-BE49-F238E27FC236}">
+                <a16:creationId xmlns:a16="http://schemas.microsoft.com/office/drawing/2014/main" xmlns="" id="{CF44057C-5370-495F-8EF4-07296380EFFD}"/>
+              </a:ext>
+            </a:extLst>
+          </p:cNvPr>
+          <p:cNvSpPr>
+            <a:spLocks noGrp="1"/>
+          </p:cNvSpPr>
+          <p:nvPr>
+            <p:ph type="title"/>
+          </p:nvPr>
+        </p:nvSpPr>
+        <p:spPr/>
+        <p:txBody>
+          <a:bodyPr/>
+          <a:lstStyle/>
+          <a:p>
+            <a:r>
+              <a:rPr lang="en-US" dirty="0"/>
+              <a:t>Student Instructions</a:t>
+            </a:r>
+          </a:p>
+        </p:txBody>
+      </p:sp>
+      <p:sp>
+        <p:nvSpPr>
+          <p:cNvPr id="3" name="Content Placeholder 2">
+            <a:extLst>
+              <a:ext uri="{FF2B5EF4-FFF2-40B4-BE49-F238E27FC236}">
+                <a16:creationId xmlns:a16="http://schemas.microsoft.com/office/drawing/2014/main" xmlns="" id="{86C1BE9A-F8D7-480E-A8E2-A55C9405ABBB}"/>
+              </a:ext>
+            </a:extLst>
+          </p:cNvPr>
+          <p:cNvSpPr>
+            <a:spLocks noGrp="1"/>
+          </p:cNvSpPr>
+          <p:nvPr>
+            <p:ph idx="1"/>
+          </p:nvPr>
+        </p:nvSpPr>
+        <p:spPr/>
+        <p:txBody>
+          <a:bodyPr>
+            <a:normAutofit fontScale="85000" lnSpcReduction="20000"/>
+          </a:bodyPr>
+          <a:lstStyle/>
+          <a:p>
+            <a:pPr marL="514350" indent="-514350">
+              <a:buFont typeface="+mj-lt"/>
+              <a:buAutoNum type="arabicPeriod" startAt="3"/>
+            </a:pPr>
+            <a:r>
+              <a:rPr lang="en-US" dirty="0"/>
+              <a:t>List at least 3 concerns regarding how this algorithmic change might affect convergence, and regarding how one would need to implement a change of multiple annealers instead of a single annealer in the </a:t>
+            </a:r>
+            <a:r>
+              <a:rPr lang="en-US" dirty="0" err="1"/>
+              <a:t>SA_adjust_step</a:t>
+            </a:r>
+            <a:r>
+              <a:rPr lang="en-US" dirty="0"/>
+              <a:t> method.</a:t>
+            </a:r>
+          </a:p>
+          <a:p>
+            <a:pPr marL="514350" indent="-514350">
+              <a:buFont typeface="+mj-lt"/>
+              <a:buAutoNum type="arabicPeriod" startAt="3"/>
+            </a:pPr>
+            <a:r>
+              <a:rPr lang="en-US" dirty="0"/>
+              <a:t>Compare the </a:t>
+            </a:r>
+            <a:r>
+              <a:rPr lang="en-US" dirty="0" err="1"/>
+              <a:t>ebsa.c</a:t>
+            </a:r>
+            <a:r>
+              <a:rPr lang="en-US" dirty="0"/>
+              <a:t> code to the </a:t>
+            </a:r>
+            <a:r>
+              <a:rPr lang="en-US" dirty="0" err="1"/>
+              <a:t>sa.c</a:t>
+            </a:r>
+            <a:r>
+              <a:rPr lang="en-US" dirty="0"/>
+              <a:t> code. Note the change of random number generator from rand() to drand48_r(). Look up the definition of drand48_r, and describe why this change is necessary. Why is it necessary to keep an array of state variables for random number generators?</a:t>
+            </a:r>
+          </a:p>
+          <a:p>
+            <a:pPr marL="514350" indent="-514350">
+              <a:buFont typeface="+mj-lt"/>
+              <a:buAutoNum type="arabicPeriod" startAt="3"/>
+            </a:pPr>
+            <a:r>
+              <a:rPr lang="en-US" dirty="0"/>
+              <a:t>Compare the </a:t>
+            </a:r>
+            <a:r>
+              <a:rPr lang="en-US" dirty="0" err="1"/>
+              <a:t>ebsa.c</a:t>
+            </a:r>
+            <a:r>
+              <a:rPr lang="en-US" dirty="0"/>
+              <a:t> code to the </a:t>
+            </a:r>
+            <a:r>
+              <a:rPr lang="en-US" dirty="0" err="1"/>
+              <a:t>sa.c</a:t>
+            </a:r>
+            <a:r>
+              <a:rPr lang="en-US" dirty="0"/>
+              <a:t> code. Note the use of a global memory structure and copy routine. Describe why you can not simply declare the memory structure to be private.</a:t>
+            </a:r>
+          </a:p>
+          <a:p>
+            <a:pPr marL="514350" indent="-514350">
+              <a:buFont typeface="+mj-lt"/>
+              <a:buAutoNum type="arabicPeriod" startAt="3"/>
+            </a:pPr>
+            <a:r>
+              <a:rPr lang="en-US" dirty="0"/>
+              <a:t>Compile and run </a:t>
+            </a:r>
+            <a:r>
+              <a:rPr lang="en-US" dirty="0" err="1"/>
+              <a:t>ebsa.c</a:t>
+            </a:r>
+            <a:r>
+              <a:rPr lang="en-US" dirty="0"/>
+              <a:t>, and compare </a:t>
+            </a:r>
+            <a:r>
+              <a:rPr lang="en-US" dirty="0" err="1"/>
+              <a:t>ebsa.c</a:t>
+            </a:r>
+            <a:r>
+              <a:rPr lang="en-US" dirty="0"/>
+              <a:t> to </a:t>
+            </a:r>
+            <a:r>
+              <a:rPr lang="en-US" dirty="0" err="1"/>
+              <a:t>sa.c</a:t>
+            </a:r>
+            <a:r>
+              <a:rPr lang="en-US" dirty="0"/>
+              <a:t> for equivalent problems. Do this for varying values of N. Consider also changing the artificial delay in </a:t>
+            </a:r>
+            <a:r>
+              <a:rPr lang="en-US" dirty="0" err="1"/>
+              <a:t>funcN</a:t>
+            </a:r>
+            <a:r>
+              <a:rPr lang="en-US" dirty="0"/>
+              <a:t>. How does the parallel solution of </a:t>
+            </a:r>
+            <a:r>
+              <a:rPr lang="en-US" dirty="0" err="1"/>
+              <a:t>ebsa.c</a:t>
+            </a:r>
+            <a:r>
+              <a:rPr lang="en-US" dirty="0"/>
+              <a:t> compare to </a:t>
+            </a:r>
+            <a:r>
+              <a:rPr lang="en-US" dirty="0" err="1"/>
+              <a:t>sa.c</a:t>
+            </a:r>
+            <a:r>
+              <a:rPr lang="en-US" dirty="0"/>
+              <a:t>? Support your answer with simulation results.</a:t>
+            </a:r>
+          </a:p>
+        </p:txBody>
+      </p:sp>
+    </p:spTree>
+    <p:extLst>
+      <p:ext uri="{BB962C8B-B14F-4D97-AF65-F5344CB8AC3E}">
+        <p14:creationId xmlns:p14="http://schemas.microsoft.com/office/powerpoint/2010/main" val="2545493937"/>
       </p:ext>
     </p:extLst>
   </p:cSld>
@@ -3430,10 +4340,326 @@
       </p:grpSpPr>
       <p:sp>
         <p:nvSpPr>
+          <p:cNvPr id="2" name="Title 1"/>
+          <p:cNvSpPr>
+            <a:spLocks noGrp="1"/>
+          </p:cNvSpPr>
+          <p:nvPr>
+            <p:ph type="ctrTitle"/>
+          </p:nvPr>
+        </p:nvSpPr>
+        <p:spPr>
+          <a:xfrm>
+            <a:off x="754745" y="0"/>
+            <a:ext cx="10682515" cy="6858000"/>
+          </a:xfrm>
+        </p:spPr>
+        <p:txBody>
+          <a:bodyPr anchor="ctr">
+            <a:noAutofit/>
+          </a:bodyPr>
+          <a:lstStyle/>
+          <a:p>
+            <a:pPr algn="l" fontAlgn="ctr"/>
+            <a:r>
+              <a:rPr lang="en-US" sz="2800" dirty="0">
+                <a:latin typeface="Times New Roman" charset="0"/>
+                <a:ea typeface="Times New Roman" charset="0"/>
+                <a:cs typeface="Times New Roman" charset="0"/>
+              </a:rPr>
+              <a:t>Except where otherwise noted, this work by</a:t>
+            </a:r>
+            <a:br>
+              <a:rPr lang="en-US" sz="2800" dirty="0">
+                <a:latin typeface="Times New Roman" charset="0"/>
+                <a:ea typeface="Times New Roman" charset="0"/>
+                <a:cs typeface="Times New Roman" charset="0"/>
+              </a:rPr>
+            </a:br>
+            <a:r>
+              <a:rPr lang="en-US" sz="2800" dirty="0">
+                <a:latin typeface="Times New Roman" charset="0"/>
+                <a:ea typeface="Times New Roman" charset="0"/>
+                <a:cs typeface="Times New Roman" charset="0"/>
+              </a:rPr>
+              <a:t>The Shodor Education Foundation, Inc. is licensed under</a:t>
+            </a:r>
+            <a:br>
+              <a:rPr lang="en-US" sz="2800" dirty="0">
+                <a:latin typeface="Times New Roman" charset="0"/>
+                <a:ea typeface="Times New Roman" charset="0"/>
+                <a:cs typeface="Times New Roman" charset="0"/>
+              </a:rPr>
+            </a:br>
+            <a:r>
+              <a:rPr lang="en-US" sz="2800" dirty="0">
+                <a:latin typeface="Times New Roman" charset="0"/>
+                <a:ea typeface="Times New Roman" charset="0"/>
+                <a:cs typeface="Times New Roman" charset="0"/>
+              </a:rPr>
+              <a:t>CC BY-NC 4.0. To view a copy of this license, visit </a:t>
+            </a:r>
+            <a:r>
+              <a:rPr lang="en-US" sz="2800" dirty="0">
+                <a:latin typeface="Times New Roman" charset="0"/>
+                <a:ea typeface="Times New Roman" charset="0"/>
+                <a:cs typeface="Times New Roman" charset="0"/>
+                <a:hlinkClick r:id="rId2"/>
+              </a:rPr>
+              <a:t>https://creativecommons.org/licenses/by-nc/4.0</a:t>
+            </a:r>
+            <a:r>
+              <a:rPr lang="en-US" sz="2800" dirty="0">
+                <a:latin typeface="Times New Roman" charset="0"/>
+                <a:ea typeface="Times New Roman" charset="0"/>
+                <a:cs typeface="Times New Roman" charset="0"/>
+              </a:rPr>
+              <a:t/>
+            </a:r>
+            <a:br>
+              <a:rPr lang="en-US" sz="2800" dirty="0">
+                <a:latin typeface="Times New Roman" charset="0"/>
+                <a:ea typeface="Times New Roman" charset="0"/>
+                <a:cs typeface="Times New Roman" charset="0"/>
+              </a:rPr>
+            </a:br>
+            <a:r>
+              <a:rPr lang="en-US" sz="2800" dirty="0">
+                <a:latin typeface="Times New Roman" charset="0"/>
+                <a:ea typeface="Times New Roman" charset="0"/>
+                <a:cs typeface="Times New Roman" charset="0"/>
+              </a:rPr>
+              <a:t/>
+            </a:r>
+            <a:br>
+              <a:rPr lang="en-US" sz="2800" dirty="0">
+                <a:latin typeface="Times New Roman" charset="0"/>
+                <a:ea typeface="Times New Roman" charset="0"/>
+                <a:cs typeface="Times New Roman" charset="0"/>
+              </a:rPr>
+            </a:br>
+            <a:r>
+              <a:rPr lang="en-US" sz="2800" dirty="0">
+                <a:latin typeface="Times New Roman" charset="0"/>
+                <a:ea typeface="Times New Roman" charset="0"/>
+                <a:cs typeface="Times New Roman" charset="0"/>
+              </a:rPr>
+              <a:t>Browse and search the full curriculum at </a:t>
+            </a:r>
+            <a:r>
+              <a:rPr lang="en-US" sz="2800" dirty="0">
+                <a:latin typeface="Times New Roman" charset="0"/>
+                <a:ea typeface="Times New Roman" charset="0"/>
+                <a:cs typeface="Times New Roman" charset="0"/>
+                <a:hlinkClick r:id="rId3"/>
+              </a:rPr>
+              <a:t>http://shodor.org/petascale/materials/semester-curriculum</a:t>
+            </a:r>
+            <a:r>
+              <a:rPr lang="en-US" sz="2800" dirty="0">
+                <a:latin typeface="Times New Roman" charset="0"/>
+                <a:ea typeface="Times New Roman" charset="0"/>
+                <a:cs typeface="Times New Roman" charset="0"/>
+              </a:rPr>
+              <a:t/>
+            </a:r>
+            <a:br>
+              <a:rPr lang="en-US" sz="2800" dirty="0">
+                <a:latin typeface="Times New Roman" charset="0"/>
+                <a:ea typeface="Times New Roman" charset="0"/>
+                <a:cs typeface="Times New Roman" charset="0"/>
+              </a:rPr>
+            </a:br>
+            <a:r>
+              <a:rPr lang="en-US" sz="2800" dirty="0">
+                <a:latin typeface="Times New Roman" charset="0"/>
+                <a:ea typeface="Times New Roman" charset="0"/>
+                <a:cs typeface="Times New Roman" charset="0"/>
+              </a:rPr>
+              <a:t/>
+            </a:r>
+            <a:br>
+              <a:rPr lang="en-US" sz="2800" dirty="0">
+                <a:latin typeface="Times New Roman" charset="0"/>
+                <a:ea typeface="Times New Roman" charset="0"/>
+                <a:cs typeface="Times New Roman" charset="0"/>
+              </a:rPr>
+            </a:br>
+            <a:r>
+              <a:rPr lang="en-US" sz="2800" dirty="0">
+                <a:latin typeface="Times New Roman" charset="0"/>
+                <a:ea typeface="Times New Roman" charset="0"/>
+                <a:cs typeface="Times New Roman" charset="0"/>
+              </a:rPr>
+              <a:t>We welcome your improvements! You can submit your proposed changes to this material and the rest of the curriculum in our GitHub repository at </a:t>
+            </a:r>
+            <a:r>
+              <a:rPr lang="en-US" sz="2800" dirty="0">
+                <a:latin typeface="Times New Roman" charset="0"/>
+                <a:ea typeface="Times New Roman" charset="0"/>
+                <a:cs typeface="Times New Roman" charset="0"/>
+                <a:hlinkClick r:id="rId4"/>
+              </a:rPr>
+              <a:t>https://github.com/shodor-education/petascale-semester-curriculum</a:t>
+            </a:r>
+            <a:r>
+              <a:rPr lang="en-US" sz="2800" dirty="0">
+                <a:latin typeface="Times New Roman" charset="0"/>
+                <a:ea typeface="Times New Roman" charset="0"/>
+                <a:cs typeface="Times New Roman" charset="0"/>
+              </a:rPr>
+              <a:t/>
+            </a:r>
+            <a:br>
+              <a:rPr lang="en-US" sz="2800" dirty="0">
+                <a:latin typeface="Times New Roman" charset="0"/>
+                <a:ea typeface="Times New Roman" charset="0"/>
+                <a:cs typeface="Times New Roman" charset="0"/>
+              </a:rPr>
+            </a:br>
+            <a:r>
+              <a:rPr lang="en-US" sz="2800" dirty="0">
+                <a:latin typeface="Times New Roman" charset="0"/>
+                <a:ea typeface="Times New Roman" charset="0"/>
+                <a:cs typeface="Times New Roman" charset="0"/>
+              </a:rPr>
+              <a:t/>
+            </a:r>
+            <a:br>
+              <a:rPr lang="en-US" sz="2800" dirty="0">
+                <a:latin typeface="Times New Roman" charset="0"/>
+                <a:ea typeface="Times New Roman" charset="0"/>
+                <a:cs typeface="Times New Roman" charset="0"/>
+              </a:rPr>
+            </a:br>
+            <a:r>
+              <a:rPr lang="en-US" sz="2800" dirty="0">
+                <a:latin typeface="Times New Roman" charset="0"/>
+                <a:ea typeface="Times New Roman" charset="0"/>
+                <a:cs typeface="Times New Roman" charset="0"/>
+              </a:rPr>
+              <a:t>We want to hear from you! Please let us know your experiences using this material by sending email to </a:t>
+            </a:r>
+            <a:r>
+              <a:rPr lang="en-US" sz="2800" dirty="0">
+                <a:latin typeface="Times New Roman" charset="0"/>
+                <a:ea typeface="Times New Roman" charset="0"/>
+                <a:cs typeface="Times New Roman" charset="0"/>
+                <a:hlinkClick r:id="rId5"/>
+              </a:rPr>
+              <a:t>petascale@shodor.org</a:t>
+            </a:r>
+            <a:endParaRPr lang="en-US" sz="3600" dirty="0">
+              <a:latin typeface="Times New Roman" charset="0"/>
+              <a:ea typeface="Times New Roman" charset="0"/>
+              <a:cs typeface="Times New Roman" charset="0"/>
+            </a:endParaRPr>
+          </a:p>
+        </p:txBody>
+      </p:sp>
+    </p:spTree>
+    <p:extLst>
+      <p:ext uri="{BB962C8B-B14F-4D97-AF65-F5344CB8AC3E}">
+        <p14:creationId xmlns:p14="http://schemas.microsoft.com/office/powerpoint/2010/main" val="1078245536"/>
+      </p:ext>
+    </p:extLst>
+  </p:cSld>
+  <p:clrMapOvr>
+    <a:masterClrMapping/>
+  </p:clrMapOvr>
+  <p:timing>
+    <p:tnLst>
+      <p:par>
+        <p:cTn id="1" dur="indefinite" restart="never" nodeType="tmRoot"/>
+      </p:par>
+    </p:tnLst>
+  </p:timing>
+</p:sld>
+</file>
+
+<file path=ppt/slides/slide3.xml><?xml version="1.0" encoding="utf-8"?>
+<p:sld xmlns:a="http://schemas.openxmlformats.org/drawingml/2006/main" xmlns:r="http://schemas.openxmlformats.org/officeDocument/2006/relationships" xmlns:p="http://schemas.openxmlformats.org/presentationml/2006/main">
+  <p:cSld>
+    <p:spTree>
+      <p:nvGrpSpPr>
+        <p:cNvPr id="1" name=""/>
+        <p:cNvGrpSpPr/>
+        <p:nvPr/>
+      </p:nvGrpSpPr>
+      <p:grpSpPr>
+        <a:xfrm>
+          <a:off x="0" y="0"/>
+          <a:ext cx="0" cy="0"/>
+          <a:chOff x="0" y="0"/>
+          <a:chExt cx="0" cy="0"/>
+        </a:xfrm>
+      </p:grpSpPr>
+      <p:sp>
+        <p:nvSpPr>
           <p:cNvPr id="2" name="Title 1">
             <a:extLst>
               <a:ext uri="{FF2B5EF4-FFF2-40B4-BE49-F238E27FC236}">
-                <a16:creationId xmlns:a16="http://schemas.microsoft.com/office/drawing/2014/main" id="{05EEABFC-3429-4732-90C0-748FF9F4B4F2}"/>
+                <a16:creationId xmlns:a16="http://schemas.microsoft.com/office/drawing/2014/main" xmlns="" id="{E0C4EDD3-0CDA-4198-AAE8-C4EBF1764AE0}"/>
+              </a:ext>
+            </a:extLst>
+          </p:cNvPr>
+          <p:cNvSpPr>
+            <a:spLocks noGrp="1"/>
+          </p:cNvSpPr>
+          <p:nvPr>
+            <p:ph type="ctrTitle"/>
+          </p:nvPr>
+        </p:nvSpPr>
+        <p:spPr/>
+        <p:txBody>
+          <a:bodyPr>
+            <a:normAutofit fontScale="90000"/>
+          </a:bodyPr>
+          <a:lstStyle/>
+          <a:p>
+            <a:r>
+              <a:rPr lang="en-US" dirty="0"/>
+              <a:t>Simulated Annealing, an exploration of algorithm modification for the purpose of parallelization</a:t>
+            </a:r>
+          </a:p>
+        </p:txBody>
+      </p:sp>
+    </p:spTree>
+    <p:extLst>
+      <p:ext uri="{BB962C8B-B14F-4D97-AF65-F5344CB8AC3E}">
+        <p14:creationId xmlns:p14="http://schemas.microsoft.com/office/powerpoint/2010/main" val="1773256706"/>
+      </p:ext>
+    </p:extLst>
+  </p:cSld>
+  <p:clrMapOvr>
+    <a:masterClrMapping/>
+  </p:clrMapOvr>
+</p:sld>
+</file>
+
+<file path=ppt/slides/slide4.xml><?xml version="1.0" encoding="utf-8"?>
+<p:sld xmlns:a="http://schemas.openxmlformats.org/drawingml/2006/main" xmlns:r="http://schemas.openxmlformats.org/officeDocument/2006/relationships" xmlns:p="http://schemas.openxmlformats.org/presentationml/2006/main">
+  <p:cSld>
+    <p:spTree>
+      <p:nvGrpSpPr>
+        <p:cNvPr id="1" name=""/>
+        <p:cNvGrpSpPr/>
+        <p:nvPr/>
+      </p:nvGrpSpPr>
+      <p:grpSpPr>
+        <a:xfrm>
+          <a:off x="0" y="0"/>
+          <a:ext cx="0" cy="0"/>
+          <a:chOff x="0" y="0"/>
+          <a:chExt cx="0" cy="0"/>
+        </a:xfrm>
+      </p:grpSpPr>
+      <p:sp>
+        <p:nvSpPr>
+          <p:cNvPr id="2" name="Title 1">
+            <a:extLst>
+              <a:ext uri="{FF2B5EF4-FFF2-40B4-BE49-F238E27FC236}">
+                <a16:creationId xmlns:a16="http://schemas.microsoft.com/office/drawing/2014/main" xmlns="" id="{05EEABFC-3429-4732-90C0-748FF9F4B4F2}"/>
               </a:ext>
             </a:extLst>
           </p:cNvPr>
@@ -3463,7 +4689,7 @@
               <p:cNvPr id="3" name="Content Placeholder 2">
                 <a:extLst>
                   <a:ext uri="{FF2B5EF4-FFF2-40B4-BE49-F238E27FC236}">
-                    <a16:creationId xmlns:a16="http://schemas.microsoft.com/office/drawing/2014/main" id="{53D678F5-75D9-4B80-B397-5B1AB759DB3D}"/>
+                    <a16:creationId xmlns:a16="http://schemas.microsoft.com/office/drawing/2014/main" xmlns="" id="{53D678F5-75D9-4B80-B397-5B1AB759DB3D}"/>
                   </a:ext>
                 </a:extLst>
               </p:cNvPr>
@@ -3504,7 +4730,7 @@
                         <m:chr m:val="⃗"/>
                         <m:ctrlPr>
                           <a:rPr lang="en-US" b="0" i="1" smtClean="0">
-                            <a:latin typeface="Cambria Math" panose="02040503050406030204" pitchFamily="18" charset="0"/>
+                            <a:latin typeface="Cambria Math" charset="0"/>
                           </a:rPr>
                         </m:ctrlPr>
                       </m:accPr>
@@ -3536,7 +4762,7 @@
                         <m:chr m:val="⃗"/>
                         <m:ctrlPr>
                           <a:rPr lang="en-US" b="0" i="1" smtClean="0">
-                            <a:latin typeface="Cambria Math" panose="02040503050406030204" pitchFamily="18" charset="0"/>
+                            <a:latin typeface="Cambria Math" charset="0"/>
                           </a:rPr>
                         </m:ctrlPr>
                       </m:accPr>
@@ -3574,7 +4800,7 @@
                         <m:chr m:val="⃗"/>
                         <m:ctrlPr>
                           <a:rPr lang="en-US" b="0" i="1" smtClean="0">
-                            <a:latin typeface="Cambria Math" panose="02040503050406030204" pitchFamily="18" charset="0"/>
+                            <a:latin typeface="Cambria Math" charset="0"/>
                           </a:rPr>
                         </m:ctrlPr>
                       </m:accPr>
@@ -3618,7 +4844,7 @@
                         <m:chr m:val="⃗"/>
                         <m:ctrlPr>
                           <a:rPr lang="en-US" b="0" i="1" smtClean="0">
-                            <a:latin typeface="Cambria Math" panose="02040503050406030204" pitchFamily="18" charset="0"/>
+                            <a:latin typeface="Cambria Math" charset="0"/>
                           </a:rPr>
                         </m:ctrlPr>
                       </m:accPr>
@@ -3678,7 +4904,7 @@
                       <m:dPr>
                         <m:ctrlPr>
                           <a:rPr lang="en-US" b="0" i="1" smtClean="0">
-                            <a:latin typeface="Cambria Math" panose="02040503050406030204" pitchFamily="18" charset="0"/>
+                            <a:latin typeface="Cambria Math" charset="0"/>
                           </a:rPr>
                         </m:ctrlPr>
                       </m:dPr>
@@ -3687,7 +4913,7 @@
                           <m:sSubPr>
                             <m:ctrlPr>
                               <a:rPr lang="en-US" b="0" i="1" smtClean="0">
-                                <a:latin typeface="Cambria Math" panose="02040503050406030204" pitchFamily="18" charset="0"/>
+                                <a:latin typeface="Cambria Math" charset="0"/>
                               </a:rPr>
                             </m:ctrlPr>
                           </m:sSubPr>
@@ -3697,7 +4923,7 @@
                                 <m:chr m:val="⃗"/>
                                 <m:ctrlPr>
                                   <a:rPr lang="en-US" b="0" i="1" smtClean="0">
-                                    <a:latin typeface="Cambria Math" panose="02040503050406030204" pitchFamily="18" charset="0"/>
+                                    <a:latin typeface="Cambria Math" charset="0"/>
                                   </a:rPr>
                                 </m:ctrlPr>
                               </m:accPr>
@@ -3730,7 +4956,7 @@
                           <m:sSubPr>
                             <m:ctrlPr>
                               <a:rPr lang="en-US" b="0" i="1" smtClean="0">
-                                <a:latin typeface="Cambria Math" panose="02040503050406030204" pitchFamily="18" charset="0"/>
+                                <a:latin typeface="Cambria Math" charset="0"/>
                               </a:rPr>
                             </m:ctrlPr>
                           </m:sSubPr>
@@ -3740,7 +4966,7 @@
                                 <m:chr m:val="⃗"/>
                                 <m:ctrlPr>
                                   <a:rPr lang="en-US" b="0" i="1" smtClean="0">
-                                    <a:latin typeface="Cambria Math" panose="02040503050406030204" pitchFamily="18" charset="0"/>
+                                    <a:latin typeface="Cambria Math" charset="0"/>
                                   </a:rPr>
                                 </m:ctrlPr>
                               </m:accPr>
@@ -3775,7 +5001,7 @@
                       <m:funcPr>
                         <m:ctrlPr>
                           <a:rPr lang="en-US" b="0" i="1" smtClean="0">
-                            <a:latin typeface="Cambria Math" panose="02040503050406030204" pitchFamily="18" charset="0"/>
+                            <a:latin typeface="Cambria Math" charset="0"/>
                           </a:rPr>
                         </m:ctrlPr>
                       </m:funcPr>
@@ -3797,7 +5023,7 @@
                             <m:endChr m:val="]"/>
                             <m:ctrlPr>
                               <a:rPr lang="en-US" b="0" i="1" smtClean="0">
-                                <a:latin typeface="Cambria Math" panose="02040503050406030204" pitchFamily="18" charset="0"/>
+                                <a:latin typeface="Cambria Math" charset="0"/>
                               </a:rPr>
                             </m:ctrlPr>
                           </m:dPr>
@@ -3812,7 +5038,7 @@
                               <m:funcPr>
                                 <m:ctrlPr>
                                   <a:rPr lang="en-US" b="0" i="1" smtClean="0">
-                                    <a:latin typeface="Cambria Math" panose="02040503050406030204" pitchFamily="18" charset="0"/>
+                                    <a:latin typeface="Cambria Math" charset="0"/>
                                   </a:rPr>
                                 </m:ctrlPr>
                               </m:funcPr>
@@ -3832,7 +5058,7 @@
                                   <m:dPr>
                                     <m:ctrlPr>
                                       <a:rPr lang="en-US" b="0" i="1" smtClean="0">
-                                        <a:latin typeface="Cambria Math" panose="02040503050406030204" pitchFamily="18" charset="0"/>
+                                        <a:latin typeface="Cambria Math" charset="0"/>
                                       </a:rPr>
                                     </m:ctrlPr>
                                   </m:dPr>
@@ -3841,7 +5067,7 @@
                                       <m:fPr>
                                         <m:ctrlPr>
                                           <a:rPr lang="en-US" b="0" i="1" smtClean="0">
-                                            <a:latin typeface="Cambria Math" panose="02040503050406030204" pitchFamily="18" charset="0"/>
+                                            <a:latin typeface="Cambria Math" charset="0"/>
                                           </a:rPr>
                                         </m:ctrlPr>
                                       </m:fPr>
@@ -3856,7 +5082,7 @@
                                           <m:dPr>
                                             <m:ctrlPr>
                                               <a:rPr lang="en-US" b="0" i="1" smtClean="0">
-                                                <a:latin typeface="Cambria Math" panose="02040503050406030204" pitchFamily="18" charset="0"/>
+                                                <a:latin typeface="Cambria Math" charset="0"/>
                                               </a:rPr>
                                             </m:ctrlPr>
                                           </m:dPr>
@@ -3865,7 +5091,7 @@
                                               <m:sSubPr>
                                                 <m:ctrlPr>
                                                   <a:rPr lang="en-US" b="0" i="1" smtClean="0">
-                                                    <a:latin typeface="Cambria Math" panose="02040503050406030204" pitchFamily="18" charset="0"/>
+                                                    <a:latin typeface="Cambria Math" charset="0"/>
                                                   </a:rPr>
                                                 </m:ctrlPr>
                                               </m:sSubPr>
@@ -3875,7 +5101,7 @@
                                                     <m:chr m:val="⃗"/>
                                                     <m:ctrlPr>
                                                       <a:rPr lang="en-US" b="0" i="1" smtClean="0">
-                                                        <a:latin typeface="Cambria Math" panose="02040503050406030204" pitchFamily="18" charset="0"/>
+                                                        <a:latin typeface="Cambria Math" charset="0"/>
                                                       </a:rPr>
                                                     </m:ctrlPr>
                                                   </m:accPr>
@@ -3916,7 +5142,7 @@
                                           <m:dPr>
                                             <m:ctrlPr>
                                               <a:rPr lang="en-US" b="0" i="1" smtClean="0">
-                                                <a:latin typeface="Cambria Math" panose="02040503050406030204" pitchFamily="18" charset="0"/>
+                                                <a:latin typeface="Cambria Math" charset="0"/>
                                               </a:rPr>
                                             </m:ctrlPr>
                                           </m:dPr>
@@ -3925,7 +5151,7 @@
                                               <m:sSubPr>
                                                 <m:ctrlPr>
                                                   <a:rPr lang="en-US" b="0" i="1" smtClean="0">
-                                                    <a:latin typeface="Cambria Math" panose="02040503050406030204" pitchFamily="18" charset="0"/>
+                                                    <a:latin typeface="Cambria Math" charset="0"/>
                                                   </a:rPr>
                                                 </m:ctrlPr>
                                               </m:sSubPr>
@@ -3935,7 +5161,7 @@
                                                     <m:chr m:val="⃗"/>
                                                     <m:ctrlPr>
                                                       <a:rPr lang="en-US" b="0" i="1" smtClean="0">
-                                                        <a:latin typeface="Cambria Math" panose="02040503050406030204" pitchFamily="18" charset="0"/>
+                                                        <a:latin typeface="Cambria Math" charset="0"/>
                                                       </a:rPr>
                                                     </m:ctrlPr>
                                                   </m:accPr>
@@ -3993,7 +5219,7 @@
                       <m:sSubPr>
                         <m:ctrlPr>
                           <a:rPr lang="en-US" b="0" i="1" smtClean="0">
-                            <a:latin typeface="Cambria Math" panose="02040503050406030204" pitchFamily="18" charset="0"/>
+                            <a:latin typeface="Cambria Math" charset="0"/>
                           </a:rPr>
                         </m:ctrlPr>
                       </m:sSubPr>
@@ -4097,424 +5323,6 @@
 </p:sld>
 </file>
 
-<file path=ppt/slides/slide3.xml><?xml version="1.0" encoding="utf-8"?>
-<p:sld xmlns:a="http://schemas.openxmlformats.org/drawingml/2006/main" xmlns:r="http://schemas.openxmlformats.org/officeDocument/2006/relationships" xmlns:p="http://schemas.openxmlformats.org/presentationml/2006/main">
-  <p:cSld>
-    <p:spTree>
-      <p:nvGrpSpPr>
-        <p:cNvPr id="1" name=""/>
-        <p:cNvGrpSpPr/>
-        <p:nvPr/>
-      </p:nvGrpSpPr>
-      <p:grpSpPr>
-        <a:xfrm>
-          <a:off x="0" y="0"/>
-          <a:ext cx="0" cy="0"/>
-          <a:chOff x="0" y="0"/>
-          <a:chExt cx="0" cy="0"/>
-        </a:xfrm>
-      </p:grpSpPr>
-      <p:sp>
-        <p:nvSpPr>
-          <p:cNvPr id="2" name="Title 1">
-            <a:extLst>
-              <a:ext uri="{FF2B5EF4-FFF2-40B4-BE49-F238E27FC236}">
-                <a16:creationId xmlns:a16="http://schemas.microsoft.com/office/drawing/2014/main" id="{C2DADFD2-C436-4A8D-AB23-1A7D1F63FA50}"/>
-              </a:ext>
-            </a:extLst>
-          </p:cNvPr>
-          <p:cNvSpPr>
-            <a:spLocks noGrp="1"/>
-          </p:cNvSpPr>
-          <p:nvPr>
-            <p:ph type="title"/>
-          </p:nvPr>
-        </p:nvSpPr>
-        <p:spPr/>
-        <p:txBody>
-          <a:bodyPr/>
-          <a:lstStyle/>
-          <a:p>
-            <a:r>
-              <a:rPr lang="en-US" dirty="0"/>
-              <a:t>Serial Code Overview</a:t>
-            </a:r>
-          </a:p>
-        </p:txBody>
-      </p:sp>
-      <p:sp>
-        <p:nvSpPr>
-          <p:cNvPr id="3" name="Content Placeholder 2">
-            <a:extLst>
-              <a:ext uri="{FF2B5EF4-FFF2-40B4-BE49-F238E27FC236}">
-                <a16:creationId xmlns:a16="http://schemas.microsoft.com/office/drawing/2014/main" id="{2E053545-65E8-4D6E-882C-1DBDD0B602A5}"/>
-              </a:ext>
-            </a:extLst>
-          </p:cNvPr>
-          <p:cNvSpPr>
-            <a:spLocks noGrp="1"/>
-          </p:cNvSpPr>
-          <p:nvPr>
-            <p:ph idx="1"/>
-          </p:nvPr>
-        </p:nvSpPr>
-        <p:spPr/>
-        <p:txBody>
-          <a:bodyPr>
-            <a:normAutofit fontScale="77500" lnSpcReduction="20000"/>
-          </a:bodyPr>
-          <a:lstStyle/>
-          <a:p>
-            <a:r>
-              <a:rPr lang="en-US" dirty="0"/>
-              <a:t>The </a:t>
-            </a:r>
-            <a:r>
-              <a:rPr lang="en-US" dirty="0" err="1"/>
-              <a:t>sa.c</a:t>
-            </a:r>
-            <a:r>
-              <a:rPr lang="en-US" dirty="0"/>
-              <a:t> code provided has a serial implementation of a simulated annealing optimization. Sample functions are provided for optimization, a simple 2D function with multiple minimums, and an extension of the same test function to N dimensions. An additional delay function is added to simulate the effect of optimizing a problem which requires substantially more </a:t>
-            </a:r>
-            <a:r>
-              <a:rPr lang="en-US" dirty="0" err="1"/>
-              <a:t>cpu</a:t>
-            </a:r>
-            <a:r>
-              <a:rPr lang="en-US" dirty="0"/>
-              <a:t> time per function call.</a:t>
-            </a:r>
-          </a:p>
-          <a:p>
-            <a:endParaRPr lang="en-US" dirty="0"/>
-          </a:p>
-          <a:p>
-            <a:r>
-              <a:rPr lang="en-US" dirty="0"/>
-              <a:t>The main routine contains a primary iteration loop on </a:t>
-            </a:r>
-            <a:r>
-              <a:rPr lang="en-US" dirty="0" err="1"/>
-              <a:t>SA_check_temperature</a:t>
-            </a:r>
-            <a:r>
-              <a:rPr lang="en-US" dirty="0"/>
-              <a:t>.</a:t>
-            </a:r>
-          </a:p>
-          <a:p>
-            <a:endParaRPr lang="en-US" dirty="0"/>
-          </a:p>
-          <a:p>
-            <a:pPr lvl="1"/>
-            <a:r>
-              <a:rPr lang="en-US" dirty="0"/>
-              <a:t>while(!</a:t>
-            </a:r>
-            <a:r>
-              <a:rPr lang="en-US" dirty="0" err="1"/>
-              <a:t>SA_check_temperature</a:t>
-            </a:r>
-            <a:r>
-              <a:rPr lang="en-US" dirty="0"/>
-              <a:t>(&amp;</a:t>
-            </a:r>
-            <a:r>
-              <a:rPr lang="en-US" dirty="0" err="1"/>
-              <a:t>model,funcN,NULL</a:t>
-            </a:r>
-            <a:r>
-              <a:rPr lang="en-US" dirty="0"/>
-              <a:t>)) {</a:t>
-            </a:r>
-          </a:p>
-          <a:p>
-            <a:pPr lvl="1"/>
-            <a:r>
-              <a:rPr lang="en-US" dirty="0"/>
-              <a:t>        // while not converged</a:t>
-            </a:r>
-          </a:p>
-          <a:p>
-            <a:pPr lvl="1"/>
-            <a:r>
-              <a:rPr lang="en-US" dirty="0"/>
-              <a:t>            // while not at thermal equilibrium</a:t>
-            </a:r>
-          </a:p>
-          <a:p>
-            <a:pPr lvl="1"/>
-            <a:r>
-              <a:rPr lang="en-US" dirty="0"/>
-              <a:t>                // adjust step</a:t>
-            </a:r>
-          </a:p>
-          <a:p>
-            <a:pPr lvl="1"/>
-            <a:r>
-              <a:rPr lang="en-US" dirty="0"/>
-              <a:t>            // reduce temperature</a:t>
-            </a:r>
-          </a:p>
-          <a:p>
-            <a:pPr lvl="1"/>
-            <a:r>
-              <a:rPr lang="en-US" dirty="0"/>
-              <a:t>    }</a:t>
-            </a:r>
-          </a:p>
-        </p:txBody>
-      </p:sp>
-    </p:spTree>
-    <p:extLst>
-      <p:ext uri="{BB962C8B-B14F-4D97-AF65-F5344CB8AC3E}">
-        <p14:creationId xmlns:p14="http://schemas.microsoft.com/office/powerpoint/2010/main" val="543639384"/>
-      </p:ext>
-    </p:extLst>
-  </p:cSld>
-  <p:clrMapOvr>
-    <a:masterClrMapping/>
-  </p:clrMapOvr>
-</p:sld>
-</file>
-
-<file path=ppt/slides/slide4.xml><?xml version="1.0" encoding="utf-8"?>
-<p:sld xmlns:a="http://schemas.openxmlformats.org/drawingml/2006/main" xmlns:r="http://schemas.openxmlformats.org/officeDocument/2006/relationships" xmlns:p="http://schemas.openxmlformats.org/presentationml/2006/main">
-  <p:cSld>
-    <p:spTree>
-      <p:nvGrpSpPr>
-        <p:cNvPr id="1" name=""/>
-        <p:cNvGrpSpPr/>
-        <p:nvPr/>
-      </p:nvGrpSpPr>
-      <p:grpSpPr>
-        <a:xfrm>
-          <a:off x="0" y="0"/>
-          <a:ext cx="0" cy="0"/>
-          <a:chOff x="0" y="0"/>
-          <a:chExt cx="0" cy="0"/>
-        </a:xfrm>
-      </p:grpSpPr>
-      <p:sp>
-        <p:nvSpPr>
-          <p:cNvPr id="2" name="Title 1">
-            <a:extLst>
-              <a:ext uri="{FF2B5EF4-FFF2-40B4-BE49-F238E27FC236}">
-                <a16:creationId xmlns:a16="http://schemas.microsoft.com/office/drawing/2014/main" id="{C2DADFD2-C436-4A8D-AB23-1A7D1F63FA50}"/>
-              </a:ext>
-            </a:extLst>
-          </p:cNvPr>
-          <p:cNvSpPr>
-            <a:spLocks noGrp="1"/>
-          </p:cNvSpPr>
-          <p:nvPr>
-            <p:ph type="title"/>
-          </p:nvPr>
-        </p:nvSpPr>
-        <p:spPr/>
-        <p:txBody>
-          <a:bodyPr/>
-          <a:lstStyle/>
-          <a:p>
-            <a:r>
-              <a:rPr lang="en-US" dirty="0"/>
-              <a:t>Serial Code Overview</a:t>
-            </a:r>
-          </a:p>
-        </p:txBody>
-      </p:sp>
-      <p:sp>
-        <p:nvSpPr>
-          <p:cNvPr id="3" name="Content Placeholder 2">
-            <a:extLst>
-              <a:ext uri="{FF2B5EF4-FFF2-40B4-BE49-F238E27FC236}">
-                <a16:creationId xmlns:a16="http://schemas.microsoft.com/office/drawing/2014/main" id="{2E053545-65E8-4D6E-882C-1DBDD0B602A5}"/>
-              </a:ext>
-            </a:extLst>
-          </p:cNvPr>
-          <p:cNvSpPr>
-            <a:spLocks noGrp="1"/>
-          </p:cNvSpPr>
-          <p:nvPr>
-            <p:ph idx="1"/>
-          </p:nvPr>
-        </p:nvSpPr>
-        <p:spPr/>
-        <p:txBody>
-          <a:bodyPr>
-            <a:normAutofit/>
-          </a:bodyPr>
-          <a:lstStyle/>
-          <a:p>
-            <a:r>
-              <a:rPr lang="en-US" dirty="0" err="1"/>
-              <a:t>SA_check_temperature</a:t>
-            </a:r>
-            <a:r>
-              <a:rPr lang="en-US" dirty="0"/>
-              <a:t>, in return, runs a batch of random walks to determine temperature convergence. It does this using the method </a:t>
-            </a:r>
-            <a:r>
-              <a:rPr lang="en-US" dirty="0" err="1"/>
-              <a:t>SA_adjust_step</a:t>
-            </a:r>
-            <a:r>
-              <a:rPr lang="en-US" dirty="0"/>
-              <a:t>.</a:t>
-            </a:r>
-          </a:p>
-          <a:p>
-            <a:endParaRPr lang="en-US" dirty="0"/>
-          </a:p>
-          <a:p>
-            <a:pPr marL="0" indent="0">
-              <a:buNone/>
-            </a:pPr>
-            <a:endParaRPr lang="en-US" dirty="0"/>
-          </a:p>
-        </p:txBody>
-      </p:sp>
-      <p:sp>
-        <p:nvSpPr>
-          <p:cNvPr id="4" name="TextBox 3">
-            <a:extLst>
-              <a:ext uri="{FF2B5EF4-FFF2-40B4-BE49-F238E27FC236}">
-                <a16:creationId xmlns:a16="http://schemas.microsoft.com/office/drawing/2014/main" id="{DC937530-166F-4A8D-A054-4AEAD37C1B18}"/>
-              </a:ext>
-            </a:extLst>
-          </p:cNvPr>
-          <p:cNvSpPr txBox="1"/>
-          <p:nvPr/>
-        </p:nvSpPr>
-        <p:spPr>
-          <a:xfrm>
-            <a:off x="2642532" y="3314641"/>
-            <a:ext cx="5780878" cy="2862322"/>
-          </a:xfrm>
-          <a:prstGeom prst="rect">
-            <a:avLst/>
-          </a:prstGeom>
-          <a:noFill/>
-        </p:spPr>
-        <p:txBody>
-          <a:bodyPr wrap="none" rtlCol="0">
-            <a:spAutoFit/>
-          </a:bodyPr>
-          <a:lstStyle/>
-          <a:p>
-            <a:pPr lvl="1"/>
-            <a:r>
-              <a:rPr lang="en-US" dirty="0"/>
-              <a:t>probe = </a:t>
-            </a:r>
-            <a:r>
-              <a:rPr lang="en-US" dirty="0" err="1"/>
-              <a:t>SA_adjust_step</a:t>
-            </a:r>
-            <a:r>
-              <a:rPr lang="en-US" dirty="0"/>
-              <a:t>(</a:t>
-            </a:r>
-            <a:r>
-              <a:rPr lang="en-US" dirty="0" err="1"/>
-              <a:t>model,func,opts</a:t>
-            </a:r>
-            <a:r>
-              <a:rPr lang="en-US" dirty="0"/>
-              <a:t>);</a:t>
-            </a:r>
-          </a:p>
-          <a:p>
-            <a:pPr lvl="1"/>
-            <a:r>
-              <a:rPr lang="en-US" dirty="0"/>
-              <a:t>    if(probe==0) {</a:t>
-            </a:r>
-          </a:p>
-          <a:p>
-            <a:pPr lvl="1"/>
-            <a:r>
-              <a:rPr lang="en-US" dirty="0"/>
-              <a:t>        // thermal equilibrium reached, drop temperature</a:t>
-            </a:r>
-          </a:p>
-          <a:p>
-            <a:pPr lvl="1"/>
-            <a:r>
-              <a:rPr lang="en-US" dirty="0"/>
-              <a:t>        model-&gt;temp*= model-&gt;</a:t>
-            </a:r>
-            <a:r>
-              <a:rPr lang="en-US" dirty="0" err="1"/>
-              <a:t>cooling_factor</a:t>
-            </a:r>
-            <a:r>
-              <a:rPr lang="en-US" dirty="0"/>
-              <a:t>;</a:t>
-            </a:r>
-          </a:p>
-          <a:p>
-            <a:pPr lvl="1"/>
-            <a:r>
-              <a:rPr lang="en-US" dirty="0"/>
-              <a:t>        if(model-&gt;step&lt;model-&gt;epsilon) {</a:t>
-            </a:r>
-          </a:p>
-          <a:p>
-            <a:pPr lvl="1"/>
-            <a:r>
-              <a:rPr lang="en-US" dirty="0"/>
-              <a:t>            // if step size small at thermal </a:t>
-            </a:r>
-            <a:r>
-              <a:rPr lang="en-US" dirty="0" err="1"/>
-              <a:t>equil</a:t>
-            </a:r>
-            <a:r>
-              <a:rPr lang="en-US" dirty="0"/>
-              <a:t>, converge</a:t>
-            </a:r>
-          </a:p>
-          <a:p>
-            <a:pPr lvl="1"/>
-            <a:r>
-              <a:rPr lang="en-US" dirty="0"/>
-              <a:t>            return 1;</a:t>
-            </a:r>
-          </a:p>
-          <a:p>
-            <a:pPr lvl="1"/>
-            <a:r>
-              <a:rPr lang="en-US" dirty="0"/>
-              <a:t>        }</a:t>
-            </a:r>
-          </a:p>
-          <a:p>
-            <a:pPr lvl="1"/>
-            <a:r>
-              <a:rPr lang="en-US" dirty="0"/>
-              <a:t>    }</a:t>
-            </a:r>
-          </a:p>
-          <a:p>
-            <a:endParaRPr lang="en-US" dirty="0"/>
-          </a:p>
-        </p:txBody>
-      </p:sp>
-    </p:spTree>
-    <p:extLst>
-      <p:ext uri="{BB962C8B-B14F-4D97-AF65-F5344CB8AC3E}">
-        <p14:creationId xmlns:p14="http://schemas.microsoft.com/office/powerpoint/2010/main" val="3067441229"/>
-      </p:ext>
-    </p:extLst>
-  </p:cSld>
-  <p:clrMapOvr>
-    <a:masterClrMapping/>
-  </p:clrMapOvr>
-</p:sld>
-</file>
-
 <file path=ppt/slides/slide5.xml><?xml version="1.0" encoding="utf-8"?>
 <p:sld xmlns:a="http://schemas.openxmlformats.org/drawingml/2006/main" xmlns:r="http://schemas.openxmlformats.org/officeDocument/2006/relationships" xmlns:p="http://schemas.openxmlformats.org/presentationml/2006/main">
   <p:cSld>
@@ -4537,7 +5345,7 @@
           <p:cNvPr id="2" name="Title 1">
             <a:extLst>
               <a:ext uri="{FF2B5EF4-FFF2-40B4-BE49-F238E27FC236}">
-                <a16:creationId xmlns:a16="http://schemas.microsoft.com/office/drawing/2014/main" id="{C2DADFD2-C436-4A8D-AB23-1A7D1F63FA50}"/>
+                <a16:creationId xmlns:a16="http://schemas.microsoft.com/office/drawing/2014/main" xmlns="" id="{C2DADFD2-C436-4A8D-AB23-1A7D1F63FA50}"/>
               </a:ext>
             </a:extLst>
           </p:cNvPr>
@@ -4565,7 +5373,7 @@
           <p:cNvPr id="3" name="Content Placeholder 2">
             <a:extLst>
               <a:ext uri="{FF2B5EF4-FFF2-40B4-BE49-F238E27FC236}">
-                <a16:creationId xmlns:a16="http://schemas.microsoft.com/office/drawing/2014/main" id="{2E053545-65E8-4D6E-882C-1DBDD0B602A5}"/>
+                <a16:creationId xmlns:a16="http://schemas.microsoft.com/office/drawing/2014/main" xmlns="" id="{2E053545-65E8-4D6E-882C-1DBDD0B602A5}"/>
               </a:ext>
             </a:extLst>
           </p:cNvPr>
@@ -4579,121 +5387,100 @@
         <p:spPr/>
         <p:txBody>
           <a:bodyPr>
-            <a:normAutofit/>
+            <a:normAutofit fontScale="77500" lnSpcReduction="20000"/>
           </a:bodyPr>
           <a:lstStyle/>
           <a:p>
             <a:r>
+              <a:rPr lang="en-US" dirty="0"/>
+              <a:t>The </a:t>
+            </a:r>
+            <a:r>
               <a:rPr lang="en-US" dirty="0" err="1"/>
-              <a:t>SA_adjust_step</a:t>
+              <a:t>sa.c</a:t>
             </a:r>
             <a:r>
               <a:rPr lang="en-US" dirty="0"/>
-              <a:t>, in turn, runs a batch of steps and determines the number of times a step has been successful.</a:t>
+              <a:t> code provided has a serial implementation of a simulated annealing optimization. Sample functions are provided for optimization, a simple 2D function with multiple minimums, and an extension of the same test function to N dimensions. An additional delay function is added to simulate the effect of optimizing a problem which requires substantially more </a:t>
+            </a:r>
+            <a:r>
+              <a:rPr lang="en-US" dirty="0" err="1"/>
+              <a:t>cpu</a:t>
+            </a:r>
+            <a:r>
+              <a:rPr lang="en-US" dirty="0"/>
+              <a:t> time per function call.</a:t>
             </a:r>
           </a:p>
           <a:p>
             <a:endParaRPr lang="en-US" dirty="0"/>
           </a:p>
           <a:p>
+            <a:r>
+              <a:rPr lang="en-US" dirty="0"/>
+              <a:t>The main routine contains a primary iteration loop on </a:t>
+            </a:r>
+            <a:r>
+              <a:rPr lang="en-US" dirty="0" err="1"/>
+              <a:t>SA_check_temperature</a:t>
+            </a:r>
+            <a:r>
+              <a:rPr lang="en-US" dirty="0"/>
+              <a:t>.</a:t>
+            </a:r>
+          </a:p>
+          <a:p>
             <a:endParaRPr lang="en-US" dirty="0"/>
           </a:p>
           <a:p>
-            <a:endParaRPr lang="en-US" dirty="0"/>
-          </a:p>
-          <a:p>
-            <a:endParaRPr lang="en-US" dirty="0"/>
-          </a:p>
-          <a:p>
+            <a:pPr lvl="1"/>
             <a:r>
               <a:rPr lang="en-US" dirty="0"/>
-              <a:t>The number of successful steps is used to determine whether or how to adjust the step size.</a:t>
-            </a:r>
-          </a:p>
-          <a:p>
-            <a:endParaRPr lang="en-US" dirty="0"/>
-          </a:p>
-        </p:txBody>
-      </p:sp>
-      <p:sp>
-        <p:nvSpPr>
-          <p:cNvPr id="4" name="TextBox 3">
-            <a:extLst>
-              <a:ext uri="{FF2B5EF4-FFF2-40B4-BE49-F238E27FC236}">
-                <a16:creationId xmlns:a16="http://schemas.microsoft.com/office/drawing/2014/main" id="{1F69CE15-566E-46F1-B5C7-5400CA73AAE5}"/>
-              </a:ext>
-            </a:extLst>
-          </p:cNvPr>
-          <p:cNvSpPr txBox="1"/>
-          <p:nvPr/>
-        </p:nvSpPr>
-        <p:spPr>
-          <a:xfrm>
-            <a:off x="2467383" y="2816114"/>
-            <a:ext cx="5906297" cy="1754326"/>
-          </a:xfrm>
-          <a:prstGeom prst="rect">
-            <a:avLst/>
-          </a:prstGeom>
-          <a:noFill/>
-        </p:spPr>
-        <p:txBody>
-          <a:bodyPr wrap="none" rtlCol="0">
-            <a:spAutoFit/>
-          </a:bodyPr>
-          <a:lstStyle/>
+              <a:t>while(!</a:t>
+            </a:r>
+            <a:r>
+              <a:rPr lang="en-US" dirty="0" err="1"/>
+              <a:t>SA_check_temperature</a:t>
+            </a:r>
+            <a:r>
+              <a:rPr lang="en-US" dirty="0"/>
+              <a:t>(&amp;</a:t>
+            </a:r>
+            <a:r>
+              <a:rPr lang="en-US" dirty="0" err="1"/>
+              <a:t>model,funcN,NULL</a:t>
+            </a:r>
+            <a:r>
+              <a:rPr lang="en-US" dirty="0"/>
+              <a:t>)) {</a:t>
+            </a:r>
+          </a:p>
           <a:p>
             <a:pPr lvl="1"/>
             <a:r>
               <a:rPr lang="en-US" dirty="0"/>
-              <a:t>for(</a:t>
-            </a:r>
-            <a:r>
-              <a:rPr lang="en-US" dirty="0" err="1"/>
-              <a:t>iter</a:t>
-            </a:r>
+              <a:t>        // while not converged</a:t>
+            </a:r>
+          </a:p>
+          <a:p>
+            <a:pPr lvl="1"/>
             <a:r>
               <a:rPr lang="en-US" dirty="0"/>
-              <a:t>=0;iter&lt;model-&gt;</a:t>
-            </a:r>
-            <a:r>
-              <a:rPr lang="en-US" dirty="0" err="1"/>
-              <a:t>ntrial;iter</a:t>
-            </a:r>
+              <a:t>            // while not at thermal equilibrium</a:t>
+            </a:r>
+          </a:p>
+          <a:p>
+            <a:pPr lvl="1"/>
             <a:r>
               <a:rPr lang="en-US" dirty="0"/>
-              <a:t>++) {</a:t>
+              <a:t>                // adjust step</a:t>
             </a:r>
           </a:p>
           <a:p>
             <a:pPr lvl="1"/>
             <a:r>
               <a:rPr lang="en-US" dirty="0"/>
-              <a:t>        </a:t>
-            </a:r>
-            <a:r>
-              <a:rPr lang="en-US" dirty="0" err="1"/>
-              <a:t>count_success</a:t>
-            </a:r>
-            <a:r>
-              <a:rPr lang="en-US" dirty="0"/>
-              <a:t> += </a:t>
-            </a:r>
-            <a:r>
-              <a:rPr lang="en-US" dirty="0" err="1"/>
-              <a:t>SA_step</a:t>
-            </a:r>
-            <a:r>
-              <a:rPr lang="en-US" dirty="0"/>
-              <a:t>(</a:t>
-            </a:r>
-            <a:r>
-              <a:rPr lang="en-US" dirty="0" err="1"/>
-              <a:t>model,func,opts</a:t>
-            </a:r>
-            <a:r>
-              <a:rPr lang="en-US" dirty="0"/>
-              <a:t>);</a:t>
+              <a:t>            // reduce temperature</a:t>
             </a:r>
           </a:p>
           <a:p>
@@ -4702,35 +5489,13 @@
               <a:rPr lang="en-US" dirty="0"/>
               <a:t>    }</a:t>
             </a:r>
-          </a:p>
-          <a:p>
-            <a:pPr lvl="1"/>
-            <a:endParaRPr lang="en-US" dirty="0"/>
-          </a:p>
-          <a:p>
-            <a:pPr lvl="2"/>
-            <a:r>
-              <a:rPr lang="en-US" dirty="0"/>
-              <a:t>... (additional logic related to use of </a:t>
-            </a:r>
-            <a:r>
-              <a:rPr lang="en-US" dirty="0" err="1"/>
-              <a:t>count_success</a:t>
-            </a:r>
-            <a:r>
-              <a:rPr lang="en-US" dirty="0"/>
-              <a:t>)</a:t>
-            </a:r>
-          </a:p>
-          <a:p>
-            <a:endParaRPr lang="en-US" dirty="0"/>
           </a:p>
         </p:txBody>
       </p:sp>
     </p:spTree>
     <p:extLst>
       <p:ext uri="{BB962C8B-B14F-4D97-AF65-F5344CB8AC3E}">
-        <p14:creationId xmlns:p14="http://schemas.microsoft.com/office/powerpoint/2010/main" val="4080613413"/>
+        <p14:creationId xmlns:p14="http://schemas.microsoft.com/office/powerpoint/2010/main" val="543639384"/>
       </p:ext>
     </p:extLst>
   </p:cSld>
@@ -4762,7 +5527,7 @@
           <p:cNvPr id="2" name="Title 1">
             <a:extLst>
               <a:ext uri="{FF2B5EF4-FFF2-40B4-BE49-F238E27FC236}">
-                <a16:creationId xmlns:a16="http://schemas.microsoft.com/office/drawing/2014/main" id="{C2DADFD2-C436-4A8D-AB23-1A7D1F63FA50}"/>
+                <a16:creationId xmlns:a16="http://schemas.microsoft.com/office/drawing/2014/main" xmlns="" id="{C2DADFD2-C436-4A8D-AB23-1A7D1F63FA50}"/>
               </a:ext>
             </a:extLst>
           </p:cNvPr>
@@ -4790,59 +5555,15 @@
           <p:cNvPr id="3" name="Content Placeholder 2">
             <a:extLst>
               <a:ext uri="{FF2B5EF4-FFF2-40B4-BE49-F238E27FC236}">
-                <a16:creationId xmlns:a16="http://schemas.microsoft.com/office/drawing/2014/main" id="{2E053545-65E8-4D6E-882C-1DBDD0B602A5}"/>
-              </a:ext>
-            </a:extLst>
-          </p:cNvPr>
-          <p:cNvSpPr>
-            <a:spLocks noGrp="1"/>
-          </p:cNvSpPr>
-          <p:nvPr>
-            <p:ph sz="half" idx="1"/>
-          </p:nvPr>
-        </p:nvSpPr>
-        <p:spPr/>
-        <p:txBody>
-          <a:bodyPr>
-            <a:noAutofit/>
-          </a:bodyPr>
-          <a:lstStyle/>
-          <a:p>
-            <a:r>
-              <a:rPr lang="en-US" sz="2400" dirty="0"/>
-              <a:t>A single step is calculated in the </a:t>
-            </a:r>
-            <a:r>
-              <a:rPr lang="en-US" sz="2400" dirty="0" err="1"/>
-              <a:t>SA_step</a:t>
-            </a:r>
-            <a:r>
-              <a:rPr lang="en-US" sz="2400" dirty="0"/>
-              <a:t> method, with state information on the process passed in the model structure.</a:t>
-            </a:r>
-          </a:p>
-          <a:p>
-            <a:r>
-              <a:rPr lang="en-US" sz="2400" dirty="0"/>
-              <a:t>Note that nowhere in this process is there any clear concurrency--this is fundamentally tracking of a single random walk process, with loop carried dependency from one step to another.</a:t>
-            </a:r>
-          </a:p>
-        </p:txBody>
-      </p:sp>
-      <p:sp>
-        <p:nvSpPr>
-          <p:cNvPr id="4" name="Content Placeholder 3">
-            <a:extLst>
-              <a:ext uri="{FF2B5EF4-FFF2-40B4-BE49-F238E27FC236}">
-                <a16:creationId xmlns:a16="http://schemas.microsoft.com/office/drawing/2014/main" id="{B613B544-AA8F-4C7F-852A-8C4245C20A4B}"/>
-              </a:ext>
-            </a:extLst>
-          </p:cNvPr>
-          <p:cNvSpPr>
-            <a:spLocks noGrp="1"/>
-          </p:cNvSpPr>
-          <p:nvPr>
-            <p:ph sz="half" idx="2"/>
+                <a16:creationId xmlns:a16="http://schemas.microsoft.com/office/drawing/2014/main" xmlns="" id="{2E053545-65E8-4D6E-882C-1DBDD0B602A5}"/>
+              </a:ext>
+            </a:extLst>
+          </p:cNvPr>
+          <p:cNvSpPr>
+            <a:spLocks noGrp="1"/>
+          </p:cNvSpPr>
+          <p:nvPr>
+            <p:ph idx="1"/>
           </p:nvPr>
         </p:nvSpPr>
         <p:spPr/>
@@ -4852,25 +5573,40 @@
           </a:bodyPr>
           <a:lstStyle/>
           <a:p>
+            <a:r>
+              <a:rPr lang="en-US" dirty="0" err="1"/>
+              <a:t>SA_check_temperature</a:t>
+            </a:r>
+            <a:r>
+              <a:rPr lang="en-US" dirty="0"/>
+              <a:t>, in return, runs a batch of random walks to determine temperature convergence. It does this using the method </a:t>
+            </a:r>
+            <a:r>
+              <a:rPr lang="en-US" dirty="0" err="1"/>
+              <a:t>SA_adjust_step</a:t>
+            </a:r>
+            <a:r>
+              <a:rPr lang="en-US" dirty="0"/>
+              <a:t>.</a:t>
+            </a:r>
+          </a:p>
+          <a:p>
             <a:endParaRPr lang="en-US" dirty="0"/>
           </a:p>
           <a:p>
+            <a:pPr marL="0" indent="0">
+              <a:buNone/>
+            </a:pPr>
             <a:endParaRPr lang="en-US" dirty="0"/>
           </a:p>
-          <a:p>
-            <a:endParaRPr lang="en-US" dirty="0"/>
-          </a:p>
-          <a:p>
-            <a:endParaRPr lang="en-US" dirty="0"/>
-          </a:p>
-        </p:txBody>
-      </p:sp>
-      <p:sp>
-        <p:nvSpPr>
-          <p:cNvPr id="5" name="TextBox 4">
-            <a:extLst>
-              <a:ext uri="{FF2B5EF4-FFF2-40B4-BE49-F238E27FC236}">
-                <a16:creationId xmlns:a16="http://schemas.microsoft.com/office/drawing/2014/main" id="{D3E2E873-C401-4A0C-B09E-71EB11AE8F09}"/>
+        </p:txBody>
+      </p:sp>
+      <p:sp>
+        <p:nvSpPr>
+          <p:cNvPr id="4" name="TextBox 3">
+            <a:extLst>
+              <a:ext uri="{FF2B5EF4-FFF2-40B4-BE49-F238E27FC236}">
+                <a16:creationId xmlns:a16="http://schemas.microsoft.com/office/drawing/2014/main" xmlns="" id="{DC937530-166F-4A8D-A054-4AEAD37C1B18}"/>
               </a:ext>
             </a:extLst>
           </p:cNvPr>
@@ -4879,8 +5615,8 @@
         </p:nvSpPr>
         <p:spPr>
           <a:xfrm>
-            <a:off x="5803085" y="1690688"/>
-            <a:ext cx="6308137" cy="4431983"/>
+            <a:off x="2642532" y="3314641"/>
+            <a:ext cx="5780878" cy="2862322"/>
           </a:xfrm>
           <a:prstGeom prst="rect">
             <a:avLst/>
@@ -4895,319 +5631,107 @@
           <a:p>
             <a:pPr lvl="1"/>
             <a:r>
-              <a:rPr lang="en-US" sz="1400" dirty="0"/>
-              <a:t>int </a:t>
-            </a:r>
-            <a:r>
-              <a:rPr lang="en-US" sz="1400" dirty="0" err="1"/>
-              <a:t>SA_step</a:t>
-            </a:r>
-            <a:r>
-              <a:rPr lang="en-US" sz="1400" dirty="0"/>
+              <a:rPr lang="en-US" dirty="0"/>
+              <a:t>probe = </a:t>
+            </a:r>
+            <a:r>
+              <a:rPr lang="en-US" dirty="0" err="1"/>
+              <a:t>SA_adjust_step</a:t>
+            </a:r>
+            <a:r>
+              <a:rPr lang="en-US" dirty="0"/>
               <a:t>(</a:t>
             </a:r>
             <a:r>
-              <a:rPr lang="en-US" sz="1400" dirty="0" err="1"/>
-              <a:t>SAstruct</a:t>
-            </a:r>
-            <a:r>
-              <a:rPr lang="en-US" sz="1400" dirty="0"/>
-              <a:t> * model, double </a:t>
-            </a:r>
-            <a:r>
-              <a:rPr lang="en-US" sz="1400" dirty="0" err="1"/>
-              <a:t>func</a:t>
-            </a:r>
-            <a:r>
-              <a:rPr lang="en-US" sz="1400" dirty="0"/>
-              <a:t>(int, double *, void *), void * opts) {</a:t>
-            </a:r>
-          </a:p>
-          <a:p>
-            <a:pPr lvl="2"/>
-            <a:r>
-              <a:rPr lang="en-US" sz="1000" dirty="0"/>
-              <a:t>…</a:t>
-            </a:r>
-            <a:endParaRPr lang="en-US" sz="1400" dirty="0"/>
+              <a:rPr lang="en-US" dirty="0" err="1"/>
+              <a:t>model,func,opts</a:t>
+            </a:r>
+            <a:r>
+              <a:rPr lang="en-US" dirty="0"/>
+              <a:t>);</a:t>
+            </a:r>
           </a:p>
           <a:p>
             <a:pPr lvl="1"/>
             <a:r>
-              <a:rPr lang="en-US" sz="1400" dirty="0"/>
-              <a:t>    // pick a random step;</a:t>
+              <a:rPr lang="en-US" dirty="0"/>
+              <a:t>    if(probe==0) {</a:t>
             </a:r>
           </a:p>
           <a:p>
             <a:pPr lvl="1"/>
             <a:r>
-              <a:rPr lang="en-US" sz="1400" dirty="0"/>
-              <a:t>    for(</a:t>
-            </a:r>
-            <a:r>
-              <a:rPr lang="en-US" sz="1400" dirty="0" err="1"/>
-              <a:t>i</a:t>
-            </a:r>
-            <a:r>
-              <a:rPr lang="en-US" sz="1400" dirty="0"/>
-              <a:t>=0;i&lt;model-&gt;</a:t>
-            </a:r>
-            <a:r>
-              <a:rPr lang="en-US" sz="1400" dirty="0" err="1"/>
-              <a:t>n;i</a:t>
-            </a:r>
-            <a:r>
-              <a:rPr lang="en-US" sz="1400" dirty="0"/>
-              <a:t>++) {</a:t>
+              <a:rPr lang="en-US" dirty="0"/>
+              <a:t>        // thermal equilibrium reached, drop temperature</a:t>
             </a:r>
           </a:p>
           <a:p>
             <a:pPr lvl="1"/>
             <a:r>
-              <a:rPr lang="en-US" sz="1400" dirty="0"/>
-              <a:t>        model-&gt;dx[</a:t>
-            </a:r>
-            <a:r>
-              <a:rPr lang="en-US" sz="1400" dirty="0" err="1"/>
-              <a:t>i</a:t>
-            </a:r>
-            <a:r>
-              <a:rPr lang="en-US" sz="1400" dirty="0"/>
-              <a:t>] = </a:t>
-            </a:r>
-            <a:r>
-              <a:rPr lang="en-US" sz="1400" dirty="0" err="1"/>
-              <a:t>drand_range</a:t>
-            </a:r>
-            <a:r>
-              <a:rPr lang="en-US" sz="1400" dirty="0"/>
-              <a:t>(-model-&gt;</a:t>
-            </a:r>
-            <a:r>
-              <a:rPr lang="en-US" sz="1400" dirty="0" err="1"/>
-              <a:t>step,model</a:t>
-            </a:r>
-            <a:r>
-              <a:rPr lang="en-US" sz="1400" dirty="0"/>
-              <a:t>-&gt;step);</a:t>
+              <a:rPr lang="en-US" dirty="0"/>
+              <a:t>        model-&gt;temp*= model-&gt;</a:t>
+            </a:r>
+            <a:r>
+              <a:rPr lang="en-US" dirty="0" err="1"/>
+              <a:t>cooling_factor</a:t>
+            </a:r>
+            <a:r>
+              <a:rPr lang="en-US" dirty="0"/>
+              <a:t>;</a:t>
             </a:r>
           </a:p>
           <a:p>
             <a:pPr lvl="1"/>
             <a:r>
-              <a:rPr lang="en-US" sz="1400" dirty="0"/>
+              <a:rPr lang="en-US" dirty="0"/>
+              <a:t>        if(model-&gt;step&lt;model-&gt;epsilon) {</a:t>
+            </a:r>
+          </a:p>
+          <a:p>
+            <a:pPr lvl="1"/>
+            <a:r>
+              <a:rPr lang="en-US" dirty="0"/>
+              <a:t>            // if step size small at thermal </a:t>
+            </a:r>
+            <a:r>
+              <a:rPr lang="en-US" dirty="0" err="1"/>
+              <a:t>equil</a:t>
+            </a:r>
+            <a:r>
+              <a:rPr lang="en-US" dirty="0"/>
+              <a:t>, converge</a:t>
+            </a:r>
+          </a:p>
+          <a:p>
+            <a:pPr lvl="1"/>
+            <a:r>
+              <a:rPr lang="en-US" dirty="0"/>
+              <a:t>            return 1;</a:t>
+            </a:r>
+          </a:p>
+          <a:p>
+            <a:pPr lvl="1"/>
+            <a:r>
+              <a:rPr lang="en-US" dirty="0"/>
+              <a:t>        }</a:t>
+            </a:r>
+          </a:p>
+          <a:p>
+            <a:pPr lvl="1"/>
+            <a:r>
+              <a:rPr lang="en-US" dirty="0"/>
               <a:t>    }</a:t>
             </a:r>
           </a:p>
           <a:p>
-            <a:pPr lvl="1"/>
-            <a:r>
-              <a:rPr lang="en-US" sz="1400" dirty="0"/>
-              <a:t> // try out new value</a:t>
-            </a:r>
-          </a:p>
-          <a:p>
-            <a:pPr lvl="1"/>
-            <a:r>
-              <a:rPr lang="en-US" sz="1400" dirty="0"/>
-              <a:t>    for(</a:t>
-            </a:r>
-            <a:r>
-              <a:rPr lang="en-US" sz="1400" dirty="0" err="1"/>
-              <a:t>i</a:t>
-            </a:r>
-            <a:r>
-              <a:rPr lang="en-US" sz="1400" dirty="0"/>
-              <a:t>=0;i&lt;model-&gt;</a:t>
-            </a:r>
-            <a:r>
-              <a:rPr lang="en-US" sz="1400" dirty="0" err="1"/>
-              <a:t>n;i</a:t>
-            </a:r>
-            <a:r>
-              <a:rPr lang="en-US" sz="1400" dirty="0"/>
-              <a:t>++) {</a:t>
-            </a:r>
-          </a:p>
-          <a:p>
-            <a:pPr lvl="1"/>
-            <a:r>
-              <a:rPr lang="en-US" sz="1400" dirty="0"/>
-              <a:t>        model-&gt;</a:t>
-            </a:r>
-            <a:r>
-              <a:rPr lang="en-US" sz="1400" dirty="0" err="1"/>
-              <a:t>trial_x</a:t>
-            </a:r>
-            <a:r>
-              <a:rPr lang="en-US" sz="1400" dirty="0"/>
-              <a:t>[</a:t>
-            </a:r>
-            <a:r>
-              <a:rPr lang="en-US" sz="1400" dirty="0" err="1"/>
-              <a:t>i</a:t>
-            </a:r>
-            <a:r>
-              <a:rPr lang="en-US" sz="1400" dirty="0"/>
-              <a:t>] = model-&gt;x[</a:t>
-            </a:r>
-            <a:r>
-              <a:rPr lang="en-US" sz="1400" dirty="0" err="1"/>
-              <a:t>i</a:t>
-            </a:r>
-            <a:r>
-              <a:rPr lang="en-US" sz="1400" dirty="0"/>
-              <a:t>] + model-&gt;dx[</a:t>
-            </a:r>
-            <a:r>
-              <a:rPr lang="en-US" sz="1400" dirty="0" err="1"/>
-              <a:t>i</a:t>
-            </a:r>
-            <a:r>
-              <a:rPr lang="en-US" sz="1400" dirty="0"/>
-              <a:t>];</a:t>
-            </a:r>
-          </a:p>
-          <a:p>
-            <a:pPr lvl="1"/>
-            <a:r>
-              <a:rPr lang="en-US" sz="1400" dirty="0"/>
-              <a:t>    }</a:t>
-            </a:r>
-          </a:p>
-          <a:p>
-            <a:pPr lvl="1"/>
-            <a:r>
-              <a:rPr lang="en-US" sz="1400" dirty="0"/>
-              <a:t>    </a:t>
-            </a:r>
-            <a:r>
-              <a:rPr lang="en-US" sz="1400" dirty="0" err="1"/>
-              <a:t>trial_energy</a:t>
-            </a:r>
-            <a:r>
-              <a:rPr lang="en-US" sz="1400" dirty="0"/>
-              <a:t> = </a:t>
-            </a:r>
-            <a:r>
-              <a:rPr lang="en-US" sz="1400" dirty="0" err="1"/>
-              <a:t>func</a:t>
-            </a:r>
-            <a:r>
-              <a:rPr lang="en-US" sz="1400" dirty="0"/>
-              <a:t>(model-&gt;</a:t>
-            </a:r>
-            <a:r>
-              <a:rPr lang="en-US" sz="1400" dirty="0" err="1"/>
-              <a:t>n,model</a:t>
-            </a:r>
-            <a:r>
-              <a:rPr lang="en-US" sz="1400" dirty="0"/>
-              <a:t>-&gt;</a:t>
-            </a:r>
-            <a:r>
-              <a:rPr lang="en-US" sz="1400" dirty="0" err="1"/>
-              <a:t>trial_x,opts</a:t>
-            </a:r>
-            <a:r>
-              <a:rPr lang="en-US" sz="1400" dirty="0"/>
-              <a:t>);</a:t>
-            </a:r>
-          </a:p>
-          <a:p>
-            <a:pPr lvl="1"/>
-            <a:r>
-              <a:rPr lang="en-US" sz="1400" dirty="0"/>
-              <a:t>    model-&gt;</a:t>
-            </a:r>
-            <a:r>
-              <a:rPr lang="en-US" sz="1400" dirty="0" err="1"/>
-              <a:t>num_func_calls</a:t>
-            </a:r>
-            <a:r>
-              <a:rPr lang="en-US" sz="1400" dirty="0"/>
-              <a:t>++;</a:t>
-            </a:r>
-          </a:p>
-          <a:p>
-            <a:pPr lvl="1"/>
-            <a:r>
-              <a:rPr lang="en-US" sz="1400" dirty="0"/>
-              <a:t>    double </a:t>
-            </a:r>
-            <a:r>
-              <a:rPr lang="en-US" sz="1400" dirty="0" err="1"/>
-              <a:t>deltaE</a:t>
-            </a:r>
-            <a:r>
-              <a:rPr lang="en-US" sz="1400" dirty="0"/>
-              <a:t> = </a:t>
-            </a:r>
-            <a:r>
-              <a:rPr lang="en-US" sz="1400" dirty="0" err="1"/>
-              <a:t>trial_energy</a:t>
-            </a:r>
-            <a:r>
-              <a:rPr lang="en-US" sz="1400" dirty="0"/>
-              <a:t>-model-&gt;energy;</a:t>
-            </a:r>
-          </a:p>
-          <a:p>
-            <a:pPr lvl="1"/>
-            <a:r>
-              <a:rPr lang="en-US" sz="1400" dirty="0"/>
-              <a:t>    if(</a:t>
-            </a:r>
-            <a:r>
-              <a:rPr lang="en-US" sz="1400" dirty="0" err="1"/>
-              <a:t>deltaE</a:t>
-            </a:r>
-            <a:r>
-              <a:rPr lang="en-US" sz="1400" dirty="0"/>
-              <a:t>&lt;0) {</a:t>
-            </a:r>
-          </a:p>
-          <a:p>
-            <a:pPr lvl="1"/>
-            <a:r>
-              <a:rPr lang="en-US" sz="1400" dirty="0"/>
-              <a:t>         …</a:t>
-            </a:r>
-          </a:p>
-          <a:p>
-            <a:pPr lvl="1"/>
-            <a:r>
-              <a:rPr lang="en-US" sz="1400" dirty="0"/>
-              <a:t>     } else {</a:t>
-            </a:r>
-          </a:p>
-          <a:p>
-            <a:pPr lvl="1"/>
-            <a:r>
-              <a:rPr lang="en-US" sz="1400" dirty="0"/>
-              <a:t>         …</a:t>
-            </a:r>
-          </a:p>
-          <a:p>
-            <a:pPr lvl="1"/>
-            <a:r>
-              <a:rPr lang="en-US" sz="1400" dirty="0"/>
-              <a:t>    }</a:t>
-            </a:r>
-          </a:p>
-          <a:p>
-            <a:pPr lvl="1"/>
-            <a:endParaRPr lang="en-US" sz="1400" dirty="0"/>
-          </a:p>
-          <a:p>
-            <a:endParaRPr lang="en-US" sz="2000" dirty="0"/>
+            <a:endParaRPr lang="en-US" dirty="0"/>
           </a:p>
         </p:txBody>
       </p:sp>
     </p:spTree>
     <p:extLst>
       <p:ext uri="{BB962C8B-B14F-4D97-AF65-F5344CB8AC3E}">
-        <p14:creationId xmlns:p14="http://schemas.microsoft.com/office/powerpoint/2010/main" val="1367226616"/>
+        <p14:creationId xmlns:p14="http://schemas.microsoft.com/office/powerpoint/2010/main" val="3067441229"/>
       </p:ext>
     </p:extLst>
   </p:cSld>
@@ -5236,10 +5760,712 @@
       </p:grpSpPr>
       <p:sp>
         <p:nvSpPr>
+          <p:cNvPr id="2" name="Title 1">
+            <a:extLst>
+              <a:ext uri="{FF2B5EF4-FFF2-40B4-BE49-F238E27FC236}">
+                <a16:creationId xmlns:a16="http://schemas.microsoft.com/office/drawing/2014/main" xmlns="" id="{C2DADFD2-C436-4A8D-AB23-1A7D1F63FA50}"/>
+              </a:ext>
+            </a:extLst>
+          </p:cNvPr>
+          <p:cNvSpPr>
+            <a:spLocks noGrp="1"/>
+          </p:cNvSpPr>
+          <p:nvPr>
+            <p:ph type="title"/>
+          </p:nvPr>
+        </p:nvSpPr>
+        <p:spPr/>
+        <p:txBody>
+          <a:bodyPr/>
+          <a:lstStyle/>
+          <a:p>
+            <a:r>
+              <a:rPr lang="en-US" dirty="0"/>
+              <a:t>Serial Code Overview</a:t>
+            </a:r>
+          </a:p>
+        </p:txBody>
+      </p:sp>
+      <p:sp>
+        <p:nvSpPr>
+          <p:cNvPr id="3" name="Content Placeholder 2">
+            <a:extLst>
+              <a:ext uri="{FF2B5EF4-FFF2-40B4-BE49-F238E27FC236}">
+                <a16:creationId xmlns:a16="http://schemas.microsoft.com/office/drawing/2014/main" xmlns="" id="{2E053545-65E8-4D6E-882C-1DBDD0B602A5}"/>
+              </a:ext>
+            </a:extLst>
+          </p:cNvPr>
+          <p:cNvSpPr>
+            <a:spLocks noGrp="1"/>
+          </p:cNvSpPr>
+          <p:nvPr>
+            <p:ph idx="1"/>
+          </p:nvPr>
+        </p:nvSpPr>
+        <p:spPr/>
+        <p:txBody>
+          <a:bodyPr>
+            <a:normAutofit/>
+          </a:bodyPr>
+          <a:lstStyle/>
+          <a:p>
+            <a:r>
+              <a:rPr lang="en-US" dirty="0" err="1"/>
+              <a:t>SA_adjust_step</a:t>
+            </a:r>
+            <a:r>
+              <a:rPr lang="en-US" dirty="0"/>
+              <a:t>, in turn, runs a batch of steps and determines the number of times a step has been successful.</a:t>
+            </a:r>
+          </a:p>
+          <a:p>
+            <a:endParaRPr lang="en-US" dirty="0"/>
+          </a:p>
+          <a:p>
+            <a:endParaRPr lang="en-US" dirty="0"/>
+          </a:p>
+          <a:p>
+            <a:endParaRPr lang="en-US" dirty="0"/>
+          </a:p>
+          <a:p>
+            <a:endParaRPr lang="en-US" dirty="0"/>
+          </a:p>
+          <a:p>
+            <a:r>
+              <a:rPr lang="en-US" dirty="0"/>
+              <a:t>The number of successful steps is used to determine whether or how to adjust the step size.</a:t>
+            </a:r>
+          </a:p>
+          <a:p>
+            <a:endParaRPr lang="en-US" dirty="0"/>
+          </a:p>
+        </p:txBody>
+      </p:sp>
+      <p:sp>
+        <p:nvSpPr>
+          <p:cNvPr id="4" name="TextBox 3">
+            <a:extLst>
+              <a:ext uri="{FF2B5EF4-FFF2-40B4-BE49-F238E27FC236}">
+                <a16:creationId xmlns:a16="http://schemas.microsoft.com/office/drawing/2014/main" xmlns="" id="{1F69CE15-566E-46F1-B5C7-5400CA73AAE5}"/>
+              </a:ext>
+            </a:extLst>
+          </p:cNvPr>
+          <p:cNvSpPr txBox="1"/>
+          <p:nvPr/>
+        </p:nvSpPr>
+        <p:spPr>
+          <a:xfrm>
+            <a:off x="2467383" y="2816114"/>
+            <a:ext cx="5906297" cy="1754326"/>
+          </a:xfrm>
+          <a:prstGeom prst="rect">
+            <a:avLst/>
+          </a:prstGeom>
+          <a:noFill/>
+        </p:spPr>
+        <p:txBody>
+          <a:bodyPr wrap="none" rtlCol="0">
+            <a:spAutoFit/>
+          </a:bodyPr>
+          <a:lstStyle/>
+          <a:p>
+            <a:pPr lvl="1"/>
+            <a:r>
+              <a:rPr lang="en-US" dirty="0"/>
+              <a:t>for(</a:t>
+            </a:r>
+            <a:r>
+              <a:rPr lang="en-US" dirty="0" err="1"/>
+              <a:t>iter</a:t>
+            </a:r>
+            <a:r>
+              <a:rPr lang="en-US" dirty="0"/>
+              <a:t>=0;iter&lt;model-&gt;</a:t>
+            </a:r>
+            <a:r>
+              <a:rPr lang="en-US" dirty="0" err="1"/>
+              <a:t>ntrial;iter</a:t>
+            </a:r>
+            <a:r>
+              <a:rPr lang="en-US" dirty="0"/>
+              <a:t>++) {</a:t>
+            </a:r>
+          </a:p>
+          <a:p>
+            <a:pPr lvl="1"/>
+            <a:r>
+              <a:rPr lang="en-US" dirty="0"/>
+              <a:t>        </a:t>
+            </a:r>
+            <a:r>
+              <a:rPr lang="en-US" dirty="0" err="1"/>
+              <a:t>count_success</a:t>
+            </a:r>
+            <a:r>
+              <a:rPr lang="en-US" dirty="0"/>
+              <a:t> += </a:t>
+            </a:r>
+            <a:r>
+              <a:rPr lang="en-US" dirty="0" err="1"/>
+              <a:t>SA_step</a:t>
+            </a:r>
+            <a:r>
+              <a:rPr lang="en-US" dirty="0"/>
+              <a:t>(</a:t>
+            </a:r>
+            <a:r>
+              <a:rPr lang="en-US" dirty="0" err="1"/>
+              <a:t>model,func,opts</a:t>
+            </a:r>
+            <a:r>
+              <a:rPr lang="en-US" dirty="0"/>
+              <a:t>);</a:t>
+            </a:r>
+          </a:p>
+          <a:p>
+            <a:pPr lvl="1"/>
+            <a:r>
+              <a:rPr lang="en-US" dirty="0"/>
+              <a:t>    }</a:t>
+            </a:r>
+          </a:p>
+          <a:p>
+            <a:pPr lvl="1"/>
+            <a:endParaRPr lang="en-US" dirty="0"/>
+          </a:p>
+          <a:p>
+            <a:pPr lvl="2"/>
+            <a:r>
+              <a:rPr lang="en-US" dirty="0"/>
+              <a:t>... (additional logic related to use of </a:t>
+            </a:r>
+            <a:r>
+              <a:rPr lang="en-US" dirty="0" err="1"/>
+              <a:t>count_success</a:t>
+            </a:r>
+            <a:r>
+              <a:rPr lang="en-US" dirty="0"/>
+              <a:t>)</a:t>
+            </a:r>
+          </a:p>
+          <a:p>
+            <a:endParaRPr lang="en-US" dirty="0"/>
+          </a:p>
+        </p:txBody>
+      </p:sp>
+    </p:spTree>
+    <p:extLst>
+      <p:ext uri="{BB962C8B-B14F-4D97-AF65-F5344CB8AC3E}">
+        <p14:creationId xmlns:p14="http://schemas.microsoft.com/office/powerpoint/2010/main" val="4080613413"/>
+      </p:ext>
+    </p:extLst>
+  </p:cSld>
+  <p:clrMapOvr>
+    <a:masterClrMapping/>
+  </p:clrMapOvr>
+</p:sld>
+</file>
+
+<file path=ppt/slides/slide8.xml><?xml version="1.0" encoding="utf-8"?>
+<p:sld xmlns:a="http://schemas.openxmlformats.org/drawingml/2006/main" xmlns:r="http://schemas.openxmlformats.org/officeDocument/2006/relationships" xmlns:p="http://schemas.openxmlformats.org/presentationml/2006/main">
+  <p:cSld>
+    <p:spTree>
+      <p:nvGrpSpPr>
+        <p:cNvPr id="1" name=""/>
+        <p:cNvGrpSpPr/>
+        <p:nvPr/>
+      </p:nvGrpSpPr>
+      <p:grpSpPr>
+        <a:xfrm>
+          <a:off x="0" y="0"/>
+          <a:ext cx="0" cy="0"/>
+          <a:chOff x="0" y="0"/>
+          <a:chExt cx="0" cy="0"/>
+        </a:xfrm>
+      </p:grpSpPr>
+      <p:sp>
+        <p:nvSpPr>
+          <p:cNvPr id="2" name="Title 1">
+            <a:extLst>
+              <a:ext uri="{FF2B5EF4-FFF2-40B4-BE49-F238E27FC236}">
+                <a16:creationId xmlns:a16="http://schemas.microsoft.com/office/drawing/2014/main" xmlns="" id="{C2DADFD2-C436-4A8D-AB23-1A7D1F63FA50}"/>
+              </a:ext>
+            </a:extLst>
+          </p:cNvPr>
+          <p:cNvSpPr>
+            <a:spLocks noGrp="1"/>
+          </p:cNvSpPr>
+          <p:nvPr>
+            <p:ph type="title"/>
+          </p:nvPr>
+        </p:nvSpPr>
+        <p:spPr/>
+        <p:txBody>
+          <a:bodyPr/>
+          <a:lstStyle/>
+          <a:p>
+            <a:r>
+              <a:rPr lang="en-US" dirty="0"/>
+              <a:t>Serial Code Overview</a:t>
+            </a:r>
+          </a:p>
+        </p:txBody>
+      </p:sp>
+      <p:sp>
+        <p:nvSpPr>
+          <p:cNvPr id="3" name="Content Placeholder 2">
+            <a:extLst>
+              <a:ext uri="{FF2B5EF4-FFF2-40B4-BE49-F238E27FC236}">
+                <a16:creationId xmlns:a16="http://schemas.microsoft.com/office/drawing/2014/main" xmlns="" id="{2E053545-65E8-4D6E-882C-1DBDD0B602A5}"/>
+              </a:ext>
+            </a:extLst>
+          </p:cNvPr>
+          <p:cNvSpPr>
+            <a:spLocks noGrp="1"/>
+          </p:cNvSpPr>
+          <p:nvPr>
+            <p:ph sz="half" idx="1"/>
+          </p:nvPr>
+        </p:nvSpPr>
+        <p:spPr/>
+        <p:txBody>
+          <a:bodyPr>
+            <a:noAutofit/>
+          </a:bodyPr>
+          <a:lstStyle/>
+          <a:p>
+            <a:r>
+              <a:rPr lang="en-US" sz="2400" dirty="0"/>
+              <a:t>A single step is calculated in the </a:t>
+            </a:r>
+            <a:r>
+              <a:rPr lang="en-US" sz="2400" dirty="0" err="1"/>
+              <a:t>SA_step</a:t>
+            </a:r>
+            <a:r>
+              <a:rPr lang="en-US" sz="2400" dirty="0"/>
+              <a:t> method, with state information on the process passed in the model structure.</a:t>
+            </a:r>
+          </a:p>
+          <a:p>
+            <a:r>
+              <a:rPr lang="en-US" sz="2400" dirty="0"/>
+              <a:t>Note that nowhere in this process is there any clear concurrency--this is fundamentally tracking of a single random walk process, with loop carried dependency from one step to another.</a:t>
+            </a:r>
+          </a:p>
+        </p:txBody>
+      </p:sp>
+      <p:sp>
+        <p:nvSpPr>
+          <p:cNvPr id="4" name="Content Placeholder 3">
+            <a:extLst>
+              <a:ext uri="{FF2B5EF4-FFF2-40B4-BE49-F238E27FC236}">
+                <a16:creationId xmlns:a16="http://schemas.microsoft.com/office/drawing/2014/main" xmlns="" id="{B613B544-AA8F-4C7F-852A-8C4245C20A4B}"/>
+              </a:ext>
+            </a:extLst>
+          </p:cNvPr>
+          <p:cNvSpPr>
+            <a:spLocks noGrp="1"/>
+          </p:cNvSpPr>
+          <p:nvPr>
+            <p:ph sz="half" idx="2"/>
+          </p:nvPr>
+        </p:nvSpPr>
+        <p:spPr/>
+        <p:txBody>
+          <a:bodyPr>
+            <a:normAutofit/>
+          </a:bodyPr>
+          <a:lstStyle/>
+          <a:p>
+            <a:endParaRPr lang="en-US" dirty="0"/>
+          </a:p>
+          <a:p>
+            <a:endParaRPr lang="en-US" dirty="0"/>
+          </a:p>
+          <a:p>
+            <a:endParaRPr lang="en-US" dirty="0"/>
+          </a:p>
+          <a:p>
+            <a:endParaRPr lang="en-US" dirty="0"/>
+          </a:p>
+        </p:txBody>
+      </p:sp>
+      <p:sp>
+        <p:nvSpPr>
+          <p:cNvPr id="5" name="TextBox 4">
+            <a:extLst>
+              <a:ext uri="{FF2B5EF4-FFF2-40B4-BE49-F238E27FC236}">
+                <a16:creationId xmlns:a16="http://schemas.microsoft.com/office/drawing/2014/main" xmlns="" id="{D3E2E873-C401-4A0C-B09E-71EB11AE8F09}"/>
+              </a:ext>
+            </a:extLst>
+          </p:cNvPr>
+          <p:cNvSpPr txBox="1"/>
+          <p:nvPr/>
+        </p:nvSpPr>
+        <p:spPr>
+          <a:xfrm>
+            <a:off x="5803085" y="1690688"/>
+            <a:ext cx="6308137" cy="4431983"/>
+          </a:xfrm>
+          <a:prstGeom prst="rect">
+            <a:avLst/>
+          </a:prstGeom>
+          <a:noFill/>
+        </p:spPr>
+        <p:txBody>
+          <a:bodyPr wrap="none" rtlCol="0">
+            <a:spAutoFit/>
+          </a:bodyPr>
+          <a:lstStyle/>
+          <a:p>
+            <a:pPr lvl="1"/>
+            <a:r>
+              <a:rPr lang="en-US" sz="1400" dirty="0"/>
+              <a:t>int </a:t>
+            </a:r>
+            <a:r>
+              <a:rPr lang="en-US" sz="1400" dirty="0" err="1"/>
+              <a:t>SA_step</a:t>
+            </a:r>
+            <a:r>
+              <a:rPr lang="en-US" sz="1400" dirty="0"/>
+              <a:t>(</a:t>
+            </a:r>
+            <a:r>
+              <a:rPr lang="en-US" sz="1400" dirty="0" err="1"/>
+              <a:t>SAstruct</a:t>
+            </a:r>
+            <a:r>
+              <a:rPr lang="en-US" sz="1400" dirty="0"/>
+              <a:t> * model, double </a:t>
+            </a:r>
+            <a:r>
+              <a:rPr lang="en-US" sz="1400" dirty="0" err="1"/>
+              <a:t>func</a:t>
+            </a:r>
+            <a:r>
+              <a:rPr lang="en-US" sz="1400" dirty="0"/>
+              <a:t>(int, double *, void *), void * opts) {</a:t>
+            </a:r>
+          </a:p>
+          <a:p>
+            <a:pPr lvl="2"/>
+            <a:r>
+              <a:rPr lang="en-US" sz="1000" dirty="0"/>
+              <a:t>…</a:t>
+            </a:r>
+            <a:endParaRPr lang="en-US" sz="1400" dirty="0"/>
+          </a:p>
+          <a:p>
+            <a:pPr lvl="1"/>
+            <a:r>
+              <a:rPr lang="en-US" sz="1400" dirty="0"/>
+              <a:t>    // pick a random step;</a:t>
+            </a:r>
+          </a:p>
+          <a:p>
+            <a:pPr lvl="1"/>
+            <a:r>
+              <a:rPr lang="en-US" sz="1400" dirty="0"/>
+              <a:t>    for(</a:t>
+            </a:r>
+            <a:r>
+              <a:rPr lang="en-US" sz="1400" dirty="0" err="1"/>
+              <a:t>i</a:t>
+            </a:r>
+            <a:r>
+              <a:rPr lang="en-US" sz="1400" dirty="0"/>
+              <a:t>=0;i&lt;model-&gt;</a:t>
+            </a:r>
+            <a:r>
+              <a:rPr lang="en-US" sz="1400" dirty="0" err="1"/>
+              <a:t>n;i</a:t>
+            </a:r>
+            <a:r>
+              <a:rPr lang="en-US" sz="1400" dirty="0"/>
+              <a:t>++) {</a:t>
+            </a:r>
+          </a:p>
+          <a:p>
+            <a:pPr lvl="1"/>
+            <a:r>
+              <a:rPr lang="en-US" sz="1400" dirty="0"/>
+              <a:t>        model-&gt;dx[</a:t>
+            </a:r>
+            <a:r>
+              <a:rPr lang="en-US" sz="1400" dirty="0" err="1"/>
+              <a:t>i</a:t>
+            </a:r>
+            <a:r>
+              <a:rPr lang="en-US" sz="1400" dirty="0"/>
+              <a:t>] = </a:t>
+            </a:r>
+            <a:r>
+              <a:rPr lang="en-US" sz="1400" dirty="0" err="1"/>
+              <a:t>drand_range</a:t>
+            </a:r>
+            <a:r>
+              <a:rPr lang="en-US" sz="1400" dirty="0"/>
+              <a:t>(-model-&gt;</a:t>
+            </a:r>
+            <a:r>
+              <a:rPr lang="en-US" sz="1400" dirty="0" err="1"/>
+              <a:t>step,model</a:t>
+            </a:r>
+            <a:r>
+              <a:rPr lang="en-US" sz="1400" dirty="0"/>
+              <a:t>-&gt;step);</a:t>
+            </a:r>
+          </a:p>
+          <a:p>
+            <a:pPr lvl="1"/>
+            <a:r>
+              <a:rPr lang="en-US" sz="1400" dirty="0"/>
+              <a:t>    }</a:t>
+            </a:r>
+          </a:p>
+          <a:p>
+            <a:pPr lvl="1"/>
+            <a:r>
+              <a:rPr lang="en-US" sz="1400" dirty="0"/>
+              <a:t> // try out new value</a:t>
+            </a:r>
+          </a:p>
+          <a:p>
+            <a:pPr lvl="1"/>
+            <a:r>
+              <a:rPr lang="en-US" sz="1400" dirty="0"/>
+              <a:t>    for(</a:t>
+            </a:r>
+            <a:r>
+              <a:rPr lang="en-US" sz="1400" dirty="0" err="1"/>
+              <a:t>i</a:t>
+            </a:r>
+            <a:r>
+              <a:rPr lang="en-US" sz="1400" dirty="0"/>
+              <a:t>=0;i&lt;model-&gt;</a:t>
+            </a:r>
+            <a:r>
+              <a:rPr lang="en-US" sz="1400" dirty="0" err="1"/>
+              <a:t>n;i</a:t>
+            </a:r>
+            <a:r>
+              <a:rPr lang="en-US" sz="1400" dirty="0"/>
+              <a:t>++) {</a:t>
+            </a:r>
+          </a:p>
+          <a:p>
+            <a:pPr lvl="1"/>
+            <a:r>
+              <a:rPr lang="en-US" sz="1400" dirty="0"/>
+              <a:t>        model-&gt;</a:t>
+            </a:r>
+            <a:r>
+              <a:rPr lang="en-US" sz="1400" dirty="0" err="1"/>
+              <a:t>trial_x</a:t>
+            </a:r>
+            <a:r>
+              <a:rPr lang="en-US" sz="1400" dirty="0"/>
+              <a:t>[</a:t>
+            </a:r>
+            <a:r>
+              <a:rPr lang="en-US" sz="1400" dirty="0" err="1"/>
+              <a:t>i</a:t>
+            </a:r>
+            <a:r>
+              <a:rPr lang="en-US" sz="1400" dirty="0"/>
+              <a:t>] = model-&gt;x[</a:t>
+            </a:r>
+            <a:r>
+              <a:rPr lang="en-US" sz="1400" dirty="0" err="1"/>
+              <a:t>i</a:t>
+            </a:r>
+            <a:r>
+              <a:rPr lang="en-US" sz="1400" dirty="0"/>
+              <a:t>] + model-&gt;dx[</a:t>
+            </a:r>
+            <a:r>
+              <a:rPr lang="en-US" sz="1400" dirty="0" err="1"/>
+              <a:t>i</a:t>
+            </a:r>
+            <a:r>
+              <a:rPr lang="en-US" sz="1400" dirty="0"/>
+              <a:t>];</a:t>
+            </a:r>
+          </a:p>
+          <a:p>
+            <a:pPr lvl="1"/>
+            <a:r>
+              <a:rPr lang="en-US" sz="1400" dirty="0"/>
+              <a:t>    }</a:t>
+            </a:r>
+          </a:p>
+          <a:p>
+            <a:pPr lvl="1"/>
+            <a:r>
+              <a:rPr lang="en-US" sz="1400" dirty="0"/>
+              <a:t>    </a:t>
+            </a:r>
+            <a:r>
+              <a:rPr lang="en-US" sz="1400" dirty="0" err="1"/>
+              <a:t>trial_energy</a:t>
+            </a:r>
+            <a:r>
+              <a:rPr lang="en-US" sz="1400" dirty="0"/>
+              <a:t> = </a:t>
+            </a:r>
+            <a:r>
+              <a:rPr lang="en-US" sz="1400" dirty="0" err="1"/>
+              <a:t>func</a:t>
+            </a:r>
+            <a:r>
+              <a:rPr lang="en-US" sz="1400" dirty="0"/>
+              <a:t>(model-&gt;</a:t>
+            </a:r>
+            <a:r>
+              <a:rPr lang="en-US" sz="1400" dirty="0" err="1"/>
+              <a:t>n,model</a:t>
+            </a:r>
+            <a:r>
+              <a:rPr lang="en-US" sz="1400" dirty="0"/>
+              <a:t>-&gt;</a:t>
+            </a:r>
+            <a:r>
+              <a:rPr lang="en-US" sz="1400" dirty="0" err="1"/>
+              <a:t>trial_x,opts</a:t>
+            </a:r>
+            <a:r>
+              <a:rPr lang="en-US" sz="1400" dirty="0"/>
+              <a:t>);</a:t>
+            </a:r>
+          </a:p>
+          <a:p>
+            <a:pPr lvl="1"/>
+            <a:r>
+              <a:rPr lang="en-US" sz="1400" dirty="0"/>
+              <a:t>    model-&gt;</a:t>
+            </a:r>
+            <a:r>
+              <a:rPr lang="en-US" sz="1400" dirty="0" err="1"/>
+              <a:t>num_func_calls</a:t>
+            </a:r>
+            <a:r>
+              <a:rPr lang="en-US" sz="1400" dirty="0"/>
+              <a:t>++;</a:t>
+            </a:r>
+          </a:p>
+          <a:p>
+            <a:pPr lvl="1"/>
+            <a:r>
+              <a:rPr lang="en-US" sz="1400" dirty="0"/>
+              <a:t>    double </a:t>
+            </a:r>
+            <a:r>
+              <a:rPr lang="en-US" sz="1400" dirty="0" err="1"/>
+              <a:t>deltaE</a:t>
+            </a:r>
+            <a:r>
+              <a:rPr lang="en-US" sz="1400" dirty="0"/>
+              <a:t> = </a:t>
+            </a:r>
+            <a:r>
+              <a:rPr lang="en-US" sz="1400" dirty="0" err="1"/>
+              <a:t>trial_energy</a:t>
+            </a:r>
+            <a:r>
+              <a:rPr lang="en-US" sz="1400" dirty="0"/>
+              <a:t>-model-&gt;energy;</a:t>
+            </a:r>
+          </a:p>
+          <a:p>
+            <a:pPr lvl="1"/>
+            <a:r>
+              <a:rPr lang="en-US" sz="1400" dirty="0"/>
+              <a:t>    if(</a:t>
+            </a:r>
+            <a:r>
+              <a:rPr lang="en-US" sz="1400" dirty="0" err="1"/>
+              <a:t>deltaE</a:t>
+            </a:r>
+            <a:r>
+              <a:rPr lang="en-US" sz="1400" dirty="0"/>
+              <a:t>&lt;0) {</a:t>
+            </a:r>
+          </a:p>
+          <a:p>
+            <a:pPr lvl="1"/>
+            <a:r>
+              <a:rPr lang="en-US" sz="1400" dirty="0"/>
+              <a:t>         …</a:t>
+            </a:r>
+          </a:p>
+          <a:p>
+            <a:pPr lvl="1"/>
+            <a:r>
+              <a:rPr lang="en-US" sz="1400" dirty="0"/>
+              <a:t>     } else {</a:t>
+            </a:r>
+          </a:p>
+          <a:p>
+            <a:pPr lvl="1"/>
+            <a:r>
+              <a:rPr lang="en-US" sz="1400" dirty="0"/>
+              <a:t>         …</a:t>
+            </a:r>
+          </a:p>
+          <a:p>
+            <a:pPr lvl="1"/>
+            <a:r>
+              <a:rPr lang="en-US" sz="1400" dirty="0"/>
+              <a:t>    }</a:t>
+            </a:r>
+          </a:p>
+          <a:p>
+            <a:pPr lvl="1"/>
+            <a:endParaRPr lang="en-US" sz="1400" dirty="0"/>
+          </a:p>
+          <a:p>
+            <a:endParaRPr lang="en-US" sz="2000" dirty="0"/>
+          </a:p>
+        </p:txBody>
+      </p:sp>
+    </p:spTree>
+    <p:extLst>
+      <p:ext uri="{BB962C8B-B14F-4D97-AF65-F5344CB8AC3E}">
+        <p14:creationId xmlns:p14="http://schemas.microsoft.com/office/powerpoint/2010/main" val="1367226616"/>
+      </p:ext>
+    </p:extLst>
+  </p:cSld>
+  <p:clrMapOvr>
+    <a:masterClrMapping/>
+  </p:clrMapOvr>
+</p:sld>
+</file>
+
+<file path=ppt/slides/slide9.xml><?xml version="1.0" encoding="utf-8"?>
+<p:sld xmlns:a="http://schemas.openxmlformats.org/drawingml/2006/main" xmlns:r="http://schemas.openxmlformats.org/officeDocument/2006/relationships" xmlns:p="http://schemas.openxmlformats.org/presentationml/2006/main">
+  <p:cSld>
+    <p:spTree>
+      <p:nvGrpSpPr>
+        <p:cNvPr id="1" name=""/>
+        <p:cNvGrpSpPr/>
+        <p:nvPr/>
+      </p:nvGrpSpPr>
+      <p:grpSpPr>
+        <a:xfrm>
+          <a:off x="0" y="0"/>
+          <a:ext cx="0" cy="0"/>
+          <a:chOff x="0" y="0"/>
+          <a:chExt cx="0" cy="0"/>
+        </a:xfrm>
+      </p:grpSpPr>
+      <p:sp>
+        <p:nvSpPr>
           <p:cNvPr id="5" name="Title 4">
             <a:extLst>
               <a:ext uri="{FF2B5EF4-FFF2-40B4-BE49-F238E27FC236}">
-                <a16:creationId xmlns:a16="http://schemas.microsoft.com/office/drawing/2014/main" id="{BC6ABE1C-2F73-4AE5-982C-AD0B9B7F0274}"/>
+                <a16:creationId xmlns:a16="http://schemas.microsoft.com/office/drawing/2014/main" xmlns="" id="{BC6ABE1C-2F73-4AE5-982C-AD0B9B7F0274}"/>
               </a:ext>
             </a:extLst>
           </p:cNvPr>
@@ -5269,7 +6495,7 @@
               <p:cNvPr id="6" name="Content Placeholder 5">
                 <a:extLst>
                   <a:ext uri="{FF2B5EF4-FFF2-40B4-BE49-F238E27FC236}">
-                    <a16:creationId xmlns:a16="http://schemas.microsoft.com/office/drawing/2014/main" id="{D6CA7E43-6B7D-41CE-AEA1-D9B42AE6E9E1}"/>
+                    <a16:creationId xmlns:a16="http://schemas.microsoft.com/office/drawing/2014/main" xmlns="" id="{D6CA7E43-6B7D-41CE-AEA1-D9B42AE6E9E1}"/>
                   </a:ext>
                 </a:extLst>
               </p:cNvPr>
@@ -5297,7 +6523,7 @@
                       <m:sSubPr>
                         <m:ctrlPr>
                           <a:rPr lang="en-US" b="0" i="1" dirty="0" smtClean="0">
-                            <a:latin typeface="Cambria Math" panose="02040503050406030204" pitchFamily="18" charset="0"/>
+                            <a:latin typeface="Cambria Math" charset="0"/>
                           </a:rPr>
                         </m:ctrlPr>
                       </m:sSubPr>
@@ -5336,7 +6562,7 @@
                       <m:sSubPr>
                         <m:ctrlPr>
                           <a:rPr lang="en-US" b="0" i="1" smtClean="0">
-                            <a:latin typeface="Cambria Math" panose="02040503050406030204" pitchFamily="18" charset="0"/>
+                            <a:latin typeface="Cambria Math" charset="0"/>
                           </a:rPr>
                         </m:ctrlPr>
                       </m:sSubPr>
@@ -5369,7 +6595,7 @@
                       <m:sSubPr>
                         <m:ctrlPr>
                           <a:rPr lang="en-US" b="0" i="1" smtClean="0">
-                            <a:latin typeface="Cambria Math" panose="02040503050406030204" pitchFamily="18" charset="0"/>
+                            <a:latin typeface="Cambria Math" charset="0"/>
                           </a:rPr>
                         </m:ctrlPr>
                       </m:sSubPr>
@@ -5402,7 +6628,7 @@
                       <m:sSubPr>
                         <m:ctrlPr>
                           <a:rPr lang="en-US" b="0" i="1" smtClean="0">
-                            <a:latin typeface="Cambria Math" panose="02040503050406030204" pitchFamily="18" charset="0"/>
+                            <a:latin typeface="Cambria Math" charset="0"/>
                           </a:rPr>
                         </m:ctrlPr>
                       </m:sSubPr>
@@ -5433,7 +6659,7 @@
                       <m:sSubPr>
                         <m:ctrlPr>
                           <a:rPr lang="en-US" b="0" i="1" smtClean="0">
-                            <a:latin typeface="Cambria Math" panose="02040503050406030204" pitchFamily="18" charset="0"/>
+                            <a:latin typeface="Cambria Math" charset="0"/>
                           </a:rPr>
                         </m:ctrlPr>
                       </m:sSubPr>
@@ -5508,334 +6734,6 @@
     <p:extLst>
       <p:ext uri="{BB962C8B-B14F-4D97-AF65-F5344CB8AC3E}">
         <p14:creationId xmlns:p14="http://schemas.microsoft.com/office/powerpoint/2010/main" val="3433456491"/>
-      </p:ext>
-    </p:extLst>
-  </p:cSld>
-  <p:clrMapOvr>
-    <a:masterClrMapping/>
-  </p:clrMapOvr>
-</p:sld>
-</file>
-
-<file path=ppt/slides/slide8.xml><?xml version="1.0" encoding="utf-8"?>
-<p:sld xmlns:a="http://schemas.openxmlformats.org/drawingml/2006/main" xmlns:r="http://schemas.openxmlformats.org/officeDocument/2006/relationships" xmlns:p="http://schemas.openxmlformats.org/presentationml/2006/main">
-  <p:cSld>
-    <p:spTree>
-      <p:nvGrpSpPr>
-        <p:cNvPr id="1" name=""/>
-        <p:cNvGrpSpPr/>
-        <p:nvPr/>
-      </p:nvGrpSpPr>
-      <p:grpSpPr>
-        <a:xfrm>
-          <a:off x="0" y="0"/>
-          <a:ext cx="0" cy="0"/>
-          <a:chOff x="0" y="0"/>
-          <a:chExt cx="0" cy="0"/>
-        </a:xfrm>
-      </p:grpSpPr>
-      <p:sp>
-        <p:nvSpPr>
-          <p:cNvPr id="2" name="Title 1">
-            <a:extLst>
-              <a:ext uri="{FF2B5EF4-FFF2-40B4-BE49-F238E27FC236}">
-                <a16:creationId xmlns:a16="http://schemas.microsoft.com/office/drawing/2014/main" id="{8C525B9F-819A-41C0-BA52-8A18310C9AD5}"/>
-              </a:ext>
-            </a:extLst>
-          </p:cNvPr>
-          <p:cNvSpPr>
-            <a:spLocks noGrp="1"/>
-          </p:cNvSpPr>
-          <p:nvPr>
-            <p:ph type="title"/>
-          </p:nvPr>
-        </p:nvSpPr>
-        <p:spPr/>
-        <p:txBody>
-          <a:bodyPr/>
-          <a:lstStyle/>
-          <a:p>
-            <a:r>
-              <a:rPr lang="en-US" dirty="0"/>
-              <a:t>Student Activity</a:t>
-            </a:r>
-          </a:p>
-        </p:txBody>
-      </p:sp>
-      <p:sp>
-        <p:nvSpPr>
-          <p:cNvPr id="3" name="Content Placeholder 2">
-            <a:extLst>
-              <a:ext uri="{FF2B5EF4-FFF2-40B4-BE49-F238E27FC236}">
-                <a16:creationId xmlns:a16="http://schemas.microsoft.com/office/drawing/2014/main" id="{F7445BFA-949A-4BCF-926F-129C9921F2D9}"/>
-              </a:ext>
-            </a:extLst>
-          </p:cNvPr>
-          <p:cNvSpPr>
-            <a:spLocks noGrp="1"/>
-          </p:cNvSpPr>
-          <p:nvPr>
-            <p:ph idx="1"/>
-          </p:nvPr>
-        </p:nvSpPr>
-        <p:spPr/>
-        <p:txBody>
-          <a:bodyPr>
-            <a:normAutofit/>
-          </a:bodyPr>
-          <a:lstStyle/>
-          <a:p>
-            <a:pPr marL="514350" indent="-514350">
-              <a:buFont typeface="+mj-lt"/>
-              <a:buAutoNum type="arabicPeriod"/>
-            </a:pPr>
-            <a:r>
-              <a:rPr lang="en-US" dirty="0"/>
-              <a:t>Compile and run </a:t>
-            </a:r>
-            <a:r>
-              <a:rPr lang="en-US" dirty="0" err="1"/>
-              <a:t>sa.c</a:t>
-            </a:r>
-            <a:r>
-              <a:rPr lang="en-US" dirty="0"/>
-              <a:t>. Vary the value of N, and investigate the total running time and number of iterations required for convergence as a function of the dimensionality of the problem. How does the number of iterations required to converge change with the number of free parameters?</a:t>
-            </a:r>
-          </a:p>
-          <a:p>
-            <a:pPr marL="514350" indent="-514350">
-              <a:buFont typeface="+mj-lt"/>
-              <a:buAutoNum type="arabicPeriod"/>
-            </a:pPr>
-            <a:r>
-              <a:rPr lang="en-US" dirty="0"/>
-              <a:t>Looking at the two key loops in the code, the first being the while loop in the main routine and the second being the for loop in </a:t>
-            </a:r>
-            <a:r>
-              <a:rPr lang="en-US" dirty="0" err="1"/>
-              <a:t>SA_adjust</a:t>
-            </a:r>
-            <a:r>
-              <a:rPr lang="en-US" dirty="0"/>
-              <a:t> step, do you see any concurrency that can be described? Discuss the loop carried dependencies present in both loops and throughout the SA algorithm.</a:t>
-            </a:r>
-          </a:p>
-        </p:txBody>
-      </p:sp>
-    </p:spTree>
-    <p:extLst>
-      <p:ext uri="{BB962C8B-B14F-4D97-AF65-F5344CB8AC3E}">
-        <p14:creationId xmlns:p14="http://schemas.microsoft.com/office/powerpoint/2010/main" val="3884394022"/>
-      </p:ext>
-    </p:extLst>
-  </p:cSld>
-  <p:clrMapOvr>
-    <a:masterClrMapping/>
-  </p:clrMapOvr>
-</p:sld>
-</file>
-
-<file path=ppt/slides/slide9.xml><?xml version="1.0" encoding="utf-8"?>
-<p:sld xmlns:a="http://schemas.openxmlformats.org/drawingml/2006/main" xmlns:r="http://schemas.openxmlformats.org/officeDocument/2006/relationships" xmlns:p="http://schemas.openxmlformats.org/presentationml/2006/main">
-  <p:cSld>
-    <p:spTree>
-      <p:nvGrpSpPr>
-        <p:cNvPr id="1" name=""/>
-        <p:cNvGrpSpPr/>
-        <p:nvPr/>
-      </p:nvGrpSpPr>
-      <p:grpSpPr>
-        <a:xfrm>
-          <a:off x="0" y="0"/>
-          <a:ext cx="0" cy="0"/>
-          <a:chOff x="0" y="0"/>
-          <a:chExt cx="0" cy="0"/>
-        </a:xfrm>
-      </p:grpSpPr>
-      <p:sp>
-        <p:nvSpPr>
-          <p:cNvPr id="2" name="Title 1">
-            <a:extLst>
-              <a:ext uri="{FF2B5EF4-FFF2-40B4-BE49-F238E27FC236}">
-                <a16:creationId xmlns:a16="http://schemas.microsoft.com/office/drawing/2014/main" id="{CF44057C-5370-495F-8EF4-07296380EFFD}"/>
-              </a:ext>
-            </a:extLst>
-          </p:cNvPr>
-          <p:cNvSpPr>
-            <a:spLocks noGrp="1"/>
-          </p:cNvSpPr>
-          <p:nvPr>
-            <p:ph type="title"/>
-          </p:nvPr>
-        </p:nvSpPr>
-        <p:spPr/>
-        <p:txBody>
-          <a:bodyPr/>
-          <a:lstStyle/>
-          <a:p>
-            <a:r>
-              <a:rPr lang="en-US" dirty="0"/>
-              <a:t>Student Instructions</a:t>
-            </a:r>
-          </a:p>
-        </p:txBody>
-      </p:sp>
-      <p:sp>
-        <p:nvSpPr>
-          <p:cNvPr id="3" name="Content Placeholder 2">
-            <a:extLst>
-              <a:ext uri="{FF2B5EF4-FFF2-40B4-BE49-F238E27FC236}">
-                <a16:creationId xmlns:a16="http://schemas.microsoft.com/office/drawing/2014/main" id="{86C1BE9A-F8D7-480E-A8E2-A55C9405ABBB}"/>
-              </a:ext>
-            </a:extLst>
-          </p:cNvPr>
-          <p:cNvSpPr>
-            <a:spLocks noGrp="1"/>
-          </p:cNvSpPr>
-          <p:nvPr>
-            <p:ph idx="1"/>
-          </p:nvPr>
-        </p:nvSpPr>
-        <p:spPr/>
-        <p:txBody>
-          <a:bodyPr>
-            <a:normAutofit fontScale="85000" lnSpcReduction="20000"/>
-          </a:bodyPr>
-          <a:lstStyle/>
-          <a:p>
-            <a:pPr marL="514350" indent="-514350">
-              <a:buFont typeface="+mj-lt"/>
-              <a:buAutoNum type="arabicPeriod" startAt="3"/>
-            </a:pPr>
-            <a:r>
-              <a:rPr lang="en-US" dirty="0"/>
-              <a:t>List at least 3 concerns regarding how this algorithmic change might affect convergence, and regarding how one would need to implement a change of multiple annealers instead of a single annealer in the </a:t>
-            </a:r>
-            <a:r>
-              <a:rPr lang="en-US" dirty="0" err="1"/>
-              <a:t>SA_adjust_step</a:t>
-            </a:r>
-            <a:r>
-              <a:rPr lang="en-US" dirty="0"/>
-              <a:t> method.</a:t>
-            </a:r>
-          </a:p>
-          <a:p>
-            <a:pPr marL="514350" indent="-514350">
-              <a:buFont typeface="+mj-lt"/>
-              <a:buAutoNum type="arabicPeriod" startAt="3"/>
-            </a:pPr>
-            <a:r>
-              <a:rPr lang="en-US" dirty="0"/>
-              <a:t>Compare the </a:t>
-            </a:r>
-            <a:r>
-              <a:rPr lang="en-US" dirty="0" err="1"/>
-              <a:t>ebsa.c</a:t>
-            </a:r>
-            <a:r>
-              <a:rPr lang="en-US" dirty="0"/>
-              <a:t> code to the </a:t>
-            </a:r>
-            <a:r>
-              <a:rPr lang="en-US" dirty="0" err="1"/>
-              <a:t>sa.c</a:t>
-            </a:r>
-            <a:r>
-              <a:rPr lang="en-US" dirty="0"/>
-              <a:t> code. Note the change of random number generator from rand() to drand48_r(). Look up the definition of drand48_r, and describe why this change is necessary. Why is it necessary to keep an array of state variables for random number generators?</a:t>
-            </a:r>
-          </a:p>
-          <a:p>
-            <a:pPr marL="514350" indent="-514350">
-              <a:buFont typeface="+mj-lt"/>
-              <a:buAutoNum type="arabicPeriod" startAt="3"/>
-            </a:pPr>
-            <a:r>
-              <a:rPr lang="en-US" dirty="0"/>
-              <a:t>Compare the </a:t>
-            </a:r>
-            <a:r>
-              <a:rPr lang="en-US" dirty="0" err="1"/>
-              <a:t>ebsa.c</a:t>
-            </a:r>
-            <a:r>
-              <a:rPr lang="en-US" dirty="0"/>
-              <a:t> code to the </a:t>
-            </a:r>
-            <a:r>
-              <a:rPr lang="en-US" dirty="0" err="1"/>
-              <a:t>sa.c</a:t>
-            </a:r>
-            <a:r>
-              <a:rPr lang="en-US" dirty="0"/>
-              <a:t> code. Note the use of a global memory structure and copy routine. Describe why you can not simply declare the memory structure to be private.</a:t>
-            </a:r>
-          </a:p>
-          <a:p>
-            <a:pPr marL="514350" indent="-514350">
-              <a:buFont typeface="+mj-lt"/>
-              <a:buAutoNum type="arabicPeriod" startAt="3"/>
-            </a:pPr>
-            <a:r>
-              <a:rPr lang="en-US" dirty="0"/>
-              <a:t>Compile and run </a:t>
-            </a:r>
-            <a:r>
-              <a:rPr lang="en-US" dirty="0" err="1"/>
-              <a:t>ebsa.c</a:t>
-            </a:r>
-            <a:r>
-              <a:rPr lang="en-US" dirty="0"/>
-              <a:t>, and compare </a:t>
-            </a:r>
-            <a:r>
-              <a:rPr lang="en-US" dirty="0" err="1"/>
-              <a:t>ebsa.c</a:t>
-            </a:r>
-            <a:r>
-              <a:rPr lang="en-US" dirty="0"/>
-              <a:t> to </a:t>
-            </a:r>
-            <a:r>
-              <a:rPr lang="en-US" dirty="0" err="1"/>
-              <a:t>sa.c</a:t>
-            </a:r>
-            <a:r>
-              <a:rPr lang="en-US" dirty="0"/>
-              <a:t> for equivalent problems. Do this for varying values of N. Consider also changing the artificial delay in </a:t>
-            </a:r>
-            <a:r>
-              <a:rPr lang="en-US" dirty="0" err="1"/>
-              <a:t>funcN</a:t>
-            </a:r>
-            <a:r>
-              <a:rPr lang="en-US" dirty="0"/>
-              <a:t>. How does the parallel solution of </a:t>
-            </a:r>
-            <a:r>
-              <a:rPr lang="en-US" dirty="0" err="1"/>
-              <a:t>ebsa.c</a:t>
-            </a:r>
-            <a:r>
-              <a:rPr lang="en-US" dirty="0"/>
-              <a:t> compare to </a:t>
-            </a:r>
-            <a:r>
-              <a:rPr lang="en-US" dirty="0" err="1"/>
-              <a:t>sa.c</a:t>
-            </a:r>
-            <a:r>
-              <a:rPr lang="en-US" dirty="0"/>
-              <a:t>? Support your answer with simulation results.</a:t>
-            </a:r>
-          </a:p>
-        </p:txBody>
-      </p:sp>
-    </p:spTree>
-    <p:extLst>
-      <p:ext uri="{BB962C8B-B14F-4D97-AF65-F5344CB8AC3E}">
-        <p14:creationId xmlns:p14="http://schemas.microsoft.com/office/powerpoint/2010/main" val="2545493937"/>
       </p:ext>
     </p:extLst>
   </p:cSld>
@@ -6138,4 +7036,265 @@
     </a:ext>
   </a:extLst>
 </a:theme>
+</file>
+
+<file path=ppt/theme/theme2.xml><?xml version="1.0" encoding="utf-8"?>
+<a:theme xmlns:a="http://schemas.openxmlformats.org/drawingml/2006/main" name="Office Theme">
+  <a:themeElements>
+    <a:clrScheme name="Office">
+      <a:dk1>
+        <a:sysClr val="windowText" lastClr="000000"/>
+      </a:dk1>
+      <a:lt1>
+        <a:sysClr val="window" lastClr="FFFFFF"/>
+      </a:lt1>
+      <a:dk2>
+        <a:srgbClr val="44546A"/>
+      </a:dk2>
+      <a:lt2>
+        <a:srgbClr val="E7E6E6"/>
+      </a:lt2>
+      <a:accent1>
+        <a:srgbClr val="4472C4"/>
+      </a:accent1>
+      <a:accent2>
+        <a:srgbClr val="ED7D31"/>
+      </a:accent2>
+      <a:accent3>
+        <a:srgbClr val="A5A5A5"/>
+      </a:accent3>
+      <a:accent4>
+        <a:srgbClr val="FFC000"/>
+      </a:accent4>
+      <a:accent5>
+        <a:srgbClr val="5B9BD5"/>
+      </a:accent5>
+      <a:accent6>
+        <a:srgbClr val="70AD47"/>
+      </a:accent6>
+      <a:hlink>
+        <a:srgbClr val="0563C1"/>
+      </a:hlink>
+      <a:folHlink>
+        <a:srgbClr val="954F72"/>
+      </a:folHlink>
+    </a:clrScheme>
+    <a:fontScheme name="Office">
+      <a:majorFont>
+        <a:latin typeface="Calibri Light" panose="020F0302020204030204"/>
+        <a:ea typeface=""/>
+        <a:cs typeface=""/>
+        <a:font script="Jpan" typeface="Yu Gothic Light"/>
+        <a:font script="Hang" typeface="맑은 고딕"/>
+        <a:font script="Hans" typeface="DengXian Light"/>
+        <a:font script="Hant" typeface="新細明體"/>
+        <a:font script="Arab" typeface="Times New Roman"/>
+        <a:font script="Hebr" typeface="Times New Roman"/>
+        <a:font script="Thai" typeface="Angsana New"/>
+        <a:font script="Ethi" typeface="Nyala"/>
+        <a:font script="Beng" typeface="Vrinda"/>
+        <a:font script="Gujr" typeface="Shruti"/>
+        <a:font script="Khmr" typeface="MoolBoran"/>
+        <a:font script="Knda" typeface="Tunga"/>
+        <a:font script="Guru" typeface="Raavi"/>
+        <a:font script="Cans" typeface="Euphemia"/>
+        <a:font script="Cher" typeface="Plantagenet Cherokee"/>
+        <a:font script="Yiii" typeface="Microsoft Yi Baiti"/>
+        <a:font script="Tibt" typeface="Microsoft Himalaya"/>
+        <a:font script="Thaa" typeface="MV Boli"/>
+        <a:font script="Deva" typeface="Mangal"/>
+        <a:font script="Telu" typeface="Gautami"/>
+        <a:font script="Taml" typeface="Latha"/>
+        <a:font script="Syrc" typeface="Estrangelo Edessa"/>
+        <a:font script="Orya" typeface="Kalinga"/>
+        <a:font script="Mlym" typeface="Kartika"/>
+        <a:font script="Laoo" typeface="DokChampa"/>
+        <a:font script="Sinh" typeface="Iskoola Pota"/>
+        <a:font script="Mong" typeface="Mongolian Baiti"/>
+        <a:font script="Viet" typeface="Times New Roman"/>
+        <a:font script="Uigh" typeface="Microsoft Uighur"/>
+        <a:font script="Geor" typeface="Sylfaen"/>
+      </a:majorFont>
+      <a:minorFont>
+        <a:latin typeface="Calibri" panose="020F0502020204030204"/>
+        <a:ea typeface=""/>
+        <a:cs typeface=""/>
+        <a:font script="Jpan" typeface="Yu Gothic"/>
+        <a:font script="Hang" typeface="맑은 고딕"/>
+        <a:font script="Hans" typeface="DengXian"/>
+        <a:font script="Hant" typeface="新細明體"/>
+        <a:font script="Arab" typeface="Arial"/>
+        <a:font script="Hebr" typeface="Arial"/>
+        <a:font script="Thai" typeface="Cordia New"/>
+        <a:font script="Ethi" typeface="Nyala"/>
+        <a:font script="Beng" typeface="Vrinda"/>
+        <a:font script="Gujr" typeface="Shruti"/>
+        <a:font script="Khmr" typeface="DaunPenh"/>
+        <a:font script="Knda" typeface="Tunga"/>
+        <a:font script="Guru" typeface="Raavi"/>
+        <a:font script="Cans" typeface="Euphemia"/>
+        <a:font script="Cher" typeface="Plantagenet Cherokee"/>
+        <a:font script="Yiii" typeface="Microsoft Yi Baiti"/>
+        <a:font script="Tibt" typeface="Microsoft Himalaya"/>
+        <a:font script="Thaa" typeface="MV Boli"/>
+        <a:font script="Deva" typeface="Mangal"/>
+        <a:font script="Telu" typeface="Gautami"/>
+        <a:font script="Taml" typeface="Latha"/>
+        <a:font script="Syrc" typeface="Estrangelo Edessa"/>
+        <a:font script="Orya" typeface="Kalinga"/>
+        <a:font script="Mlym" typeface="Kartika"/>
+        <a:font script="Laoo" typeface="DokChampa"/>
+        <a:font script="Sinh" typeface="Iskoola Pota"/>
+        <a:font script="Mong" typeface="Mongolian Baiti"/>
+        <a:font script="Viet" typeface="Arial"/>
+        <a:font script="Uigh" typeface="Microsoft Uighur"/>
+        <a:font script="Geor" typeface="Sylfaen"/>
+      </a:minorFont>
+    </a:fontScheme>
+    <a:fmtScheme name="Office">
+      <a:fillStyleLst>
+        <a:solidFill>
+          <a:schemeClr val="phClr"/>
+        </a:solidFill>
+        <a:gradFill rotWithShape="1">
+          <a:gsLst>
+            <a:gs pos="0">
+              <a:schemeClr val="phClr">
+                <a:lumMod val="110000"/>
+                <a:satMod val="105000"/>
+                <a:tint val="67000"/>
+              </a:schemeClr>
+            </a:gs>
+            <a:gs pos="50000">
+              <a:schemeClr val="phClr">
+                <a:lumMod val="105000"/>
+                <a:satMod val="103000"/>
+                <a:tint val="73000"/>
+              </a:schemeClr>
+            </a:gs>
+            <a:gs pos="100000">
+              <a:schemeClr val="phClr">
+                <a:lumMod val="105000"/>
+                <a:satMod val="109000"/>
+                <a:tint val="81000"/>
+              </a:schemeClr>
+            </a:gs>
+          </a:gsLst>
+          <a:lin ang="5400000" scaled="0"/>
+        </a:gradFill>
+        <a:gradFill rotWithShape="1">
+          <a:gsLst>
+            <a:gs pos="0">
+              <a:schemeClr val="phClr">
+                <a:satMod val="103000"/>
+                <a:lumMod val="102000"/>
+                <a:tint val="94000"/>
+              </a:schemeClr>
+            </a:gs>
+            <a:gs pos="50000">
+              <a:schemeClr val="phClr">
+                <a:satMod val="110000"/>
+                <a:lumMod val="100000"/>
+                <a:shade val="100000"/>
+              </a:schemeClr>
+            </a:gs>
+            <a:gs pos="100000">
+              <a:schemeClr val="phClr">
+                <a:lumMod val="99000"/>
+                <a:satMod val="120000"/>
+                <a:shade val="78000"/>
+              </a:schemeClr>
+            </a:gs>
+          </a:gsLst>
+          <a:lin ang="5400000" scaled="0"/>
+        </a:gradFill>
+      </a:fillStyleLst>
+      <a:lnStyleLst>
+        <a:ln w="6350" cap="flat" cmpd="sng" algn="ctr">
+          <a:solidFill>
+            <a:schemeClr val="phClr"/>
+          </a:solidFill>
+          <a:prstDash val="solid"/>
+          <a:miter lim="800000"/>
+        </a:ln>
+        <a:ln w="12700" cap="flat" cmpd="sng" algn="ctr">
+          <a:solidFill>
+            <a:schemeClr val="phClr"/>
+          </a:solidFill>
+          <a:prstDash val="solid"/>
+          <a:miter lim="800000"/>
+        </a:ln>
+        <a:ln w="19050" cap="flat" cmpd="sng" algn="ctr">
+          <a:solidFill>
+            <a:schemeClr val="phClr"/>
+          </a:solidFill>
+          <a:prstDash val="solid"/>
+          <a:miter lim="800000"/>
+        </a:ln>
+      </a:lnStyleLst>
+      <a:effectStyleLst>
+        <a:effectStyle>
+          <a:effectLst/>
+        </a:effectStyle>
+        <a:effectStyle>
+          <a:effectLst/>
+        </a:effectStyle>
+        <a:effectStyle>
+          <a:effectLst>
+            <a:outerShdw blurRad="57150" dist="19050" dir="5400000" algn="ctr" rotWithShape="0">
+              <a:srgbClr val="000000">
+                <a:alpha val="63000"/>
+              </a:srgbClr>
+            </a:outerShdw>
+          </a:effectLst>
+        </a:effectStyle>
+      </a:effectStyleLst>
+      <a:bgFillStyleLst>
+        <a:solidFill>
+          <a:schemeClr val="phClr"/>
+        </a:solidFill>
+        <a:solidFill>
+          <a:schemeClr val="phClr">
+            <a:tint val="95000"/>
+            <a:satMod val="170000"/>
+          </a:schemeClr>
+        </a:solidFill>
+        <a:gradFill rotWithShape="1">
+          <a:gsLst>
+            <a:gs pos="0">
+              <a:schemeClr val="phClr">
+                <a:tint val="93000"/>
+                <a:satMod val="150000"/>
+                <a:shade val="98000"/>
+                <a:lumMod val="102000"/>
+              </a:schemeClr>
+            </a:gs>
+            <a:gs pos="50000">
+              <a:schemeClr val="phClr">
+                <a:tint val="98000"/>
+                <a:satMod val="130000"/>
+                <a:shade val="90000"/>
+                <a:lumMod val="103000"/>
+              </a:schemeClr>
+            </a:gs>
+            <a:gs pos="100000">
+              <a:schemeClr val="phClr">
+                <a:shade val="63000"/>
+                <a:satMod val="120000"/>
+              </a:schemeClr>
+            </a:gs>
+          </a:gsLst>
+          <a:lin ang="5400000" scaled="0"/>
+        </a:gradFill>
+      </a:bgFillStyleLst>
+    </a:fmtScheme>
+  </a:themeElements>
+  <a:objectDefaults/>
+  <a:extraClrSchemeLst/>
+  <a:extLst>
+    <a:ext uri="{05A4C25C-085E-4340-85A3-A5531E510DB2}">
+      <thm15:themeFamily xmlns:thm15="http://schemas.microsoft.com/office/thememl/2012/main" name="Office Theme" id="{62F939B6-93AF-4DB8-9C6B-D6C7DFDC589F}" vid="{4A3C46E8-61CC-4603-A589-7422A47A8E4A}"/>
+    </a:ext>
+  </a:extLst>
+</a:theme>
 </file>
--- a/units/4/lessons/10/resources/petascale-lesson-4.10-slides.pptx
+++ b/units/4/lessons/10/resources/petascale-lesson-4.10-slides.pptx
@@ -9,7 +9,7 @@
   </p:notesMasterIdLst>
   <p:sldIdLst>
     <p:sldId id="267" r:id="rId2"/>
-    <p:sldId id="268" r:id="rId3"/>
+    <p:sldId id="269" r:id="rId3"/>
     <p:sldId id="256" r:id="rId4"/>
     <p:sldId id="257" r:id="rId5"/>
     <p:sldId id="260" r:id="rId6"/>
@@ -207,7 +207,7 @@
           <a:p>
             <a:fld id="{AE543F42-8206-7D47-912D-C747F671E23F}" type="datetimeFigureOut">
               <a:rPr lang="en-US" smtClean="0"/>
-              <a:t>9/12/20</a:t>
+              <a:t>10/11/20</a:t>
             </a:fld>
             <a:endParaRPr lang="en-US"/>
           </a:p>
@@ -577,7 +577,7 @@
           <p:cNvPr id="2" name="Title 1">
             <a:extLst>
               <a:ext uri="{FF2B5EF4-FFF2-40B4-BE49-F238E27FC236}">
-                <a16:creationId xmlns:a16="http://schemas.microsoft.com/office/drawing/2014/main" xmlns="" id="{40012B62-12D0-464B-9CA2-FEBEF0CA2849}"/>
+                <a16:creationId xmlns="" xmlns:a16="http://schemas.microsoft.com/office/drawing/2014/main" id="{40012B62-12D0-464B-9CA2-FEBEF0CA2849}"/>
               </a:ext>
             </a:extLst>
           </p:cNvPr>
@@ -614,7 +614,7 @@
           <p:cNvPr id="3" name="Subtitle 2">
             <a:extLst>
               <a:ext uri="{FF2B5EF4-FFF2-40B4-BE49-F238E27FC236}">
-                <a16:creationId xmlns:a16="http://schemas.microsoft.com/office/drawing/2014/main" xmlns="" id="{421E35E6-A216-4EEE-AE6E-00F010D646F0}"/>
+                <a16:creationId xmlns="" xmlns:a16="http://schemas.microsoft.com/office/drawing/2014/main" id="{421E35E6-A216-4EEE-AE6E-00F010D646F0}"/>
               </a:ext>
             </a:extLst>
           </p:cNvPr>
@@ -684,7 +684,7 @@
           <p:cNvPr id="4" name="Date Placeholder 3">
             <a:extLst>
               <a:ext uri="{FF2B5EF4-FFF2-40B4-BE49-F238E27FC236}">
-                <a16:creationId xmlns:a16="http://schemas.microsoft.com/office/drawing/2014/main" xmlns="" id="{ACA76A64-5A78-4540-9A15-52CDEF268E00}"/>
+                <a16:creationId xmlns="" xmlns:a16="http://schemas.microsoft.com/office/drawing/2014/main" id="{ACA76A64-5A78-4540-9A15-52CDEF268E00}"/>
               </a:ext>
             </a:extLst>
           </p:cNvPr>
@@ -702,7 +702,7 @@
           <a:p>
             <a:fld id="{BB12B6EE-87B6-4F54-86EB-17FFFB1A32DD}" type="datetimeFigureOut">
               <a:rPr lang="en-US" smtClean="0"/>
-              <a:t>9/12/20</a:t>
+              <a:t>10/11/20</a:t>
             </a:fld>
             <a:endParaRPr lang="en-US"/>
           </a:p>
@@ -713,7 +713,7 @@
           <p:cNvPr id="5" name="Footer Placeholder 4">
             <a:extLst>
               <a:ext uri="{FF2B5EF4-FFF2-40B4-BE49-F238E27FC236}">
-                <a16:creationId xmlns:a16="http://schemas.microsoft.com/office/drawing/2014/main" xmlns="" id="{5D4BDBDD-ECF6-4BEF-989E-AA0CB4E60E98}"/>
+                <a16:creationId xmlns="" xmlns:a16="http://schemas.microsoft.com/office/drawing/2014/main" id="{5D4BDBDD-ECF6-4BEF-989E-AA0CB4E60E98}"/>
               </a:ext>
             </a:extLst>
           </p:cNvPr>
@@ -738,7 +738,7 @@
           <p:cNvPr id="6" name="Slide Number Placeholder 5">
             <a:extLst>
               <a:ext uri="{FF2B5EF4-FFF2-40B4-BE49-F238E27FC236}">
-                <a16:creationId xmlns:a16="http://schemas.microsoft.com/office/drawing/2014/main" xmlns="" id="{8CD964A6-0FBB-4DCC-98ED-C809AB336AB2}"/>
+                <a16:creationId xmlns="" xmlns:a16="http://schemas.microsoft.com/office/drawing/2014/main" id="{8CD964A6-0FBB-4DCC-98ED-C809AB336AB2}"/>
               </a:ext>
             </a:extLst>
           </p:cNvPr>
@@ -797,7 +797,7 @@
           <p:cNvPr id="2" name="Title 1">
             <a:extLst>
               <a:ext uri="{FF2B5EF4-FFF2-40B4-BE49-F238E27FC236}">
-                <a16:creationId xmlns:a16="http://schemas.microsoft.com/office/drawing/2014/main" xmlns="" id="{AD6B041C-A8B6-49A1-AFFF-F741D4CCA28C}"/>
+                <a16:creationId xmlns="" xmlns:a16="http://schemas.microsoft.com/office/drawing/2014/main" id="{AD6B041C-A8B6-49A1-AFFF-F741D4CCA28C}"/>
               </a:ext>
             </a:extLst>
           </p:cNvPr>
@@ -825,7 +825,7 @@
           <p:cNvPr id="3" name="Vertical Text Placeholder 2">
             <a:extLst>
               <a:ext uri="{FF2B5EF4-FFF2-40B4-BE49-F238E27FC236}">
-                <a16:creationId xmlns:a16="http://schemas.microsoft.com/office/drawing/2014/main" xmlns="" id="{4115B864-4F21-4377-952D-D7AA53C6A5DA}"/>
+                <a16:creationId xmlns="" xmlns:a16="http://schemas.microsoft.com/office/drawing/2014/main" id="{4115B864-4F21-4377-952D-D7AA53C6A5DA}"/>
               </a:ext>
             </a:extLst>
           </p:cNvPr>
@@ -882,7 +882,7 @@
           <p:cNvPr id="4" name="Date Placeholder 3">
             <a:extLst>
               <a:ext uri="{FF2B5EF4-FFF2-40B4-BE49-F238E27FC236}">
-                <a16:creationId xmlns:a16="http://schemas.microsoft.com/office/drawing/2014/main" xmlns="" id="{0EDB75A3-069D-454B-941A-43035290FFA9}"/>
+                <a16:creationId xmlns="" xmlns:a16="http://schemas.microsoft.com/office/drawing/2014/main" id="{0EDB75A3-069D-454B-941A-43035290FFA9}"/>
               </a:ext>
             </a:extLst>
           </p:cNvPr>
@@ -900,7 +900,7 @@
           <a:p>
             <a:fld id="{BB12B6EE-87B6-4F54-86EB-17FFFB1A32DD}" type="datetimeFigureOut">
               <a:rPr lang="en-US" smtClean="0"/>
-              <a:t>9/12/20</a:t>
+              <a:t>10/11/20</a:t>
             </a:fld>
             <a:endParaRPr lang="en-US"/>
           </a:p>
@@ -911,7 +911,7 @@
           <p:cNvPr id="5" name="Footer Placeholder 4">
             <a:extLst>
               <a:ext uri="{FF2B5EF4-FFF2-40B4-BE49-F238E27FC236}">
-                <a16:creationId xmlns:a16="http://schemas.microsoft.com/office/drawing/2014/main" xmlns="" id="{AF00E8BA-B735-4C37-9170-2A44BA762BCB}"/>
+                <a16:creationId xmlns="" xmlns:a16="http://schemas.microsoft.com/office/drawing/2014/main" id="{AF00E8BA-B735-4C37-9170-2A44BA762BCB}"/>
               </a:ext>
             </a:extLst>
           </p:cNvPr>
@@ -936,7 +936,7 @@
           <p:cNvPr id="6" name="Slide Number Placeholder 5">
             <a:extLst>
               <a:ext uri="{FF2B5EF4-FFF2-40B4-BE49-F238E27FC236}">
-                <a16:creationId xmlns:a16="http://schemas.microsoft.com/office/drawing/2014/main" xmlns="" id="{D429744C-5F98-4039-8BDC-6C21211A544F}"/>
+                <a16:creationId xmlns="" xmlns:a16="http://schemas.microsoft.com/office/drawing/2014/main" id="{D429744C-5F98-4039-8BDC-6C21211A544F}"/>
               </a:ext>
             </a:extLst>
           </p:cNvPr>
@@ -995,7 +995,7 @@
           <p:cNvPr id="2" name="Vertical Title 1">
             <a:extLst>
               <a:ext uri="{FF2B5EF4-FFF2-40B4-BE49-F238E27FC236}">
-                <a16:creationId xmlns:a16="http://schemas.microsoft.com/office/drawing/2014/main" xmlns="" id="{290E1794-21B7-4C7A-9560-B503C2D975C7}"/>
+                <a16:creationId xmlns="" xmlns:a16="http://schemas.microsoft.com/office/drawing/2014/main" id="{290E1794-21B7-4C7A-9560-B503C2D975C7}"/>
               </a:ext>
             </a:extLst>
           </p:cNvPr>
@@ -1028,7 +1028,7 @@
           <p:cNvPr id="3" name="Vertical Text Placeholder 2">
             <a:extLst>
               <a:ext uri="{FF2B5EF4-FFF2-40B4-BE49-F238E27FC236}">
-                <a16:creationId xmlns:a16="http://schemas.microsoft.com/office/drawing/2014/main" xmlns="" id="{EDF16510-063B-41A3-AF77-EC26FA4F433C}"/>
+                <a16:creationId xmlns="" xmlns:a16="http://schemas.microsoft.com/office/drawing/2014/main" id="{EDF16510-063B-41A3-AF77-EC26FA4F433C}"/>
               </a:ext>
             </a:extLst>
           </p:cNvPr>
@@ -1090,7 +1090,7 @@
           <p:cNvPr id="4" name="Date Placeholder 3">
             <a:extLst>
               <a:ext uri="{FF2B5EF4-FFF2-40B4-BE49-F238E27FC236}">
-                <a16:creationId xmlns:a16="http://schemas.microsoft.com/office/drawing/2014/main" xmlns="" id="{A8AB9C1D-9432-4BB1-B993-EF3CCF3D530A}"/>
+                <a16:creationId xmlns="" xmlns:a16="http://schemas.microsoft.com/office/drawing/2014/main" id="{A8AB9C1D-9432-4BB1-B993-EF3CCF3D530A}"/>
               </a:ext>
             </a:extLst>
           </p:cNvPr>
@@ -1108,7 +1108,7 @@
           <a:p>
             <a:fld id="{BB12B6EE-87B6-4F54-86EB-17FFFB1A32DD}" type="datetimeFigureOut">
               <a:rPr lang="en-US" smtClean="0"/>
-              <a:t>9/12/20</a:t>
+              <a:t>10/11/20</a:t>
             </a:fld>
             <a:endParaRPr lang="en-US"/>
           </a:p>
@@ -1119,7 +1119,7 @@
           <p:cNvPr id="5" name="Footer Placeholder 4">
             <a:extLst>
               <a:ext uri="{FF2B5EF4-FFF2-40B4-BE49-F238E27FC236}">
-                <a16:creationId xmlns:a16="http://schemas.microsoft.com/office/drawing/2014/main" xmlns="" id="{C4F0AA67-D20D-47A4-9969-18C728B6BA3B}"/>
+                <a16:creationId xmlns="" xmlns:a16="http://schemas.microsoft.com/office/drawing/2014/main" id="{C4F0AA67-D20D-47A4-9969-18C728B6BA3B}"/>
               </a:ext>
             </a:extLst>
           </p:cNvPr>
@@ -1144,7 +1144,7 @@
           <p:cNvPr id="6" name="Slide Number Placeholder 5">
             <a:extLst>
               <a:ext uri="{FF2B5EF4-FFF2-40B4-BE49-F238E27FC236}">
-                <a16:creationId xmlns:a16="http://schemas.microsoft.com/office/drawing/2014/main" xmlns="" id="{1748C84A-5FED-477E-B2A9-48381BFB117C}"/>
+                <a16:creationId xmlns="" xmlns:a16="http://schemas.microsoft.com/office/drawing/2014/main" id="{1748C84A-5FED-477E-B2A9-48381BFB117C}"/>
               </a:ext>
             </a:extLst>
           </p:cNvPr>
@@ -1203,7 +1203,7 @@
           <p:cNvPr id="2" name="Title 1">
             <a:extLst>
               <a:ext uri="{FF2B5EF4-FFF2-40B4-BE49-F238E27FC236}">
-                <a16:creationId xmlns:a16="http://schemas.microsoft.com/office/drawing/2014/main" xmlns="" id="{777EFD71-3F85-4400-A3F3-F7A3DD9BBD49}"/>
+                <a16:creationId xmlns="" xmlns:a16="http://schemas.microsoft.com/office/drawing/2014/main" id="{777EFD71-3F85-4400-A3F3-F7A3DD9BBD49}"/>
               </a:ext>
             </a:extLst>
           </p:cNvPr>
@@ -1231,7 +1231,7 @@
           <p:cNvPr id="3" name="Content Placeholder 2">
             <a:extLst>
               <a:ext uri="{FF2B5EF4-FFF2-40B4-BE49-F238E27FC236}">
-                <a16:creationId xmlns:a16="http://schemas.microsoft.com/office/drawing/2014/main" xmlns="" id="{B7EAB85C-B553-4CBF-8F14-7346CDDB235C}"/>
+                <a16:creationId xmlns="" xmlns:a16="http://schemas.microsoft.com/office/drawing/2014/main" id="{B7EAB85C-B553-4CBF-8F14-7346CDDB235C}"/>
               </a:ext>
             </a:extLst>
           </p:cNvPr>
@@ -1294,7 +1294,7 @@
           <p:cNvPr id="4" name="Date Placeholder 3">
             <a:extLst>
               <a:ext uri="{FF2B5EF4-FFF2-40B4-BE49-F238E27FC236}">
-                <a16:creationId xmlns:a16="http://schemas.microsoft.com/office/drawing/2014/main" xmlns="" id="{3D8F572F-0A1D-499C-B2B8-40681D0F43B0}"/>
+                <a16:creationId xmlns="" xmlns:a16="http://schemas.microsoft.com/office/drawing/2014/main" id="{3D8F572F-0A1D-499C-B2B8-40681D0F43B0}"/>
               </a:ext>
             </a:extLst>
           </p:cNvPr>
@@ -1312,7 +1312,7 @@
           <a:p>
             <a:fld id="{BB12B6EE-87B6-4F54-86EB-17FFFB1A32DD}" type="datetimeFigureOut">
               <a:rPr lang="en-US" smtClean="0"/>
-              <a:t>9/12/20</a:t>
+              <a:t>10/11/20</a:t>
             </a:fld>
             <a:endParaRPr lang="en-US"/>
           </a:p>
@@ -1323,7 +1323,7 @@
           <p:cNvPr id="5" name="Footer Placeholder 4">
             <a:extLst>
               <a:ext uri="{FF2B5EF4-FFF2-40B4-BE49-F238E27FC236}">
-                <a16:creationId xmlns:a16="http://schemas.microsoft.com/office/drawing/2014/main" xmlns="" id="{D974446D-F341-4F42-AC3F-68DA0BA26785}"/>
+                <a16:creationId xmlns="" xmlns:a16="http://schemas.microsoft.com/office/drawing/2014/main" id="{D974446D-F341-4F42-AC3F-68DA0BA26785}"/>
               </a:ext>
             </a:extLst>
           </p:cNvPr>
@@ -1348,7 +1348,7 @@
           <p:cNvPr id="6" name="Slide Number Placeholder 5">
             <a:extLst>
               <a:ext uri="{FF2B5EF4-FFF2-40B4-BE49-F238E27FC236}">
-                <a16:creationId xmlns:a16="http://schemas.microsoft.com/office/drawing/2014/main" xmlns="" id="{DFCF4DCE-D852-4088-82E0-BB52DCADA6F2}"/>
+                <a16:creationId xmlns="" xmlns:a16="http://schemas.microsoft.com/office/drawing/2014/main" id="{DFCF4DCE-D852-4088-82E0-BB52DCADA6F2}"/>
               </a:ext>
             </a:extLst>
           </p:cNvPr>
@@ -1407,7 +1407,7 @@
           <p:cNvPr id="2" name="Title 1">
             <a:extLst>
               <a:ext uri="{FF2B5EF4-FFF2-40B4-BE49-F238E27FC236}">
-                <a16:creationId xmlns:a16="http://schemas.microsoft.com/office/drawing/2014/main" xmlns="" id="{5B998071-6B2C-47BA-AF02-3F61569DBFA8}"/>
+                <a16:creationId xmlns="" xmlns:a16="http://schemas.microsoft.com/office/drawing/2014/main" id="{5B998071-6B2C-47BA-AF02-3F61569DBFA8}"/>
               </a:ext>
             </a:extLst>
           </p:cNvPr>
@@ -1444,7 +1444,7 @@
           <p:cNvPr id="3" name="Text Placeholder 2">
             <a:extLst>
               <a:ext uri="{FF2B5EF4-FFF2-40B4-BE49-F238E27FC236}">
-                <a16:creationId xmlns:a16="http://schemas.microsoft.com/office/drawing/2014/main" xmlns="" id="{C4832C1D-4582-4016-AFBD-01FD591CF964}"/>
+                <a16:creationId xmlns="" xmlns:a16="http://schemas.microsoft.com/office/drawing/2014/main" id="{C4832C1D-4582-4016-AFBD-01FD591CF964}"/>
               </a:ext>
             </a:extLst>
           </p:cNvPr>
@@ -1569,7 +1569,7 @@
           <p:cNvPr id="4" name="Date Placeholder 3">
             <a:extLst>
               <a:ext uri="{FF2B5EF4-FFF2-40B4-BE49-F238E27FC236}">
-                <a16:creationId xmlns:a16="http://schemas.microsoft.com/office/drawing/2014/main" xmlns="" id="{2E10520F-933C-4D1F-A082-BF760D06BA4A}"/>
+                <a16:creationId xmlns="" xmlns:a16="http://schemas.microsoft.com/office/drawing/2014/main" id="{2E10520F-933C-4D1F-A082-BF760D06BA4A}"/>
               </a:ext>
             </a:extLst>
           </p:cNvPr>
@@ -1587,7 +1587,7 @@
           <a:p>
             <a:fld id="{BB12B6EE-87B6-4F54-86EB-17FFFB1A32DD}" type="datetimeFigureOut">
               <a:rPr lang="en-US" smtClean="0"/>
-              <a:t>9/12/20</a:t>
+              <a:t>10/11/20</a:t>
             </a:fld>
             <a:endParaRPr lang="en-US"/>
           </a:p>
@@ -1598,7 +1598,7 @@
           <p:cNvPr id="5" name="Footer Placeholder 4">
             <a:extLst>
               <a:ext uri="{FF2B5EF4-FFF2-40B4-BE49-F238E27FC236}">
-                <a16:creationId xmlns:a16="http://schemas.microsoft.com/office/drawing/2014/main" xmlns="" id="{3EBCA079-C112-43DA-B2FA-118DC5E34156}"/>
+                <a16:creationId xmlns="" xmlns:a16="http://schemas.microsoft.com/office/drawing/2014/main" id="{3EBCA079-C112-43DA-B2FA-118DC5E34156}"/>
               </a:ext>
             </a:extLst>
           </p:cNvPr>
@@ -1623,7 +1623,7 @@
           <p:cNvPr id="6" name="Slide Number Placeholder 5">
             <a:extLst>
               <a:ext uri="{FF2B5EF4-FFF2-40B4-BE49-F238E27FC236}">
-                <a16:creationId xmlns:a16="http://schemas.microsoft.com/office/drawing/2014/main" xmlns="" id="{3AE5DB59-4A6D-46A2-9A2A-2202BEC51D87}"/>
+                <a16:creationId xmlns="" xmlns:a16="http://schemas.microsoft.com/office/drawing/2014/main" id="{3AE5DB59-4A6D-46A2-9A2A-2202BEC51D87}"/>
               </a:ext>
             </a:extLst>
           </p:cNvPr>
@@ -1682,7 +1682,7 @@
           <p:cNvPr id="2" name="Title 1">
             <a:extLst>
               <a:ext uri="{FF2B5EF4-FFF2-40B4-BE49-F238E27FC236}">
-                <a16:creationId xmlns:a16="http://schemas.microsoft.com/office/drawing/2014/main" xmlns="" id="{3655E0AB-B73A-4002-8F07-2CD525D60136}"/>
+                <a16:creationId xmlns="" xmlns:a16="http://schemas.microsoft.com/office/drawing/2014/main" id="{3655E0AB-B73A-4002-8F07-2CD525D60136}"/>
               </a:ext>
             </a:extLst>
           </p:cNvPr>
@@ -1710,7 +1710,7 @@
           <p:cNvPr id="3" name="Content Placeholder 2">
             <a:extLst>
               <a:ext uri="{FF2B5EF4-FFF2-40B4-BE49-F238E27FC236}">
-                <a16:creationId xmlns:a16="http://schemas.microsoft.com/office/drawing/2014/main" xmlns="" id="{583BF3B1-1FE4-4E6B-B4FC-DB7654FE1D31}"/>
+                <a16:creationId xmlns="" xmlns:a16="http://schemas.microsoft.com/office/drawing/2014/main" id="{583BF3B1-1FE4-4E6B-B4FC-DB7654FE1D31}"/>
               </a:ext>
             </a:extLst>
           </p:cNvPr>
@@ -1772,7 +1772,7 @@
           <p:cNvPr id="4" name="Content Placeholder 3">
             <a:extLst>
               <a:ext uri="{FF2B5EF4-FFF2-40B4-BE49-F238E27FC236}">
-                <a16:creationId xmlns:a16="http://schemas.microsoft.com/office/drawing/2014/main" xmlns="" id="{C2E50998-5AFF-444E-B22F-F4B67EDB57E0}"/>
+                <a16:creationId xmlns="" xmlns:a16="http://schemas.microsoft.com/office/drawing/2014/main" id="{C2E50998-5AFF-444E-B22F-F4B67EDB57E0}"/>
               </a:ext>
             </a:extLst>
           </p:cNvPr>
@@ -1834,7 +1834,7 @@
           <p:cNvPr id="5" name="Date Placeholder 4">
             <a:extLst>
               <a:ext uri="{FF2B5EF4-FFF2-40B4-BE49-F238E27FC236}">
-                <a16:creationId xmlns:a16="http://schemas.microsoft.com/office/drawing/2014/main" xmlns="" id="{79EA5051-A6A1-48E4-BBA2-59EE06D49FAE}"/>
+                <a16:creationId xmlns="" xmlns:a16="http://schemas.microsoft.com/office/drawing/2014/main" id="{79EA5051-A6A1-48E4-BBA2-59EE06D49FAE}"/>
               </a:ext>
             </a:extLst>
           </p:cNvPr>
@@ -1852,7 +1852,7 @@
           <a:p>
             <a:fld id="{BB12B6EE-87B6-4F54-86EB-17FFFB1A32DD}" type="datetimeFigureOut">
               <a:rPr lang="en-US" smtClean="0"/>
-              <a:t>9/12/20</a:t>
+              <a:t>10/11/20</a:t>
             </a:fld>
             <a:endParaRPr lang="en-US"/>
           </a:p>
@@ -1863,7 +1863,7 @@
           <p:cNvPr id="6" name="Footer Placeholder 5">
             <a:extLst>
               <a:ext uri="{FF2B5EF4-FFF2-40B4-BE49-F238E27FC236}">
-                <a16:creationId xmlns:a16="http://schemas.microsoft.com/office/drawing/2014/main" xmlns="" id="{F0EF32A9-CB72-4E1B-98EB-96637A86FB00}"/>
+                <a16:creationId xmlns="" xmlns:a16="http://schemas.microsoft.com/office/drawing/2014/main" id="{F0EF32A9-CB72-4E1B-98EB-96637A86FB00}"/>
               </a:ext>
             </a:extLst>
           </p:cNvPr>
@@ -1888,7 +1888,7 @@
           <p:cNvPr id="7" name="Slide Number Placeholder 6">
             <a:extLst>
               <a:ext uri="{FF2B5EF4-FFF2-40B4-BE49-F238E27FC236}">
-                <a16:creationId xmlns:a16="http://schemas.microsoft.com/office/drawing/2014/main" xmlns="" id="{432C1F01-7F91-4748-A467-5FD8E867CF82}"/>
+                <a16:creationId xmlns="" xmlns:a16="http://schemas.microsoft.com/office/drawing/2014/main" id="{432C1F01-7F91-4748-A467-5FD8E867CF82}"/>
               </a:ext>
             </a:extLst>
           </p:cNvPr>
@@ -1947,7 +1947,7 @@
           <p:cNvPr id="2" name="Title 1">
             <a:extLst>
               <a:ext uri="{FF2B5EF4-FFF2-40B4-BE49-F238E27FC236}">
-                <a16:creationId xmlns:a16="http://schemas.microsoft.com/office/drawing/2014/main" xmlns="" id="{78C9B172-ECB7-4F43-8898-DF95939B24A7}"/>
+                <a16:creationId xmlns="" xmlns:a16="http://schemas.microsoft.com/office/drawing/2014/main" id="{78C9B172-ECB7-4F43-8898-DF95939B24A7}"/>
               </a:ext>
             </a:extLst>
           </p:cNvPr>
@@ -1980,7 +1980,7 @@
           <p:cNvPr id="3" name="Text Placeholder 2">
             <a:extLst>
               <a:ext uri="{FF2B5EF4-FFF2-40B4-BE49-F238E27FC236}">
-                <a16:creationId xmlns:a16="http://schemas.microsoft.com/office/drawing/2014/main" xmlns="" id="{56DB80DE-34E1-4067-8CDE-54E479C06312}"/>
+                <a16:creationId xmlns="" xmlns:a16="http://schemas.microsoft.com/office/drawing/2014/main" id="{56DB80DE-34E1-4067-8CDE-54E479C06312}"/>
               </a:ext>
             </a:extLst>
           </p:cNvPr>
@@ -2051,7 +2051,7 @@
           <p:cNvPr id="4" name="Content Placeholder 3">
             <a:extLst>
               <a:ext uri="{FF2B5EF4-FFF2-40B4-BE49-F238E27FC236}">
-                <a16:creationId xmlns:a16="http://schemas.microsoft.com/office/drawing/2014/main" xmlns="" id="{3D9F27B3-B14C-48F9-9F54-9688B27E9C3C}"/>
+                <a16:creationId xmlns="" xmlns:a16="http://schemas.microsoft.com/office/drawing/2014/main" id="{3D9F27B3-B14C-48F9-9F54-9688B27E9C3C}"/>
               </a:ext>
             </a:extLst>
           </p:cNvPr>
@@ -2113,7 +2113,7 @@
           <p:cNvPr id="5" name="Text Placeholder 4">
             <a:extLst>
               <a:ext uri="{FF2B5EF4-FFF2-40B4-BE49-F238E27FC236}">
-                <a16:creationId xmlns:a16="http://schemas.microsoft.com/office/drawing/2014/main" xmlns="" id="{A1AB7D90-0A85-4431-B836-ABD606AEA0FD}"/>
+                <a16:creationId xmlns="" xmlns:a16="http://schemas.microsoft.com/office/drawing/2014/main" id="{A1AB7D90-0A85-4431-B836-ABD606AEA0FD}"/>
               </a:ext>
             </a:extLst>
           </p:cNvPr>
@@ -2184,7 +2184,7 @@
           <p:cNvPr id="6" name="Content Placeholder 5">
             <a:extLst>
               <a:ext uri="{FF2B5EF4-FFF2-40B4-BE49-F238E27FC236}">
-                <a16:creationId xmlns:a16="http://schemas.microsoft.com/office/drawing/2014/main" xmlns="" id="{0DC02D56-F017-43FF-A196-EDE7BFB78EC2}"/>
+                <a16:creationId xmlns="" xmlns:a16="http://schemas.microsoft.com/office/drawing/2014/main" id="{0DC02D56-F017-43FF-A196-EDE7BFB78EC2}"/>
               </a:ext>
             </a:extLst>
           </p:cNvPr>
@@ -2246,7 +2246,7 @@
           <p:cNvPr id="7" name="Date Placeholder 6">
             <a:extLst>
               <a:ext uri="{FF2B5EF4-FFF2-40B4-BE49-F238E27FC236}">
-                <a16:creationId xmlns:a16="http://schemas.microsoft.com/office/drawing/2014/main" xmlns="" id="{F69326D0-3BF4-4807-9F76-E75F3B4713B8}"/>
+                <a16:creationId xmlns="" xmlns:a16="http://schemas.microsoft.com/office/drawing/2014/main" id="{F69326D0-3BF4-4807-9F76-E75F3B4713B8}"/>
               </a:ext>
             </a:extLst>
           </p:cNvPr>
@@ -2264,7 +2264,7 @@
           <a:p>
             <a:fld id="{BB12B6EE-87B6-4F54-86EB-17FFFB1A32DD}" type="datetimeFigureOut">
               <a:rPr lang="en-US" smtClean="0"/>
-              <a:t>9/12/20</a:t>
+              <a:t>10/11/20</a:t>
             </a:fld>
             <a:endParaRPr lang="en-US"/>
           </a:p>
@@ -2275,7 +2275,7 @@
           <p:cNvPr id="8" name="Footer Placeholder 7">
             <a:extLst>
               <a:ext uri="{FF2B5EF4-FFF2-40B4-BE49-F238E27FC236}">
-                <a16:creationId xmlns:a16="http://schemas.microsoft.com/office/drawing/2014/main" xmlns="" id="{77F680E9-3CC3-4460-8407-A04B91E8546E}"/>
+                <a16:creationId xmlns="" xmlns:a16="http://schemas.microsoft.com/office/drawing/2014/main" id="{77F680E9-3CC3-4460-8407-A04B91E8546E}"/>
               </a:ext>
             </a:extLst>
           </p:cNvPr>
@@ -2300,7 +2300,7 @@
           <p:cNvPr id="9" name="Slide Number Placeholder 8">
             <a:extLst>
               <a:ext uri="{FF2B5EF4-FFF2-40B4-BE49-F238E27FC236}">
-                <a16:creationId xmlns:a16="http://schemas.microsoft.com/office/drawing/2014/main" xmlns="" id="{A7B44F14-8980-4588-AB53-AE7F72848082}"/>
+                <a16:creationId xmlns="" xmlns:a16="http://schemas.microsoft.com/office/drawing/2014/main" id="{A7B44F14-8980-4588-AB53-AE7F72848082}"/>
               </a:ext>
             </a:extLst>
           </p:cNvPr>
@@ -2359,7 +2359,7 @@
           <p:cNvPr id="2" name="Title 1">
             <a:extLst>
               <a:ext uri="{FF2B5EF4-FFF2-40B4-BE49-F238E27FC236}">
-                <a16:creationId xmlns:a16="http://schemas.microsoft.com/office/drawing/2014/main" xmlns="" id="{2608B902-36DE-4564-9179-89708595B19D}"/>
+                <a16:creationId xmlns="" xmlns:a16="http://schemas.microsoft.com/office/drawing/2014/main" id="{2608B902-36DE-4564-9179-89708595B19D}"/>
               </a:ext>
             </a:extLst>
           </p:cNvPr>
@@ -2387,7 +2387,7 @@
           <p:cNvPr id="3" name="Date Placeholder 2">
             <a:extLst>
               <a:ext uri="{FF2B5EF4-FFF2-40B4-BE49-F238E27FC236}">
-                <a16:creationId xmlns:a16="http://schemas.microsoft.com/office/drawing/2014/main" xmlns="" id="{B008D90E-84ED-4D28-9492-F23212CD7391}"/>
+                <a16:creationId xmlns="" xmlns:a16="http://schemas.microsoft.com/office/drawing/2014/main" id="{B008D90E-84ED-4D28-9492-F23212CD7391}"/>
               </a:ext>
             </a:extLst>
           </p:cNvPr>
@@ -2405,7 +2405,7 @@
           <a:p>
             <a:fld id="{BB12B6EE-87B6-4F54-86EB-17FFFB1A32DD}" type="datetimeFigureOut">
               <a:rPr lang="en-US" smtClean="0"/>
-              <a:t>9/12/20</a:t>
+              <a:t>10/11/20</a:t>
             </a:fld>
             <a:endParaRPr lang="en-US"/>
           </a:p>
@@ -2416,7 +2416,7 @@
           <p:cNvPr id="4" name="Footer Placeholder 3">
             <a:extLst>
               <a:ext uri="{FF2B5EF4-FFF2-40B4-BE49-F238E27FC236}">
-                <a16:creationId xmlns:a16="http://schemas.microsoft.com/office/drawing/2014/main" xmlns="" id="{ADB51540-96E6-43F3-9CBA-AFEA5FE0FD61}"/>
+                <a16:creationId xmlns="" xmlns:a16="http://schemas.microsoft.com/office/drawing/2014/main" id="{ADB51540-96E6-43F3-9CBA-AFEA5FE0FD61}"/>
               </a:ext>
             </a:extLst>
           </p:cNvPr>
@@ -2441,7 +2441,7 @@
           <p:cNvPr id="5" name="Slide Number Placeholder 4">
             <a:extLst>
               <a:ext uri="{FF2B5EF4-FFF2-40B4-BE49-F238E27FC236}">
-                <a16:creationId xmlns:a16="http://schemas.microsoft.com/office/drawing/2014/main" xmlns="" id="{98757C40-15F0-47DE-823A-9D8A98A593C7}"/>
+                <a16:creationId xmlns="" xmlns:a16="http://schemas.microsoft.com/office/drawing/2014/main" id="{98757C40-15F0-47DE-823A-9D8A98A593C7}"/>
               </a:ext>
             </a:extLst>
           </p:cNvPr>
@@ -2500,7 +2500,7 @@
           <p:cNvPr id="2" name="Date Placeholder 1">
             <a:extLst>
               <a:ext uri="{FF2B5EF4-FFF2-40B4-BE49-F238E27FC236}">
-                <a16:creationId xmlns:a16="http://schemas.microsoft.com/office/drawing/2014/main" xmlns="" id="{2CA96519-EB42-4DCA-AB2F-6C549E037737}"/>
+                <a16:creationId xmlns="" xmlns:a16="http://schemas.microsoft.com/office/drawing/2014/main" id="{2CA96519-EB42-4DCA-AB2F-6C549E037737}"/>
               </a:ext>
             </a:extLst>
           </p:cNvPr>
@@ -2518,7 +2518,7 @@
           <a:p>
             <a:fld id="{BB12B6EE-87B6-4F54-86EB-17FFFB1A32DD}" type="datetimeFigureOut">
               <a:rPr lang="en-US" smtClean="0"/>
-              <a:t>9/12/20</a:t>
+              <a:t>10/11/20</a:t>
             </a:fld>
             <a:endParaRPr lang="en-US"/>
           </a:p>
@@ -2529,7 +2529,7 @@
           <p:cNvPr id="3" name="Footer Placeholder 2">
             <a:extLst>
               <a:ext uri="{FF2B5EF4-FFF2-40B4-BE49-F238E27FC236}">
-                <a16:creationId xmlns:a16="http://schemas.microsoft.com/office/drawing/2014/main" xmlns="" id="{B101CE27-EC60-48CE-96FF-11E1607C7073}"/>
+                <a16:creationId xmlns="" xmlns:a16="http://schemas.microsoft.com/office/drawing/2014/main" id="{B101CE27-EC60-48CE-96FF-11E1607C7073}"/>
               </a:ext>
             </a:extLst>
           </p:cNvPr>
@@ -2554,7 +2554,7 @@
           <p:cNvPr id="4" name="Slide Number Placeholder 3">
             <a:extLst>
               <a:ext uri="{FF2B5EF4-FFF2-40B4-BE49-F238E27FC236}">
-                <a16:creationId xmlns:a16="http://schemas.microsoft.com/office/drawing/2014/main" xmlns="" id="{7657DDD9-D0C9-4A5B-98F9-DFA0A43D7E3C}"/>
+                <a16:creationId xmlns="" xmlns:a16="http://schemas.microsoft.com/office/drawing/2014/main" id="{7657DDD9-D0C9-4A5B-98F9-DFA0A43D7E3C}"/>
               </a:ext>
             </a:extLst>
           </p:cNvPr>
@@ -2613,7 +2613,7 @@
           <p:cNvPr id="2" name="Title 1">
             <a:extLst>
               <a:ext uri="{FF2B5EF4-FFF2-40B4-BE49-F238E27FC236}">
-                <a16:creationId xmlns:a16="http://schemas.microsoft.com/office/drawing/2014/main" xmlns="" id="{B2512037-8DE6-402E-A452-FA7079B86D00}"/>
+                <a16:creationId xmlns="" xmlns:a16="http://schemas.microsoft.com/office/drawing/2014/main" id="{B2512037-8DE6-402E-A452-FA7079B86D00}"/>
               </a:ext>
             </a:extLst>
           </p:cNvPr>
@@ -2650,7 +2650,7 @@
           <p:cNvPr id="3" name="Content Placeholder 2">
             <a:extLst>
               <a:ext uri="{FF2B5EF4-FFF2-40B4-BE49-F238E27FC236}">
-                <a16:creationId xmlns:a16="http://schemas.microsoft.com/office/drawing/2014/main" xmlns="" id="{6F2ED827-8FDF-4C4A-A2E3-640C88C7E834}"/>
+                <a16:creationId xmlns="" xmlns:a16="http://schemas.microsoft.com/office/drawing/2014/main" id="{6F2ED827-8FDF-4C4A-A2E3-640C88C7E834}"/>
               </a:ext>
             </a:extLst>
           </p:cNvPr>
@@ -2740,7 +2740,7 @@
           <p:cNvPr id="4" name="Text Placeholder 3">
             <a:extLst>
               <a:ext uri="{FF2B5EF4-FFF2-40B4-BE49-F238E27FC236}">
-                <a16:creationId xmlns:a16="http://schemas.microsoft.com/office/drawing/2014/main" xmlns="" id="{5C4A24EC-321C-44F8-9820-492F88566D9B}"/>
+                <a16:creationId xmlns="" xmlns:a16="http://schemas.microsoft.com/office/drawing/2014/main" id="{5C4A24EC-321C-44F8-9820-492F88566D9B}"/>
               </a:ext>
             </a:extLst>
           </p:cNvPr>
@@ -2811,7 +2811,7 @@
           <p:cNvPr id="5" name="Date Placeholder 4">
             <a:extLst>
               <a:ext uri="{FF2B5EF4-FFF2-40B4-BE49-F238E27FC236}">
-                <a16:creationId xmlns:a16="http://schemas.microsoft.com/office/drawing/2014/main" xmlns="" id="{E298D139-9991-4D9F-BB31-8135AC4B546D}"/>
+                <a16:creationId xmlns="" xmlns:a16="http://schemas.microsoft.com/office/drawing/2014/main" id="{E298D139-9991-4D9F-BB31-8135AC4B546D}"/>
               </a:ext>
             </a:extLst>
           </p:cNvPr>
@@ -2829,7 +2829,7 @@
           <a:p>
             <a:fld id="{BB12B6EE-87B6-4F54-86EB-17FFFB1A32DD}" type="datetimeFigureOut">
               <a:rPr lang="en-US" smtClean="0"/>
-              <a:t>9/12/20</a:t>
+              <a:t>10/11/20</a:t>
             </a:fld>
             <a:endParaRPr lang="en-US"/>
           </a:p>
@@ -2840,7 +2840,7 @@
           <p:cNvPr id="6" name="Footer Placeholder 5">
             <a:extLst>
               <a:ext uri="{FF2B5EF4-FFF2-40B4-BE49-F238E27FC236}">
-                <a16:creationId xmlns:a16="http://schemas.microsoft.com/office/drawing/2014/main" xmlns="" id="{F8959B0E-D898-45CB-8C80-06B43C95DE96}"/>
+                <a16:creationId xmlns="" xmlns:a16="http://schemas.microsoft.com/office/drawing/2014/main" id="{F8959B0E-D898-45CB-8C80-06B43C95DE96}"/>
               </a:ext>
             </a:extLst>
           </p:cNvPr>
@@ -2865,7 +2865,7 @@
           <p:cNvPr id="7" name="Slide Number Placeholder 6">
             <a:extLst>
               <a:ext uri="{FF2B5EF4-FFF2-40B4-BE49-F238E27FC236}">
-                <a16:creationId xmlns:a16="http://schemas.microsoft.com/office/drawing/2014/main" xmlns="" id="{C6784A2B-3944-4481-9541-6AD4B8FF57DE}"/>
+                <a16:creationId xmlns="" xmlns:a16="http://schemas.microsoft.com/office/drawing/2014/main" id="{C6784A2B-3944-4481-9541-6AD4B8FF57DE}"/>
               </a:ext>
             </a:extLst>
           </p:cNvPr>
@@ -2924,7 +2924,7 @@
           <p:cNvPr id="2" name="Title 1">
             <a:extLst>
               <a:ext uri="{FF2B5EF4-FFF2-40B4-BE49-F238E27FC236}">
-                <a16:creationId xmlns:a16="http://schemas.microsoft.com/office/drawing/2014/main" xmlns="" id="{B57E83F9-1F4B-4336-B078-09A380D8C166}"/>
+                <a16:creationId xmlns="" xmlns:a16="http://schemas.microsoft.com/office/drawing/2014/main" id="{B57E83F9-1F4B-4336-B078-09A380D8C166}"/>
               </a:ext>
             </a:extLst>
           </p:cNvPr>
@@ -2961,7 +2961,7 @@
           <p:cNvPr id="3" name="Picture Placeholder 2">
             <a:extLst>
               <a:ext uri="{FF2B5EF4-FFF2-40B4-BE49-F238E27FC236}">
-                <a16:creationId xmlns:a16="http://schemas.microsoft.com/office/drawing/2014/main" xmlns="" id="{88CB31D0-1E98-4FAD-B6C2-AFC473B346AA}"/>
+                <a16:creationId xmlns="" xmlns:a16="http://schemas.microsoft.com/office/drawing/2014/main" id="{88CB31D0-1E98-4FAD-B6C2-AFC473B346AA}"/>
               </a:ext>
             </a:extLst>
           </p:cNvPr>
@@ -3028,7 +3028,7 @@
           <p:cNvPr id="4" name="Text Placeholder 3">
             <a:extLst>
               <a:ext uri="{FF2B5EF4-FFF2-40B4-BE49-F238E27FC236}">
-                <a16:creationId xmlns:a16="http://schemas.microsoft.com/office/drawing/2014/main" xmlns="" id="{1DA8169C-7165-47B1-9079-3D79B81A5A74}"/>
+                <a16:creationId xmlns="" xmlns:a16="http://schemas.microsoft.com/office/drawing/2014/main" id="{1DA8169C-7165-47B1-9079-3D79B81A5A74}"/>
               </a:ext>
             </a:extLst>
           </p:cNvPr>
@@ -3099,7 +3099,7 @@
           <p:cNvPr id="5" name="Date Placeholder 4">
             <a:extLst>
               <a:ext uri="{FF2B5EF4-FFF2-40B4-BE49-F238E27FC236}">
-                <a16:creationId xmlns:a16="http://schemas.microsoft.com/office/drawing/2014/main" xmlns="" id="{6E3DD7F9-DB66-4699-90C8-16A74EEF8C35}"/>
+                <a16:creationId xmlns="" xmlns:a16="http://schemas.microsoft.com/office/drawing/2014/main" id="{6E3DD7F9-DB66-4699-90C8-16A74EEF8C35}"/>
               </a:ext>
             </a:extLst>
           </p:cNvPr>
@@ -3117,7 +3117,7 @@
           <a:p>
             <a:fld id="{BB12B6EE-87B6-4F54-86EB-17FFFB1A32DD}" type="datetimeFigureOut">
               <a:rPr lang="en-US" smtClean="0"/>
-              <a:t>9/12/20</a:t>
+              <a:t>10/11/20</a:t>
             </a:fld>
             <a:endParaRPr lang="en-US"/>
           </a:p>
@@ -3128,7 +3128,7 @@
           <p:cNvPr id="6" name="Footer Placeholder 5">
             <a:extLst>
               <a:ext uri="{FF2B5EF4-FFF2-40B4-BE49-F238E27FC236}">
-                <a16:creationId xmlns:a16="http://schemas.microsoft.com/office/drawing/2014/main" xmlns="" id="{628E6318-0B3B-4814-B9E4-823A7F0FE79A}"/>
+                <a16:creationId xmlns="" xmlns:a16="http://schemas.microsoft.com/office/drawing/2014/main" id="{628E6318-0B3B-4814-B9E4-823A7F0FE79A}"/>
               </a:ext>
             </a:extLst>
           </p:cNvPr>
@@ -3153,7 +3153,7 @@
           <p:cNvPr id="7" name="Slide Number Placeholder 6">
             <a:extLst>
               <a:ext uri="{FF2B5EF4-FFF2-40B4-BE49-F238E27FC236}">
-                <a16:creationId xmlns:a16="http://schemas.microsoft.com/office/drawing/2014/main" xmlns="" id="{4BDE4347-DBBF-40E2-A693-6BB1985E4546}"/>
+                <a16:creationId xmlns="" xmlns:a16="http://schemas.microsoft.com/office/drawing/2014/main" id="{4BDE4347-DBBF-40E2-A693-6BB1985E4546}"/>
               </a:ext>
             </a:extLst>
           </p:cNvPr>
@@ -3217,7 +3217,7 @@
           <p:cNvPr id="2" name="Title Placeholder 1">
             <a:extLst>
               <a:ext uri="{FF2B5EF4-FFF2-40B4-BE49-F238E27FC236}">
-                <a16:creationId xmlns:a16="http://schemas.microsoft.com/office/drawing/2014/main" xmlns="" id="{5AC73334-070A-42F6-9152-A74AC352E8E6}"/>
+                <a16:creationId xmlns="" xmlns:a16="http://schemas.microsoft.com/office/drawing/2014/main" id="{5AC73334-070A-42F6-9152-A74AC352E8E6}"/>
               </a:ext>
             </a:extLst>
           </p:cNvPr>
@@ -3255,7 +3255,7 @@
           <p:cNvPr id="3" name="Text Placeholder 2">
             <a:extLst>
               <a:ext uri="{FF2B5EF4-FFF2-40B4-BE49-F238E27FC236}">
-                <a16:creationId xmlns:a16="http://schemas.microsoft.com/office/drawing/2014/main" xmlns="" id="{F1384CD5-D367-4726-BB0C-7DAD657F7694}"/>
+                <a16:creationId xmlns="" xmlns:a16="http://schemas.microsoft.com/office/drawing/2014/main" id="{F1384CD5-D367-4726-BB0C-7DAD657F7694}"/>
               </a:ext>
             </a:extLst>
           </p:cNvPr>
@@ -3322,7 +3322,7 @@
           <p:cNvPr id="4" name="Date Placeholder 3">
             <a:extLst>
               <a:ext uri="{FF2B5EF4-FFF2-40B4-BE49-F238E27FC236}">
-                <a16:creationId xmlns:a16="http://schemas.microsoft.com/office/drawing/2014/main" xmlns="" id="{E5D30D95-C932-4B98-B5D7-FAAC76300E41}"/>
+                <a16:creationId xmlns="" xmlns:a16="http://schemas.microsoft.com/office/drawing/2014/main" id="{E5D30D95-C932-4B98-B5D7-FAAC76300E41}"/>
               </a:ext>
             </a:extLst>
           </p:cNvPr>
@@ -3358,7 +3358,7 @@
           <a:p>
             <a:fld id="{BB12B6EE-87B6-4F54-86EB-17FFFB1A32DD}" type="datetimeFigureOut">
               <a:rPr lang="en-US" smtClean="0"/>
-              <a:t>9/12/20</a:t>
+              <a:t>10/11/20</a:t>
             </a:fld>
             <a:endParaRPr lang="en-US"/>
           </a:p>
@@ -3369,7 +3369,7 @@
           <p:cNvPr id="5" name="Footer Placeholder 4">
             <a:extLst>
               <a:ext uri="{FF2B5EF4-FFF2-40B4-BE49-F238E27FC236}">
-                <a16:creationId xmlns:a16="http://schemas.microsoft.com/office/drawing/2014/main" xmlns="" id="{087D2F42-DC99-4613-BE82-E03AF7702427}"/>
+                <a16:creationId xmlns="" xmlns:a16="http://schemas.microsoft.com/office/drawing/2014/main" id="{087D2F42-DC99-4613-BE82-E03AF7702427}"/>
               </a:ext>
             </a:extLst>
           </p:cNvPr>
@@ -3412,7 +3412,7 @@
           <p:cNvPr id="6" name="Slide Number Placeholder 5">
             <a:extLst>
               <a:ext uri="{FF2B5EF4-FFF2-40B4-BE49-F238E27FC236}">
-                <a16:creationId xmlns:a16="http://schemas.microsoft.com/office/drawing/2014/main" xmlns="" id="{3592A395-CDED-466A-8207-C4B911FF8E4E}"/>
+                <a16:creationId xmlns="" xmlns:a16="http://schemas.microsoft.com/office/drawing/2014/main" id="{3592A395-CDED-466A-8207-C4B911FF8E4E}"/>
               </a:ext>
             </a:extLst>
           </p:cNvPr>
@@ -3942,14 +3942,6 @@
               </a:rPr>
               <a:t>by David A. Joiner</a:t>
             </a:r>
-            <a:r>
-              <a:rPr lang="en-US" sz="3600" i="1" dirty="0">
-                <a:latin typeface="Times New Roman" charset="0"/>
-                <a:ea typeface="Times New Roman" charset="0"/>
-                <a:cs typeface="Times New Roman" charset="0"/>
-              </a:rPr>
-              <a:t/>
-            </a:r>
             <a:br>
               <a:rPr lang="en-US" sz="3600" i="1" dirty="0">
                 <a:latin typeface="Times New Roman" charset="0"/>
@@ -3965,11 +3957,6 @@
               </a:rPr>
               <a:t>for the Shodor Education Foundation, Inc.</a:t>
             </a:r>
-            <a:endParaRPr lang="en-US" sz="3600" i="1" dirty="0">
-              <a:latin typeface="Times New Roman" charset="0"/>
-              <a:ea typeface="Times New Roman" charset="0"/>
-              <a:cs typeface="Times New Roman" charset="0"/>
-            </a:endParaRPr>
           </a:p>
         </p:txBody>
       </p:sp>
@@ -4015,7 +4002,7 @@
           <p:cNvPr id="2" name="Title 1">
             <a:extLst>
               <a:ext uri="{FF2B5EF4-FFF2-40B4-BE49-F238E27FC236}">
-                <a16:creationId xmlns:a16="http://schemas.microsoft.com/office/drawing/2014/main" xmlns="" id="{8C525B9F-819A-41C0-BA52-8A18310C9AD5}"/>
+                <a16:creationId xmlns="" xmlns:a16="http://schemas.microsoft.com/office/drawing/2014/main" id="{8C525B9F-819A-41C0-BA52-8A18310C9AD5}"/>
               </a:ext>
             </a:extLst>
           </p:cNvPr>
@@ -4043,7 +4030,7 @@
           <p:cNvPr id="3" name="Content Placeholder 2">
             <a:extLst>
               <a:ext uri="{FF2B5EF4-FFF2-40B4-BE49-F238E27FC236}">
-                <a16:creationId xmlns:a16="http://schemas.microsoft.com/office/drawing/2014/main" xmlns="" id="{F7445BFA-949A-4BCF-926F-129C9921F2D9}"/>
+                <a16:creationId xmlns="" xmlns:a16="http://schemas.microsoft.com/office/drawing/2014/main" id="{F7445BFA-949A-4BCF-926F-129C9921F2D9}"/>
               </a:ext>
             </a:extLst>
           </p:cNvPr>
@@ -4133,7 +4120,7 @@
           <p:cNvPr id="2" name="Title 1">
             <a:extLst>
               <a:ext uri="{FF2B5EF4-FFF2-40B4-BE49-F238E27FC236}">
-                <a16:creationId xmlns:a16="http://schemas.microsoft.com/office/drawing/2014/main" xmlns="" id="{CF44057C-5370-495F-8EF4-07296380EFFD}"/>
+                <a16:creationId xmlns="" xmlns:a16="http://schemas.microsoft.com/office/drawing/2014/main" id="{CF44057C-5370-495F-8EF4-07296380EFFD}"/>
               </a:ext>
             </a:extLst>
           </p:cNvPr>
@@ -4161,7 +4148,7 @@
           <p:cNvPr id="3" name="Content Placeholder 2">
             <a:extLst>
               <a:ext uri="{FF2B5EF4-FFF2-40B4-BE49-F238E27FC236}">
-                <a16:creationId xmlns:a16="http://schemas.microsoft.com/office/drawing/2014/main" xmlns="" id="{86C1BE9A-F8D7-480E-A8E2-A55C9405ABBB}"/>
+                <a16:creationId xmlns="" xmlns:a16="http://schemas.microsoft.com/office/drawing/2014/main" id="{86C1BE9A-F8D7-480E-A8E2-A55C9405ABBB}"/>
               </a:ext>
             </a:extLst>
           </p:cNvPr>
@@ -4350,7 +4337,7 @@
         </p:nvSpPr>
         <p:spPr>
           <a:xfrm>
-            <a:off x="754745" y="0"/>
+            <a:off x="754743" y="0"/>
             <a:ext cx="10682515" cy="6858000"/>
           </a:xfrm>
         </p:spPr>
@@ -4397,7 +4384,23 @@
                 <a:ea typeface="Times New Roman" charset="0"/>
                 <a:cs typeface="Times New Roman" charset="0"/>
               </a:rPr>
-              <a:t>CC BY-NC 4.0. To view a copy of this license, visit </a:t>
+              <a:t>CC </a:t>
+            </a:r>
+            <a:r>
+              <a:rPr lang="en-US" sz="2800" dirty="0">
+                <a:latin typeface="Times New Roman" charset="0"/>
+                <a:ea typeface="Times New Roman" charset="0"/>
+                <a:cs typeface="Times New Roman" charset="0"/>
+              </a:rPr>
+              <a:t>BY-SA </a:t>
+            </a:r>
+            <a:r>
+              <a:rPr lang="en-US" sz="2800" dirty="0">
+                <a:latin typeface="Times New Roman" charset="0"/>
+                <a:ea typeface="Times New Roman" charset="0"/>
+                <a:cs typeface="Times New Roman" charset="0"/>
+              </a:rPr>
+              <a:t>4.0. To view a copy of this license, visit </a:t>
             </a:r>
             <a:r>
               <a:rPr lang="en-US" sz="2800" dirty="0">
@@ -4406,7 +4409,16 @@
                 <a:cs typeface="Times New Roman" charset="0"/>
                 <a:hlinkClick r:id="rId2"/>
               </a:rPr>
-              <a:t>https://creativecommons.org/licenses/by-nc/4.0</a:t>
+              <a:t>https://</a:t>
+            </a:r>
+            <a:r>
+              <a:rPr lang="en-US" sz="2800" dirty="0">
+                <a:latin typeface="Times New Roman" charset="0"/>
+                <a:ea typeface="Times New Roman" charset="0"/>
+                <a:cs typeface="Times New Roman" charset="0"/>
+                <a:hlinkClick r:id="rId2"/>
+              </a:rPr>
+              <a:t>creativecommons.org/licenses/by-sa/4.0</a:t>
             </a:r>
             <a:r>
               <a:rPr lang="en-US" sz="2800" dirty="0">
@@ -4560,20 +4572,13 @@
     </p:spTree>
     <p:extLst>
       <p:ext uri="{BB962C8B-B14F-4D97-AF65-F5344CB8AC3E}">
-        <p14:creationId xmlns:p14="http://schemas.microsoft.com/office/powerpoint/2010/main" val="1078245536"/>
+        <p14:creationId xmlns:p14="http://schemas.microsoft.com/office/powerpoint/2010/main" val="1677691991"/>
       </p:ext>
     </p:extLst>
   </p:cSld>
   <p:clrMapOvr>
     <a:masterClrMapping/>
   </p:clrMapOvr>
-  <p:timing>
-    <p:tnLst>
-      <p:par>
-        <p:cTn id="1" dur="indefinite" restart="never" nodeType="tmRoot"/>
-      </p:par>
-    </p:tnLst>
-  </p:timing>
 </p:sld>
 </file>
 
@@ -4599,7 +4604,7 @@
           <p:cNvPr id="2" name="Title 1">
             <a:extLst>
               <a:ext uri="{FF2B5EF4-FFF2-40B4-BE49-F238E27FC236}">
-                <a16:creationId xmlns:a16="http://schemas.microsoft.com/office/drawing/2014/main" xmlns="" id="{E0C4EDD3-0CDA-4198-AAE8-C4EBF1764AE0}"/>
+                <a16:creationId xmlns="" xmlns:a16="http://schemas.microsoft.com/office/drawing/2014/main" id="{E0C4EDD3-0CDA-4198-AAE8-C4EBF1764AE0}"/>
               </a:ext>
             </a:extLst>
           </p:cNvPr>
@@ -4659,7 +4664,7 @@
           <p:cNvPr id="2" name="Title 1">
             <a:extLst>
               <a:ext uri="{FF2B5EF4-FFF2-40B4-BE49-F238E27FC236}">
-                <a16:creationId xmlns:a16="http://schemas.microsoft.com/office/drawing/2014/main" xmlns="" id="{05EEABFC-3429-4732-90C0-748FF9F4B4F2}"/>
+                <a16:creationId xmlns="" xmlns:a16="http://schemas.microsoft.com/office/drawing/2014/main" id="{05EEABFC-3429-4732-90C0-748FF9F4B4F2}"/>
               </a:ext>
             </a:extLst>
           </p:cNvPr>
@@ -4689,7 +4694,7 @@
               <p:cNvPr id="3" name="Content Placeholder 2">
                 <a:extLst>
                   <a:ext uri="{FF2B5EF4-FFF2-40B4-BE49-F238E27FC236}">
-                    <a16:creationId xmlns:a16="http://schemas.microsoft.com/office/drawing/2014/main" xmlns="" id="{53D678F5-75D9-4B80-B397-5B1AB759DB3D}"/>
+                    <a16:creationId xmlns="" xmlns:a16="http://schemas.microsoft.com/office/drawing/2014/main" id="{53D678F5-75D9-4B80-B397-5B1AB759DB3D}"/>
                   </a:ext>
                 </a:extLst>
               </p:cNvPr>
@@ -5345,7 +5350,7 @@
           <p:cNvPr id="2" name="Title 1">
             <a:extLst>
               <a:ext uri="{FF2B5EF4-FFF2-40B4-BE49-F238E27FC236}">
-                <a16:creationId xmlns:a16="http://schemas.microsoft.com/office/drawing/2014/main" xmlns="" id="{C2DADFD2-C436-4A8D-AB23-1A7D1F63FA50}"/>
+                <a16:creationId xmlns="" xmlns:a16="http://schemas.microsoft.com/office/drawing/2014/main" id="{C2DADFD2-C436-4A8D-AB23-1A7D1F63FA50}"/>
               </a:ext>
             </a:extLst>
           </p:cNvPr>
@@ -5373,7 +5378,7 @@
           <p:cNvPr id="3" name="Content Placeholder 2">
             <a:extLst>
               <a:ext uri="{FF2B5EF4-FFF2-40B4-BE49-F238E27FC236}">
-                <a16:creationId xmlns:a16="http://schemas.microsoft.com/office/drawing/2014/main" xmlns="" id="{2E053545-65E8-4D6E-882C-1DBDD0B602A5}"/>
+                <a16:creationId xmlns="" xmlns:a16="http://schemas.microsoft.com/office/drawing/2014/main" id="{2E053545-65E8-4D6E-882C-1DBDD0B602A5}"/>
               </a:ext>
             </a:extLst>
           </p:cNvPr>
@@ -5527,7 +5532,7 @@
           <p:cNvPr id="2" name="Title 1">
             <a:extLst>
               <a:ext uri="{FF2B5EF4-FFF2-40B4-BE49-F238E27FC236}">
-                <a16:creationId xmlns:a16="http://schemas.microsoft.com/office/drawing/2014/main" xmlns="" id="{C2DADFD2-C436-4A8D-AB23-1A7D1F63FA50}"/>
+                <a16:creationId xmlns="" xmlns:a16="http://schemas.microsoft.com/office/drawing/2014/main" id="{C2DADFD2-C436-4A8D-AB23-1A7D1F63FA50}"/>
               </a:ext>
             </a:extLst>
           </p:cNvPr>
@@ -5555,7 +5560,7 @@
           <p:cNvPr id="3" name="Content Placeholder 2">
             <a:extLst>
               <a:ext uri="{FF2B5EF4-FFF2-40B4-BE49-F238E27FC236}">
-                <a16:creationId xmlns:a16="http://schemas.microsoft.com/office/drawing/2014/main" xmlns="" id="{2E053545-65E8-4D6E-882C-1DBDD0B602A5}"/>
+                <a16:creationId xmlns="" xmlns:a16="http://schemas.microsoft.com/office/drawing/2014/main" id="{2E053545-65E8-4D6E-882C-1DBDD0B602A5}"/>
               </a:ext>
             </a:extLst>
           </p:cNvPr>
@@ -5606,7 +5611,7 @@
           <p:cNvPr id="4" name="TextBox 3">
             <a:extLst>
               <a:ext uri="{FF2B5EF4-FFF2-40B4-BE49-F238E27FC236}">
-                <a16:creationId xmlns:a16="http://schemas.microsoft.com/office/drawing/2014/main" xmlns="" id="{DC937530-166F-4A8D-A054-4AEAD37C1B18}"/>
+                <a16:creationId xmlns="" xmlns:a16="http://schemas.microsoft.com/office/drawing/2014/main" id="{DC937530-166F-4A8D-A054-4AEAD37C1B18}"/>
               </a:ext>
             </a:extLst>
           </p:cNvPr>
@@ -5763,7 +5768,7 @@
           <p:cNvPr id="2" name="Title 1">
             <a:extLst>
               <a:ext uri="{FF2B5EF4-FFF2-40B4-BE49-F238E27FC236}">
-                <a16:creationId xmlns:a16="http://schemas.microsoft.com/office/drawing/2014/main" xmlns="" id="{C2DADFD2-C436-4A8D-AB23-1A7D1F63FA50}"/>
+                <a16:creationId xmlns="" xmlns:a16="http://schemas.microsoft.com/office/drawing/2014/main" id="{C2DADFD2-C436-4A8D-AB23-1A7D1F63FA50}"/>
               </a:ext>
             </a:extLst>
           </p:cNvPr>
@@ -5791,7 +5796,7 @@
           <p:cNvPr id="3" name="Content Placeholder 2">
             <a:extLst>
               <a:ext uri="{FF2B5EF4-FFF2-40B4-BE49-F238E27FC236}">
-                <a16:creationId xmlns:a16="http://schemas.microsoft.com/office/drawing/2014/main" xmlns="" id="{2E053545-65E8-4D6E-882C-1DBDD0B602A5}"/>
+                <a16:creationId xmlns="" xmlns:a16="http://schemas.microsoft.com/office/drawing/2014/main" id="{2E053545-65E8-4D6E-882C-1DBDD0B602A5}"/>
               </a:ext>
             </a:extLst>
           </p:cNvPr>
@@ -5846,7 +5851,7 @@
           <p:cNvPr id="4" name="TextBox 3">
             <a:extLst>
               <a:ext uri="{FF2B5EF4-FFF2-40B4-BE49-F238E27FC236}">
-                <a16:creationId xmlns:a16="http://schemas.microsoft.com/office/drawing/2014/main" xmlns="" id="{1F69CE15-566E-46F1-B5C7-5400CA73AAE5}"/>
+                <a16:creationId xmlns="" xmlns:a16="http://schemas.microsoft.com/office/drawing/2014/main" id="{1F69CE15-566E-46F1-B5C7-5400CA73AAE5}"/>
               </a:ext>
             </a:extLst>
           </p:cNvPr>
@@ -5988,7 +5993,7 @@
           <p:cNvPr id="2" name="Title 1">
             <a:extLst>
               <a:ext uri="{FF2B5EF4-FFF2-40B4-BE49-F238E27FC236}">
-                <a16:creationId xmlns:a16="http://schemas.microsoft.com/office/drawing/2014/main" xmlns="" id="{C2DADFD2-C436-4A8D-AB23-1A7D1F63FA50}"/>
+                <a16:creationId xmlns="" xmlns:a16="http://schemas.microsoft.com/office/drawing/2014/main" id="{C2DADFD2-C436-4A8D-AB23-1A7D1F63FA50}"/>
               </a:ext>
             </a:extLst>
           </p:cNvPr>
@@ -6016,7 +6021,7 @@
           <p:cNvPr id="3" name="Content Placeholder 2">
             <a:extLst>
               <a:ext uri="{FF2B5EF4-FFF2-40B4-BE49-F238E27FC236}">
-                <a16:creationId xmlns:a16="http://schemas.microsoft.com/office/drawing/2014/main" xmlns="" id="{2E053545-65E8-4D6E-882C-1DBDD0B602A5}"/>
+                <a16:creationId xmlns="" xmlns:a16="http://schemas.microsoft.com/office/drawing/2014/main" id="{2E053545-65E8-4D6E-882C-1DBDD0B602A5}"/>
               </a:ext>
             </a:extLst>
           </p:cNvPr>
@@ -6060,7 +6065,7 @@
           <p:cNvPr id="4" name="Content Placeholder 3">
             <a:extLst>
               <a:ext uri="{FF2B5EF4-FFF2-40B4-BE49-F238E27FC236}">
-                <a16:creationId xmlns:a16="http://schemas.microsoft.com/office/drawing/2014/main" xmlns="" id="{B613B544-AA8F-4C7F-852A-8C4245C20A4B}"/>
+                <a16:creationId xmlns="" xmlns:a16="http://schemas.microsoft.com/office/drawing/2014/main" id="{B613B544-AA8F-4C7F-852A-8C4245C20A4B}"/>
               </a:ext>
             </a:extLst>
           </p:cNvPr>
@@ -6096,7 +6101,7 @@
           <p:cNvPr id="5" name="TextBox 4">
             <a:extLst>
               <a:ext uri="{FF2B5EF4-FFF2-40B4-BE49-F238E27FC236}">
-                <a16:creationId xmlns:a16="http://schemas.microsoft.com/office/drawing/2014/main" xmlns="" id="{D3E2E873-C401-4A0C-B09E-71EB11AE8F09}"/>
+                <a16:creationId xmlns="" xmlns:a16="http://schemas.microsoft.com/office/drawing/2014/main" id="{D3E2E873-C401-4A0C-B09E-71EB11AE8F09}"/>
               </a:ext>
             </a:extLst>
           </p:cNvPr>
@@ -6465,7 +6470,7 @@
           <p:cNvPr id="5" name="Title 4">
             <a:extLst>
               <a:ext uri="{FF2B5EF4-FFF2-40B4-BE49-F238E27FC236}">
-                <a16:creationId xmlns:a16="http://schemas.microsoft.com/office/drawing/2014/main" xmlns="" id="{BC6ABE1C-2F73-4AE5-982C-AD0B9B7F0274}"/>
+                <a16:creationId xmlns="" xmlns:a16="http://schemas.microsoft.com/office/drawing/2014/main" id="{BC6ABE1C-2F73-4AE5-982C-AD0B9B7F0274}"/>
               </a:ext>
             </a:extLst>
           </p:cNvPr>
@@ -6495,7 +6500,7 @@
               <p:cNvPr id="6" name="Content Placeholder 5">
                 <a:extLst>
                   <a:ext uri="{FF2B5EF4-FFF2-40B4-BE49-F238E27FC236}">
-                    <a16:creationId xmlns:a16="http://schemas.microsoft.com/office/drawing/2014/main" xmlns="" id="{D6CA7E43-6B7D-41CE-AEA1-D9B42AE6E9E1}"/>
+                    <a16:creationId xmlns="" xmlns:a16="http://schemas.microsoft.com/office/drawing/2014/main" id="{D6CA7E43-6B7D-41CE-AEA1-D9B42AE6E9E1}"/>
                   </a:ext>
                 </a:extLst>
               </p:cNvPr>
